--- a/chouette agence [Enregistrement automatique].pptx
+++ b/chouette agence [Enregistrement automatique].pptx
@@ -8,21 +8,22 @@
     <p:sldId id="256" r:id="rId2"/>
     <p:sldId id="274" r:id="rId3"/>
     <p:sldId id="269" r:id="rId4"/>
-    <p:sldId id="257" r:id="rId5"/>
-    <p:sldId id="258" r:id="rId6"/>
-    <p:sldId id="261" r:id="rId7"/>
-    <p:sldId id="268" r:id="rId8"/>
-    <p:sldId id="267" r:id="rId9"/>
-    <p:sldId id="271" r:id="rId10"/>
-    <p:sldId id="272" r:id="rId11"/>
-    <p:sldId id="266" r:id="rId12"/>
-    <p:sldId id="262" r:id="rId13"/>
-    <p:sldId id="259" r:id="rId14"/>
-    <p:sldId id="273" r:id="rId15"/>
-    <p:sldId id="263" r:id="rId16"/>
-    <p:sldId id="265" r:id="rId17"/>
-    <p:sldId id="270" r:id="rId18"/>
-    <p:sldId id="260" r:id="rId19"/>
+    <p:sldId id="275" r:id="rId5"/>
+    <p:sldId id="257" r:id="rId6"/>
+    <p:sldId id="258" r:id="rId7"/>
+    <p:sldId id="261" r:id="rId8"/>
+    <p:sldId id="268" r:id="rId9"/>
+    <p:sldId id="267" r:id="rId10"/>
+    <p:sldId id="271" r:id="rId11"/>
+    <p:sldId id="272" r:id="rId12"/>
+    <p:sldId id="266" r:id="rId13"/>
+    <p:sldId id="262" r:id="rId14"/>
+    <p:sldId id="259" r:id="rId15"/>
+    <p:sldId id="273" r:id="rId16"/>
+    <p:sldId id="263" r:id="rId17"/>
+    <p:sldId id="265" r:id="rId18"/>
+    <p:sldId id="270" r:id="rId19"/>
+    <p:sldId id="260" r:id="rId20"/>
   </p:sldIdLst>
   <p:sldSz cx="12192000" cy="6858000"/>
   <p:notesSz cx="6858000" cy="9144000"/>
@@ -260,7 +261,7 @@
           <a:p>
             <a:fld id="{79049A12-6D64-4FC5-8C45-D8F5AEFED95C}" type="datetimeFigureOut">
               <a:rPr lang="fr-FR" smtClean="0"/>
-              <a:t>07/02/2022</a:t>
+              <a:t>09/02/2022</a:t>
             </a:fld>
             <a:endParaRPr lang="fr-FR"/>
           </a:p>
@@ -430,7 +431,7 @@
           <a:p>
             <a:fld id="{79049A12-6D64-4FC5-8C45-D8F5AEFED95C}" type="datetimeFigureOut">
               <a:rPr lang="fr-FR" smtClean="0"/>
-              <a:t>07/02/2022</a:t>
+              <a:t>09/02/2022</a:t>
             </a:fld>
             <a:endParaRPr lang="fr-FR"/>
           </a:p>
@@ -610,7 +611,7 @@
           <a:p>
             <a:fld id="{79049A12-6D64-4FC5-8C45-D8F5AEFED95C}" type="datetimeFigureOut">
               <a:rPr lang="fr-FR" smtClean="0"/>
-              <a:t>07/02/2022</a:t>
+              <a:t>09/02/2022</a:t>
             </a:fld>
             <a:endParaRPr lang="fr-FR"/>
           </a:p>
@@ -780,7 +781,7 @@
           <a:p>
             <a:fld id="{79049A12-6D64-4FC5-8C45-D8F5AEFED95C}" type="datetimeFigureOut">
               <a:rPr lang="fr-FR" smtClean="0"/>
-              <a:t>07/02/2022</a:t>
+              <a:t>09/02/2022</a:t>
             </a:fld>
             <a:endParaRPr lang="fr-FR"/>
           </a:p>
@@ -1026,7 +1027,7 @@
           <a:p>
             <a:fld id="{79049A12-6D64-4FC5-8C45-D8F5AEFED95C}" type="datetimeFigureOut">
               <a:rPr lang="fr-FR" smtClean="0"/>
-              <a:t>07/02/2022</a:t>
+              <a:t>09/02/2022</a:t>
             </a:fld>
             <a:endParaRPr lang="fr-FR"/>
           </a:p>
@@ -1258,7 +1259,7 @@
           <a:p>
             <a:fld id="{79049A12-6D64-4FC5-8C45-D8F5AEFED95C}" type="datetimeFigureOut">
               <a:rPr lang="fr-FR" smtClean="0"/>
-              <a:t>07/02/2022</a:t>
+              <a:t>09/02/2022</a:t>
             </a:fld>
             <a:endParaRPr lang="fr-FR"/>
           </a:p>
@@ -1625,7 +1626,7 @@
           <a:p>
             <a:fld id="{79049A12-6D64-4FC5-8C45-D8F5AEFED95C}" type="datetimeFigureOut">
               <a:rPr lang="fr-FR" smtClean="0"/>
-              <a:t>07/02/2022</a:t>
+              <a:t>09/02/2022</a:t>
             </a:fld>
             <a:endParaRPr lang="fr-FR"/>
           </a:p>
@@ -1743,7 +1744,7 @@
           <a:p>
             <a:fld id="{79049A12-6D64-4FC5-8C45-D8F5AEFED95C}" type="datetimeFigureOut">
               <a:rPr lang="fr-FR" smtClean="0"/>
-              <a:t>07/02/2022</a:t>
+              <a:t>09/02/2022</a:t>
             </a:fld>
             <a:endParaRPr lang="fr-FR"/>
           </a:p>
@@ -1838,7 +1839,7 @@
           <a:p>
             <a:fld id="{79049A12-6D64-4FC5-8C45-D8F5AEFED95C}" type="datetimeFigureOut">
               <a:rPr lang="fr-FR" smtClean="0"/>
-              <a:t>07/02/2022</a:t>
+              <a:t>09/02/2022</a:t>
             </a:fld>
             <a:endParaRPr lang="fr-FR"/>
           </a:p>
@@ -2115,7 +2116,7 @@
           <a:p>
             <a:fld id="{79049A12-6D64-4FC5-8C45-D8F5AEFED95C}" type="datetimeFigureOut">
               <a:rPr lang="fr-FR" smtClean="0"/>
-              <a:t>07/02/2022</a:t>
+              <a:t>09/02/2022</a:t>
             </a:fld>
             <a:endParaRPr lang="fr-FR"/>
           </a:p>
@@ -2368,7 +2369,7 @@
           <a:p>
             <a:fld id="{79049A12-6D64-4FC5-8C45-D8F5AEFED95C}" type="datetimeFigureOut">
               <a:rPr lang="fr-FR" smtClean="0"/>
-              <a:t>07/02/2022</a:t>
+              <a:t>09/02/2022</a:t>
             </a:fld>
             <a:endParaRPr lang="fr-FR"/>
           </a:p>
@@ -2581,7 +2582,7 @@
           <a:p>
             <a:fld id="{79049A12-6D64-4FC5-8C45-D8F5AEFED95C}" type="datetimeFigureOut">
               <a:rPr lang="fr-FR" smtClean="0"/>
-              <a:t>07/02/2022</a:t>
+              <a:t>09/02/2022</a:t>
             </a:fld>
             <a:endParaRPr lang="fr-FR"/>
           </a:p>
@@ -3314,6 +3315,252 @@
 <file path=ppt/slides/slide10.xml><?xml version="1.0" encoding="utf-8"?>
 <p:sld xmlns:a="http://schemas.openxmlformats.org/drawingml/2006/main" xmlns:r="http://schemas.openxmlformats.org/officeDocument/2006/relationships" xmlns:p="http://schemas.openxmlformats.org/presentationml/2006/main">
   <p:cSld>
+    <p:spTree>
+      <p:nvGrpSpPr>
+        <p:cNvPr id="1" name=""/>
+        <p:cNvGrpSpPr/>
+        <p:nvPr/>
+      </p:nvGrpSpPr>
+      <p:grpSpPr>
+        <a:xfrm>
+          <a:off x="0" y="0"/>
+          <a:ext cx="0" cy="0"/>
+          <a:chOff x="0" y="0"/>
+          <a:chExt cx="0" cy="0"/>
+        </a:xfrm>
+      </p:grpSpPr>
+      <p:sp>
+        <p:nvSpPr>
+          <p:cNvPr id="3" name="Rectangle à coins arrondis 2"/>
+          <p:cNvSpPr/>
+          <p:nvPr/>
+        </p:nvSpPr>
+        <p:spPr>
+          <a:xfrm>
+            <a:off x="955964" y="587086"/>
+            <a:ext cx="3419181" cy="1049481"/>
+          </a:xfrm>
+          <a:prstGeom prst="roundRect">
+            <a:avLst/>
+          </a:prstGeom>
+          <a:solidFill>
+            <a:srgbClr val="FAC74E"/>
+          </a:solidFill>
+        </p:spPr>
+        <p:style>
+          <a:lnRef idx="2">
+            <a:schemeClr val="accent1">
+              <a:shade val="50000"/>
+            </a:schemeClr>
+          </a:lnRef>
+          <a:fillRef idx="1">
+            <a:schemeClr val="accent1"/>
+          </a:fillRef>
+          <a:effectRef idx="0">
+            <a:schemeClr val="accent1"/>
+          </a:effectRef>
+          <a:fontRef idx="minor">
+            <a:schemeClr val="lt1"/>
+          </a:fontRef>
+        </p:style>
+        <p:txBody>
+          <a:bodyPr rtlCol="0" anchor="ctr"/>
+          <a:lstStyle/>
+          <a:p>
+            <a:pPr algn="ctr"/>
+            <a:endParaRPr lang="fr-FR"/>
+          </a:p>
+        </p:txBody>
+      </p:sp>
+      <p:sp>
+        <p:nvSpPr>
+          <p:cNvPr id="2" name="Titre 1"/>
+          <p:cNvSpPr>
+            <a:spLocks noGrp="1"/>
+          </p:cNvSpPr>
+          <p:nvPr>
+            <p:ph type="title"/>
+          </p:nvPr>
+        </p:nvSpPr>
+        <p:spPr>
+          <a:xfrm>
+            <a:off x="1191491" y="449044"/>
+            <a:ext cx="10515600" cy="1325563"/>
+          </a:xfrm>
+        </p:spPr>
+        <p:txBody>
+          <a:bodyPr/>
+          <a:lstStyle/>
+          <a:p>
+            <a:r>
+              <a:rPr lang="fr-FR" dirty="0" smtClean="0">
+                <a:solidFill>
+                  <a:srgbClr val="CF384A"/>
+                </a:solidFill>
+              </a:rPr>
+              <a:t>Liens page</a:t>
+            </a:r>
+            <a:endParaRPr lang="fr-FR" dirty="0">
+              <a:solidFill>
+                <a:srgbClr val="CF384A"/>
+              </a:solidFill>
+            </a:endParaRPr>
+          </a:p>
+        </p:txBody>
+      </p:sp>
+      <p:pic>
+        <p:nvPicPr>
+          <p:cNvPr id="4" name="Espace réservé du contenu 3"/>
+          <p:cNvPicPr>
+            <a:picLocks noGrp="1" noChangeAspect="1"/>
+          </p:cNvPicPr>
+          <p:nvPr>
+            <p:ph idx="1"/>
+          </p:nvPr>
+        </p:nvPicPr>
+        <p:blipFill>
+          <a:blip r:embed="rId2"/>
+          <a:stretch>
+            <a:fillRect/>
+          </a:stretch>
+        </p:blipFill>
+        <p:spPr>
+          <a:xfrm>
+            <a:off x="838200" y="2412883"/>
+            <a:ext cx="4210638" cy="2715004"/>
+          </a:xfrm>
+          <a:prstGeom prst="rect">
+            <a:avLst/>
+          </a:prstGeom>
+        </p:spPr>
+      </p:pic>
+      <p:sp>
+        <p:nvSpPr>
+          <p:cNvPr id="5" name="Rectangle à coins arrondis 4"/>
+          <p:cNvSpPr/>
+          <p:nvPr/>
+        </p:nvSpPr>
+        <p:spPr>
+          <a:xfrm>
+            <a:off x="7429500" y="1111827"/>
+            <a:ext cx="3844636" cy="4738255"/>
+          </a:xfrm>
+          <a:prstGeom prst="roundRect">
+            <a:avLst/>
+          </a:prstGeom>
+          <a:solidFill>
+            <a:srgbClr val="CF384A"/>
+          </a:solidFill>
+        </p:spPr>
+        <p:style>
+          <a:lnRef idx="2">
+            <a:schemeClr val="accent1">
+              <a:shade val="50000"/>
+            </a:schemeClr>
+          </a:lnRef>
+          <a:fillRef idx="1">
+            <a:schemeClr val="accent1"/>
+          </a:fillRef>
+          <a:effectRef idx="0">
+            <a:schemeClr val="accent1"/>
+          </a:effectRef>
+          <a:fontRef idx="minor">
+            <a:schemeClr val="lt1"/>
+          </a:fontRef>
+        </p:style>
+        <p:txBody>
+          <a:bodyPr rtlCol="0" anchor="ctr"/>
+          <a:lstStyle/>
+          <a:p>
+            <a:pPr algn="ctr"/>
+            <a:r>
+              <a:rPr lang="fr-FR" sz="2400" dirty="0" smtClean="0">
+                <a:solidFill>
+                  <a:srgbClr val="FAC74E"/>
+                </a:solidFill>
+              </a:rPr>
+              <a:t>Trop de liens envoi à la même page,</a:t>
+            </a:r>
+          </a:p>
+          <a:p>
+            <a:pPr algn="ctr"/>
+            <a:endParaRPr lang="fr-FR" sz="2400" dirty="0" smtClean="0">
+              <a:solidFill>
+                <a:srgbClr val="FAC74E"/>
+              </a:solidFill>
+            </a:endParaRPr>
+          </a:p>
+          <a:p>
+            <a:pPr algn="ctr"/>
+            <a:r>
+              <a:rPr lang="fr-FR" sz="2400" dirty="0" smtClean="0">
+                <a:solidFill>
+                  <a:srgbClr val="FAC74E"/>
+                </a:solidFill>
+              </a:rPr>
+              <a:t>Pour se faire</a:t>
+            </a:r>
+          </a:p>
+          <a:p>
+            <a:pPr algn="ctr"/>
+            <a:endParaRPr lang="fr-FR" sz="2400" dirty="0" smtClean="0">
+              <a:solidFill>
+                <a:srgbClr val="FAC74E"/>
+              </a:solidFill>
+            </a:endParaRPr>
+          </a:p>
+          <a:p>
+            <a:pPr algn="ctr"/>
+            <a:r>
+              <a:rPr lang="fr-FR" sz="2400" dirty="0" smtClean="0">
+                <a:solidFill>
+                  <a:srgbClr val="FAC74E"/>
+                </a:solidFill>
+              </a:rPr>
+              <a:t>Des liens on été supprimer </a:t>
+            </a:r>
+          </a:p>
+          <a:p>
+            <a:pPr algn="ctr"/>
+            <a:r>
+              <a:rPr lang="fr-FR" sz="2400" dirty="0" smtClean="0">
+                <a:solidFill>
+                  <a:srgbClr val="FAC74E"/>
+                </a:solidFill>
+              </a:rPr>
+              <a:t>Pour un meilleur SEO</a:t>
+            </a:r>
+            <a:endParaRPr lang="fr-FR" sz="2400" dirty="0">
+              <a:solidFill>
+                <a:srgbClr val="FAC74E"/>
+              </a:solidFill>
+            </a:endParaRPr>
+          </a:p>
+        </p:txBody>
+      </p:sp>
+    </p:spTree>
+    <p:extLst>
+      <p:ext uri="{BB962C8B-B14F-4D97-AF65-F5344CB8AC3E}">
+        <p14:creationId xmlns:p14="http://schemas.microsoft.com/office/powerpoint/2010/main" val="832168080"/>
+      </p:ext>
+    </p:extLst>
+  </p:cSld>
+  <p:clrMapOvr>
+    <a:masterClrMapping/>
+  </p:clrMapOvr>
+  <p:timing>
+    <p:tnLst>
+      <p:par>
+        <p:cTn id="1" dur="indefinite" restart="never" nodeType="tmRoot"/>
+      </p:par>
+    </p:tnLst>
+  </p:timing>
+</p:sld>
+</file>
+
+<file path=ppt/slides/slide11.xml><?xml version="1.0" encoding="utf-8"?>
+<p:sld xmlns:a="http://schemas.openxmlformats.org/drawingml/2006/main" xmlns:r="http://schemas.openxmlformats.org/officeDocument/2006/relationships" xmlns:p="http://schemas.openxmlformats.org/presentationml/2006/main">
+  <p:cSld>
     <p:bg>
       <p:bgPr>
         <a:solidFill>
@@ -3469,7 +3716,7 @@
 </p:sld>
 </file>
 
-<file path=ppt/slides/slide11.xml><?xml version="1.0" encoding="utf-8"?>
+<file path=ppt/slides/slide12.xml><?xml version="1.0" encoding="utf-8"?>
 <p:sld xmlns:a="http://schemas.openxmlformats.org/drawingml/2006/main" xmlns:r="http://schemas.openxmlformats.org/officeDocument/2006/relationships" xmlns:p="http://schemas.openxmlformats.org/presentationml/2006/main">
   <p:cSld>
     <p:spTree>
@@ -3819,7 +4066,7 @@
 </p:sld>
 </file>
 
-<file path=ppt/slides/slide12.xml><?xml version="1.0" encoding="utf-8"?>
+<file path=ppt/slides/slide13.xml><?xml version="1.0" encoding="utf-8"?>
 <p:sld xmlns:a="http://schemas.openxmlformats.org/drawingml/2006/main" xmlns:r="http://schemas.openxmlformats.org/officeDocument/2006/relationships" xmlns:p="http://schemas.openxmlformats.org/presentationml/2006/main">
   <p:cSld>
     <p:spTree>
@@ -4272,7 +4519,7 @@
 </p:sld>
 </file>
 
-<file path=ppt/slides/slide13.xml><?xml version="1.0" encoding="utf-8"?>
+<file path=ppt/slides/slide14.xml><?xml version="1.0" encoding="utf-8"?>
 <p:sld xmlns:a="http://schemas.openxmlformats.org/drawingml/2006/main" xmlns:r="http://schemas.openxmlformats.org/officeDocument/2006/relationships" xmlns:p="http://schemas.openxmlformats.org/presentationml/2006/main">
   <p:cSld>
     <p:bg>
@@ -4581,320 +4828,6 @@
     <p:extLst>
       <p:ext uri="{BB962C8B-B14F-4D97-AF65-F5344CB8AC3E}">
         <p14:creationId xmlns:p14="http://schemas.microsoft.com/office/powerpoint/2010/main" val="1702769214"/>
-      </p:ext>
-    </p:extLst>
-  </p:cSld>
-  <p:clrMapOvr>
-    <a:masterClrMapping/>
-  </p:clrMapOvr>
-  <p:timing>
-    <p:tnLst>
-      <p:par>
-        <p:cTn id="1" dur="indefinite" restart="never" nodeType="tmRoot"/>
-      </p:par>
-    </p:tnLst>
-  </p:timing>
-</p:sld>
-</file>
-
-<file path=ppt/slides/slide14.xml><?xml version="1.0" encoding="utf-8"?>
-<p:sld xmlns:a="http://schemas.openxmlformats.org/drawingml/2006/main" xmlns:r="http://schemas.openxmlformats.org/officeDocument/2006/relationships" xmlns:p="http://schemas.openxmlformats.org/presentationml/2006/main">
-  <p:cSld>
-    <p:spTree>
-      <p:nvGrpSpPr>
-        <p:cNvPr id="1" name=""/>
-        <p:cNvGrpSpPr/>
-        <p:nvPr/>
-      </p:nvGrpSpPr>
-      <p:grpSpPr>
-        <a:xfrm>
-          <a:off x="0" y="0"/>
-          <a:ext cx="0" cy="0"/>
-          <a:chOff x="0" y="0"/>
-          <a:chExt cx="0" cy="0"/>
-        </a:xfrm>
-      </p:grpSpPr>
-      <p:sp>
-        <p:nvSpPr>
-          <p:cNvPr id="5" name="Rectangle à coins arrondis 4"/>
-          <p:cNvSpPr/>
-          <p:nvPr/>
-        </p:nvSpPr>
-        <p:spPr>
-          <a:xfrm>
-            <a:off x="633845" y="443779"/>
-            <a:ext cx="5840743" cy="1246909"/>
-          </a:xfrm>
-          <a:prstGeom prst="roundRect">
-            <a:avLst/>
-          </a:prstGeom>
-          <a:solidFill>
-            <a:srgbClr val="CF384A"/>
-          </a:solidFill>
-          <a:ln>
-            <a:solidFill>
-              <a:srgbClr val="FAC74E"/>
-            </a:solidFill>
-          </a:ln>
-        </p:spPr>
-        <p:style>
-          <a:lnRef idx="2">
-            <a:schemeClr val="accent1">
-              <a:shade val="50000"/>
-            </a:schemeClr>
-          </a:lnRef>
-          <a:fillRef idx="1">
-            <a:schemeClr val="accent1"/>
-          </a:fillRef>
-          <a:effectRef idx="0">
-            <a:schemeClr val="accent1"/>
-          </a:effectRef>
-          <a:fontRef idx="minor">
-            <a:schemeClr val="lt1"/>
-          </a:fontRef>
-        </p:style>
-        <p:txBody>
-          <a:bodyPr rtlCol="0" anchor="ctr"/>
-          <a:lstStyle/>
-          <a:p>
-            <a:pPr algn="ctr"/>
-            <a:endParaRPr lang="fr-FR"/>
-          </a:p>
-        </p:txBody>
-      </p:sp>
-      <p:sp>
-        <p:nvSpPr>
-          <p:cNvPr id="2" name="Titre 1"/>
-          <p:cNvSpPr>
-            <a:spLocks noGrp="1"/>
-          </p:cNvSpPr>
-          <p:nvPr>
-            <p:ph type="title"/>
-          </p:nvPr>
-        </p:nvSpPr>
-        <p:spPr>
-          <a:xfrm>
-            <a:off x="1388918" y="365125"/>
-            <a:ext cx="10515600" cy="1325563"/>
-          </a:xfrm>
-        </p:spPr>
-        <p:txBody>
-          <a:bodyPr/>
-          <a:lstStyle/>
-          <a:p>
-            <a:r>
-              <a:rPr lang="fr-FR" dirty="0" smtClean="0">
-                <a:solidFill>
-                  <a:srgbClr val="FAC74E"/>
-                </a:solidFill>
-              </a:rPr>
-              <a:t>Site Responsive</a:t>
-            </a:r>
-            <a:endParaRPr lang="fr-FR" dirty="0">
-              <a:solidFill>
-                <a:srgbClr val="FAC74E"/>
-              </a:solidFill>
-            </a:endParaRPr>
-          </a:p>
-        </p:txBody>
-      </p:sp>
-      <p:pic>
-        <p:nvPicPr>
-          <p:cNvPr id="4" name="Image 3"/>
-          <p:cNvPicPr>
-            <a:picLocks noChangeAspect="1"/>
-          </p:cNvPicPr>
-          <p:nvPr/>
-        </p:nvPicPr>
-        <p:blipFill>
-          <a:blip r:embed="rId2"/>
-          <a:stretch>
-            <a:fillRect/>
-          </a:stretch>
-        </p:blipFill>
-        <p:spPr>
-          <a:xfrm>
-            <a:off x="710676" y="2086290"/>
-            <a:ext cx="5763912" cy="2849391"/>
-          </a:xfrm>
-          <a:prstGeom prst="rect">
-            <a:avLst/>
-          </a:prstGeom>
-        </p:spPr>
-      </p:pic>
-      <p:sp>
-        <p:nvSpPr>
-          <p:cNvPr id="6" name="Rectangle à coins arrondis 5"/>
-          <p:cNvSpPr/>
-          <p:nvPr/>
-        </p:nvSpPr>
-        <p:spPr>
-          <a:xfrm>
-            <a:off x="7626926" y="862446"/>
-            <a:ext cx="4094018" cy="4998027"/>
-          </a:xfrm>
-          <a:prstGeom prst="roundRect">
-            <a:avLst/>
-          </a:prstGeom>
-          <a:solidFill>
-            <a:schemeClr val="tx1">
-              <a:lumMod val="75000"/>
-              <a:lumOff val="25000"/>
-            </a:schemeClr>
-          </a:solidFill>
-          <a:ln>
-            <a:solidFill>
-              <a:schemeClr val="tx1">
-                <a:lumMod val="75000"/>
-                <a:lumOff val="25000"/>
-              </a:schemeClr>
-            </a:solidFill>
-          </a:ln>
-        </p:spPr>
-        <p:style>
-          <a:lnRef idx="2">
-            <a:schemeClr val="accent1">
-              <a:shade val="50000"/>
-            </a:schemeClr>
-          </a:lnRef>
-          <a:fillRef idx="1">
-            <a:schemeClr val="accent1"/>
-          </a:fillRef>
-          <a:effectRef idx="0">
-            <a:schemeClr val="accent1"/>
-          </a:effectRef>
-          <a:fontRef idx="minor">
-            <a:schemeClr val="lt1"/>
-          </a:fontRef>
-        </p:style>
-        <p:txBody>
-          <a:bodyPr rtlCol="0" anchor="ctr"/>
-          <a:lstStyle/>
-          <a:p>
-            <a:pPr marL="571500" indent="-571500">
-              <a:buFont typeface="Arial" panose="020B0604020202020204" pitchFamily="34" charset="0"/>
-              <a:buChar char="•"/>
-            </a:pPr>
-            <a:r>
-              <a:rPr lang="fr-FR" sz="4000" dirty="0" smtClean="0">
-                <a:solidFill>
-                  <a:srgbClr val="FAC74E"/>
-                </a:solidFill>
-              </a:rPr>
-              <a:t>Ordinateur</a:t>
-            </a:r>
-          </a:p>
-          <a:p>
-            <a:pPr marL="571500" indent="-571500">
-              <a:buFont typeface="Arial" panose="020B0604020202020204" pitchFamily="34" charset="0"/>
-              <a:buChar char="•"/>
-            </a:pPr>
-            <a:r>
-              <a:rPr lang="fr-FR" sz="4000" dirty="0" smtClean="0">
-                <a:solidFill>
-                  <a:srgbClr val="FAC74E"/>
-                </a:solidFill>
-              </a:rPr>
-              <a:t>Tablette</a:t>
-            </a:r>
-          </a:p>
-          <a:p>
-            <a:pPr marL="571500" indent="-571500">
-              <a:buFont typeface="Arial" panose="020B0604020202020204" pitchFamily="34" charset="0"/>
-              <a:buChar char="•"/>
-            </a:pPr>
-            <a:r>
-              <a:rPr lang="fr-FR" sz="4000" dirty="0" smtClean="0">
-                <a:solidFill>
-                  <a:srgbClr val="FAC74E"/>
-                </a:solidFill>
-              </a:rPr>
-              <a:t>smartphone</a:t>
-            </a:r>
-            <a:endParaRPr lang="fr-FR" sz="4000" dirty="0">
-              <a:solidFill>
-                <a:srgbClr val="FAC74E"/>
-              </a:solidFill>
-            </a:endParaRPr>
-          </a:p>
-        </p:txBody>
-      </p:sp>
-      <p:pic>
-        <p:nvPicPr>
-          <p:cNvPr id="3" name="Image 2"/>
-          <p:cNvPicPr>
-            <a:picLocks noChangeAspect="1"/>
-          </p:cNvPicPr>
-          <p:nvPr/>
-        </p:nvPicPr>
-        <p:blipFill>
-          <a:blip r:embed="rId3"/>
-          <a:stretch>
-            <a:fillRect/>
-          </a:stretch>
-        </p:blipFill>
-        <p:spPr>
-          <a:xfrm>
-            <a:off x="1388918" y="2862682"/>
-            <a:ext cx="2216727" cy="1201173"/>
-          </a:xfrm>
-          <a:prstGeom prst="rect">
-            <a:avLst/>
-          </a:prstGeom>
-        </p:spPr>
-      </p:pic>
-      <p:pic>
-        <p:nvPicPr>
-          <p:cNvPr id="7" name="Image 6"/>
-          <p:cNvPicPr>
-            <a:picLocks noChangeAspect="1"/>
-          </p:cNvPicPr>
-          <p:nvPr/>
-        </p:nvPicPr>
-        <p:blipFill>
-          <a:blip r:embed="rId4"/>
-          <a:stretch>
-            <a:fillRect/>
-          </a:stretch>
-        </p:blipFill>
-        <p:spPr>
-          <a:xfrm>
-            <a:off x="4194994" y="3009900"/>
-            <a:ext cx="928637" cy="1198418"/>
-          </a:xfrm>
-          <a:prstGeom prst="rect">
-            <a:avLst/>
-          </a:prstGeom>
-        </p:spPr>
-      </p:pic>
-      <p:pic>
-        <p:nvPicPr>
-          <p:cNvPr id="8" name="Image 7"/>
-          <p:cNvPicPr>
-            <a:picLocks noChangeAspect="1"/>
-          </p:cNvPicPr>
-          <p:nvPr/>
-        </p:nvPicPr>
-        <p:blipFill>
-          <a:blip r:embed="rId4"/>
-          <a:stretch>
-            <a:fillRect/>
-          </a:stretch>
-        </p:blipFill>
-        <p:spPr>
-          <a:xfrm>
-            <a:off x="5412160" y="3361459"/>
-            <a:ext cx="467329" cy="745050"/>
-          </a:xfrm>
-          <a:prstGeom prst="rect">
-            <a:avLst/>
-          </a:prstGeom>
-        </p:spPr>
-      </p:pic>
-    </p:spTree>
-    <p:extLst>
-      <p:ext uri="{BB962C8B-B14F-4D97-AF65-F5344CB8AC3E}">
-        <p14:creationId xmlns:p14="http://schemas.microsoft.com/office/powerpoint/2010/main" val="3479203292"/>
       </p:ext>
     </p:extLst>
   </p:cSld>
@@ -4928,32 +4861,6 @@
           <a:chExt cx="0" cy="0"/>
         </a:xfrm>
       </p:grpSpPr>
-      <p:pic>
-        <p:nvPicPr>
-          <p:cNvPr id="4" name="Espace réservé du contenu 3"/>
-          <p:cNvPicPr>
-            <a:picLocks noGrp="1" noChangeAspect="1"/>
-          </p:cNvPicPr>
-          <p:nvPr>
-            <p:ph idx="1"/>
-          </p:nvPr>
-        </p:nvPicPr>
-        <p:blipFill>
-          <a:blip r:embed="rId2"/>
-          <a:stretch>
-            <a:fillRect/>
-          </a:stretch>
-        </p:blipFill>
-        <p:spPr>
-          <a:xfrm>
-            <a:off x="572325" y="1745673"/>
-            <a:ext cx="3479008" cy="2467408"/>
-          </a:xfrm>
-          <a:prstGeom prst="rect">
-            <a:avLst/>
-          </a:prstGeom>
-        </p:spPr>
-      </p:pic>
       <p:sp>
         <p:nvSpPr>
           <p:cNvPr id="5" name="Rectangle à coins arrondis 4"/>
@@ -4962,18 +4869,18 @@
         </p:nvSpPr>
         <p:spPr>
           <a:xfrm>
-            <a:off x="1368136" y="138121"/>
-            <a:ext cx="9455728" cy="1278081"/>
+            <a:off x="633845" y="443779"/>
+            <a:ext cx="5840743" cy="1246909"/>
           </a:xfrm>
           <a:prstGeom prst="roundRect">
             <a:avLst/>
           </a:prstGeom>
           <a:solidFill>
-            <a:srgbClr val="FAC74E"/>
+            <a:srgbClr val="CF384A"/>
           </a:solidFill>
           <a:ln>
             <a:solidFill>
-              <a:srgbClr val="CF384A"/>
+              <a:srgbClr val="FAC74E"/>
             </a:solidFill>
           </a:ln>
         </p:spPr>
@@ -4998,17 +4905,41 @@
           <a:lstStyle/>
           <a:p>
             <a:pPr algn="ctr"/>
-            <a:r>
-              <a:rPr lang="fr-FR" sz="4400" dirty="0" smtClean="0">
-                <a:solidFill>
-                  <a:srgbClr val="CF384A"/>
+            <a:endParaRPr lang="fr-FR"/>
+          </a:p>
+        </p:txBody>
+      </p:sp>
+      <p:sp>
+        <p:nvSpPr>
+          <p:cNvPr id="2" name="Titre 1"/>
+          <p:cNvSpPr>
+            <a:spLocks noGrp="1"/>
+          </p:cNvSpPr>
+          <p:nvPr>
+            <p:ph type="title"/>
+          </p:nvPr>
+        </p:nvSpPr>
+        <p:spPr>
+          <a:xfrm>
+            <a:off x="1388918" y="365125"/>
+            <a:ext cx="10515600" cy="1325563"/>
+          </a:xfrm>
+        </p:spPr>
+        <p:txBody>
+          <a:bodyPr/>
+          <a:lstStyle/>
+          <a:p>
+            <a:r>
+              <a:rPr lang="fr-FR" dirty="0" smtClean="0">
+                <a:solidFill>
+                  <a:srgbClr val="FAC74E"/>
                 </a:solidFill>
               </a:rPr>
-              <a:t>Keywords mots clés</a:t>
-            </a:r>
-            <a:endParaRPr lang="fr-FR" sz="4400" dirty="0">
+              <a:t>Site Responsive</a:t>
+            </a:r>
+            <a:endParaRPr lang="fr-FR" dirty="0">
               <a:solidFill>
-                <a:srgbClr val="CF384A"/>
+                <a:srgbClr val="FAC74E"/>
               </a:solidFill>
             </a:endParaRPr>
           </a:p>
@@ -5016,22 +4947,22 @@
       </p:sp>
       <p:pic>
         <p:nvPicPr>
-          <p:cNvPr id="8" name="Image 7"/>
+          <p:cNvPr id="4" name="Image 3"/>
           <p:cNvPicPr>
             <a:picLocks noChangeAspect="1"/>
           </p:cNvPicPr>
           <p:nvPr/>
         </p:nvPicPr>
         <p:blipFill>
-          <a:blip r:embed="rId3"/>
+          <a:blip r:embed="rId2"/>
           <a:stretch>
             <a:fillRect/>
           </a:stretch>
         </p:blipFill>
         <p:spPr>
           <a:xfrm>
-            <a:off x="654628" y="2078818"/>
-            <a:ext cx="8811274" cy="696543"/>
+            <a:off x="710676" y="2086290"/>
+            <a:ext cx="5763912" cy="2849391"/>
           </a:xfrm>
           <a:prstGeom prst="rect">
             <a:avLst/>
@@ -5040,24 +4971,30 @@
       </p:pic>
       <p:sp>
         <p:nvSpPr>
-          <p:cNvPr id="9" name="Rectangle à coins arrondis 8"/>
+          <p:cNvPr id="6" name="Rectangle à coins arrondis 5"/>
           <p:cNvSpPr/>
           <p:nvPr/>
         </p:nvSpPr>
         <p:spPr>
           <a:xfrm>
-            <a:off x="1368136" y="4564214"/>
-            <a:ext cx="9455728" cy="2047010"/>
+            <a:off x="7626926" y="862446"/>
+            <a:ext cx="4094018" cy="4998027"/>
           </a:xfrm>
           <a:prstGeom prst="roundRect">
             <a:avLst/>
           </a:prstGeom>
           <a:solidFill>
-            <a:srgbClr val="CF384A"/>
+            <a:schemeClr val="tx1">
+              <a:lumMod val="75000"/>
+              <a:lumOff val="25000"/>
+            </a:schemeClr>
           </a:solidFill>
           <a:ln>
             <a:solidFill>
-              <a:srgbClr val="FAC74E"/>
+              <a:schemeClr val="tx1">
+                <a:lumMod val="75000"/>
+                <a:lumOff val="25000"/>
+              </a:schemeClr>
             </a:solidFill>
           </a:ln>
         </p:spPr>
@@ -5081,57 +5018,47 @@
           <a:bodyPr rtlCol="0" anchor="ctr"/>
           <a:lstStyle/>
           <a:p>
-            <a:pPr marL="571500" indent="-571500" algn="ctr">
+            <a:pPr marL="571500" indent="-571500">
               <a:buFont typeface="Arial" panose="020B0604020202020204" pitchFamily="34" charset="0"/>
               <a:buChar char="•"/>
             </a:pPr>
             <a:r>
-              <a:rPr lang="fr-FR" sz="3600" dirty="0" smtClean="0">
+              <a:rPr lang="fr-FR" sz="4000" dirty="0" smtClean="0">
                 <a:solidFill>
                   <a:srgbClr val="FAC74E"/>
                 </a:solidFill>
               </a:rPr>
-              <a:t>Pratique qui n’est plus utiliser</a:t>
-            </a:r>
-          </a:p>
-          <a:p>
-            <a:pPr marL="571500" indent="-571500" algn="ctr">
+              <a:t>Ordinateur</a:t>
+            </a:r>
+          </a:p>
+          <a:p>
+            <a:pPr marL="571500" indent="-571500">
               <a:buFont typeface="Arial" panose="020B0604020202020204" pitchFamily="34" charset="0"/>
               <a:buChar char="•"/>
             </a:pPr>
             <a:r>
-              <a:rPr lang="fr-FR" sz="3600" dirty="0" err="1" smtClean="0">
+              <a:rPr lang="fr-FR" sz="4000" dirty="0" smtClean="0">
                 <a:solidFill>
                   <a:srgbClr val="FAC74E"/>
                 </a:solidFill>
               </a:rPr>
-              <a:t>Cloacking</a:t>
-            </a:r>
-            <a:r>
-              <a:rPr lang="fr-FR" sz="3600" dirty="0" smtClean="0">
+              <a:t>Tablette</a:t>
+            </a:r>
+          </a:p>
+          <a:p>
+            <a:pPr marL="571500" indent="-571500">
+              <a:buFont typeface="Arial" panose="020B0604020202020204" pitchFamily="34" charset="0"/>
+              <a:buChar char="•"/>
+            </a:pPr>
+            <a:r>
+              <a:rPr lang="fr-FR" sz="4000" dirty="0" smtClean="0">
                 <a:solidFill>
                   <a:srgbClr val="FAC74E"/>
                 </a:solidFill>
               </a:rPr>
-              <a:t> </a:t>
-            </a:r>
-            <a:r>
-              <a:rPr lang="fr-FR" sz="3600" dirty="0" err="1" smtClean="0">
-                <a:solidFill>
-                  <a:srgbClr val="FAC74E"/>
-                </a:solidFill>
-              </a:rPr>
-              <a:t>discimulation</a:t>
-            </a:r>
-            <a:r>
-              <a:rPr lang="fr-FR" sz="3600" dirty="0" smtClean="0">
-                <a:solidFill>
-                  <a:srgbClr val="FAC74E"/>
-                </a:solidFill>
-              </a:rPr>
-              <a:t> de mots clés </a:t>
-            </a:r>
-            <a:endParaRPr lang="fr-FR" sz="3600" dirty="0">
+              <a:t>smartphone</a:t>
+            </a:r>
+            <a:endParaRPr lang="fr-FR" sz="4000" dirty="0">
               <a:solidFill>
                 <a:srgbClr val="FAC74E"/>
               </a:solidFill>
@@ -5139,10 +5066,82 @@
           </a:p>
         </p:txBody>
       </p:sp>
+      <p:pic>
+        <p:nvPicPr>
+          <p:cNvPr id="3" name="Image 2"/>
+          <p:cNvPicPr>
+            <a:picLocks noChangeAspect="1"/>
+          </p:cNvPicPr>
+          <p:nvPr/>
+        </p:nvPicPr>
+        <p:blipFill>
+          <a:blip r:embed="rId3"/>
+          <a:stretch>
+            <a:fillRect/>
+          </a:stretch>
+        </p:blipFill>
+        <p:spPr>
+          <a:xfrm>
+            <a:off x="1388918" y="2862682"/>
+            <a:ext cx="2216727" cy="1201173"/>
+          </a:xfrm>
+          <a:prstGeom prst="rect">
+            <a:avLst/>
+          </a:prstGeom>
+        </p:spPr>
+      </p:pic>
+      <p:pic>
+        <p:nvPicPr>
+          <p:cNvPr id="7" name="Image 6"/>
+          <p:cNvPicPr>
+            <a:picLocks noChangeAspect="1"/>
+          </p:cNvPicPr>
+          <p:nvPr/>
+        </p:nvPicPr>
+        <p:blipFill>
+          <a:blip r:embed="rId4"/>
+          <a:stretch>
+            <a:fillRect/>
+          </a:stretch>
+        </p:blipFill>
+        <p:spPr>
+          <a:xfrm>
+            <a:off x="4194994" y="3009900"/>
+            <a:ext cx="928637" cy="1198418"/>
+          </a:xfrm>
+          <a:prstGeom prst="rect">
+            <a:avLst/>
+          </a:prstGeom>
+        </p:spPr>
+      </p:pic>
+      <p:pic>
+        <p:nvPicPr>
+          <p:cNvPr id="8" name="Image 7"/>
+          <p:cNvPicPr>
+            <a:picLocks noChangeAspect="1"/>
+          </p:cNvPicPr>
+          <p:nvPr/>
+        </p:nvPicPr>
+        <p:blipFill>
+          <a:blip r:embed="rId4"/>
+          <a:stretch>
+            <a:fillRect/>
+          </a:stretch>
+        </p:blipFill>
+        <p:spPr>
+          <a:xfrm>
+            <a:off x="5412160" y="3361459"/>
+            <a:ext cx="467329" cy="745050"/>
+          </a:xfrm>
+          <a:prstGeom prst="rect">
+            <a:avLst/>
+          </a:prstGeom>
+        </p:spPr>
+      </p:pic>
     </p:spTree>
     <p:extLst>
       <p:ext uri="{BB962C8B-B14F-4D97-AF65-F5344CB8AC3E}">
-        <p14:creationId xmlns:p14="http://schemas.microsoft.com/office/powerpoint/2010/main" val="3839107337"/>
+        <p14:creationId xmlns:p14="http://schemas.microsoft.com/office/powerpoint/2010/main" val="3479203292"/>
       </p:ext>
     </p:extLst>
   </p:cSld>
@@ -5162,17 +5161,6 @@
 <file path=ppt/slides/slide16.xml><?xml version="1.0" encoding="utf-8"?>
 <p:sld xmlns:a="http://schemas.openxmlformats.org/drawingml/2006/main" xmlns:r="http://schemas.openxmlformats.org/officeDocument/2006/relationships" xmlns:p="http://schemas.openxmlformats.org/presentationml/2006/main">
   <p:cSld>
-    <p:bg>
-      <p:bgPr>
-        <a:solidFill>
-          <a:schemeClr val="tx1">
-            <a:lumMod val="75000"/>
-            <a:lumOff val="25000"/>
-          </a:schemeClr>
-        </a:solidFill>
-        <a:effectLst/>
-      </p:bgPr>
-    </p:bg>
     <p:spTree>
       <p:nvGrpSpPr>
         <p:cNvPr id="1" name=""/>
@@ -5189,11 +5177,13 @@
       </p:grpSpPr>
       <p:pic>
         <p:nvPicPr>
-          <p:cNvPr id="3" name="Image 2"/>
+          <p:cNvPr id="4" name="Espace réservé du contenu 3"/>
           <p:cNvPicPr>
-            <a:picLocks noChangeAspect="1"/>
+            <a:picLocks noGrp="1" noChangeAspect="1"/>
           </p:cNvPicPr>
-          <p:nvPr/>
+          <p:nvPr>
+            <p:ph idx="1"/>
+          </p:nvPr>
         </p:nvPicPr>
         <p:blipFill>
           <a:blip r:embed="rId2"/>
@@ -5203,62 +5193,14 @@
         </p:blipFill>
         <p:spPr>
           <a:xfrm>
-            <a:off x="865772" y="2011907"/>
-            <a:ext cx="9958092" cy="2176271"/>
+            <a:off x="572325" y="1745673"/>
+            <a:ext cx="3479008" cy="2467408"/>
           </a:xfrm>
           <a:prstGeom prst="rect">
             <a:avLst/>
           </a:prstGeom>
         </p:spPr>
       </p:pic>
-      <p:pic>
-        <p:nvPicPr>
-          <p:cNvPr id="4" name="Image 3"/>
-          <p:cNvPicPr>
-            <a:picLocks noChangeAspect="1"/>
-          </p:cNvPicPr>
-          <p:nvPr/>
-        </p:nvPicPr>
-        <p:blipFill>
-          <a:blip r:embed="rId3"/>
-          <a:stretch>
-            <a:fillRect/>
-          </a:stretch>
-        </p:blipFill>
-        <p:spPr>
-          <a:xfrm>
-            <a:off x="4381858" y="2246645"/>
-            <a:ext cx="3129120" cy="1706794"/>
-          </a:xfrm>
-          <a:prstGeom prst="ellipse">
-            <a:avLst/>
-          </a:prstGeom>
-          <a:ln w="63500" cap="rnd">
-            <a:solidFill>
-              <a:srgbClr val="333333"/>
-            </a:solidFill>
-          </a:ln>
-          <a:effectLst>
-            <a:outerShdw blurRad="381000" dist="292100" dir="5400000" sx="-80000" sy="-18000" rotWithShape="0">
-              <a:srgbClr val="000000">
-                <a:alpha val="22000"/>
-              </a:srgbClr>
-            </a:outerShdw>
-          </a:effectLst>
-          <a:scene3d>
-            <a:camera prst="orthographicFront"/>
-            <a:lightRig rig="contrasting" dir="t">
-              <a:rot lat="0" lon="0" rev="3000000"/>
-            </a:lightRig>
-          </a:scene3d>
-          <a:sp3d contourW="7620">
-            <a:bevelT w="95250" h="31750"/>
-            <a:contourClr>
-              <a:srgbClr val="333333"/>
-            </a:contourClr>
-          </a:sp3d>
-        </p:spPr>
-      </p:pic>
       <p:sp>
         <p:nvSpPr>
           <p:cNvPr id="5" name="Rectangle à coins arrondis 4"/>
@@ -5267,8 +5209,8 @@
         </p:nvSpPr>
         <p:spPr>
           <a:xfrm>
-            <a:off x="3221182" y="394855"/>
-            <a:ext cx="6390409" cy="1111827"/>
+            <a:off x="1368136" y="138121"/>
+            <a:ext cx="9455728" cy="1278081"/>
           </a:xfrm>
           <a:prstGeom prst="roundRect">
             <a:avLst/>
@@ -5278,7 +5220,7 @@
           </a:solidFill>
           <a:ln>
             <a:solidFill>
-              <a:srgbClr val="FAC74E"/>
+              <a:srgbClr val="CF384A"/>
             </a:solidFill>
           </a:ln>
         </p:spPr>
@@ -5304,16 +5246,141 @@
           <a:p>
             <a:pPr algn="ctr"/>
             <a:r>
-              <a:rPr lang="fr-FR" sz="4000" dirty="0" smtClean="0">
-                <a:solidFill>
-                  <a:srgbClr val="C00000"/>
+              <a:rPr lang="fr-FR" sz="4400" dirty="0" smtClean="0">
+                <a:solidFill>
+                  <a:srgbClr val="CF384A"/>
                 </a:solidFill>
               </a:rPr>
-              <a:t>Liens annuaires</a:t>
-            </a:r>
-            <a:endParaRPr lang="fr-FR" sz="4000" dirty="0">
+              <a:t>Keywords mots clés</a:t>
+            </a:r>
+            <a:endParaRPr lang="fr-FR" sz="4400" dirty="0">
               <a:solidFill>
-                <a:srgbClr val="C00000"/>
+                <a:srgbClr val="CF384A"/>
+              </a:solidFill>
+            </a:endParaRPr>
+          </a:p>
+        </p:txBody>
+      </p:sp>
+      <p:pic>
+        <p:nvPicPr>
+          <p:cNvPr id="8" name="Image 7"/>
+          <p:cNvPicPr>
+            <a:picLocks noChangeAspect="1"/>
+          </p:cNvPicPr>
+          <p:nvPr/>
+        </p:nvPicPr>
+        <p:blipFill>
+          <a:blip r:embed="rId3"/>
+          <a:stretch>
+            <a:fillRect/>
+          </a:stretch>
+        </p:blipFill>
+        <p:spPr>
+          <a:xfrm>
+            <a:off x="654628" y="2078818"/>
+            <a:ext cx="8811274" cy="696543"/>
+          </a:xfrm>
+          <a:prstGeom prst="rect">
+            <a:avLst/>
+          </a:prstGeom>
+        </p:spPr>
+      </p:pic>
+      <p:sp>
+        <p:nvSpPr>
+          <p:cNvPr id="9" name="Rectangle à coins arrondis 8"/>
+          <p:cNvSpPr/>
+          <p:nvPr/>
+        </p:nvSpPr>
+        <p:spPr>
+          <a:xfrm>
+            <a:off x="1368136" y="4564214"/>
+            <a:ext cx="9455728" cy="2047010"/>
+          </a:xfrm>
+          <a:prstGeom prst="roundRect">
+            <a:avLst/>
+          </a:prstGeom>
+          <a:solidFill>
+            <a:srgbClr val="CF384A"/>
+          </a:solidFill>
+          <a:ln>
+            <a:solidFill>
+              <a:srgbClr val="FAC74E"/>
+            </a:solidFill>
+          </a:ln>
+        </p:spPr>
+        <p:style>
+          <a:lnRef idx="2">
+            <a:schemeClr val="accent1">
+              <a:shade val="50000"/>
+            </a:schemeClr>
+          </a:lnRef>
+          <a:fillRef idx="1">
+            <a:schemeClr val="accent1"/>
+          </a:fillRef>
+          <a:effectRef idx="0">
+            <a:schemeClr val="accent1"/>
+          </a:effectRef>
+          <a:fontRef idx="minor">
+            <a:schemeClr val="lt1"/>
+          </a:fontRef>
+        </p:style>
+        <p:txBody>
+          <a:bodyPr rtlCol="0" anchor="ctr"/>
+          <a:lstStyle/>
+          <a:p>
+            <a:pPr marL="571500" indent="-571500" algn="ctr">
+              <a:buFont typeface="Arial" panose="020B0604020202020204" pitchFamily="34" charset="0"/>
+              <a:buChar char="•"/>
+            </a:pPr>
+            <a:r>
+              <a:rPr lang="fr-FR" sz="3600" dirty="0" smtClean="0">
+                <a:solidFill>
+                  <a:srgbClr val="FAC74E"/>
+                </a:solidFill>
+              </a:rPr>
+              <a:t>Pratique qui n’est plus utiliser</a:t>
+            </a:r>
+          </a:p>
+          <a:p>
+            <a:pPr marL="571500" indent="-571500" algn="ctr">
+              <a:buFont typeface="Arial" panose="020B0604020202020204" pitchFamily="34" charset="0"/>
+              <a:buChar char="•"/>
+            </a:pPr>
+            <a:r>
+              <a:rPr lang="fr-FR" sz="3600" dirty="0" err="1" smtClean="0">
+                <a:solidFill>
+                  <a:srgbClr val="FAC74E"/>
+                </a:solidFill>
+              </a:rPr>
+              <a:t>Cloacking</a:t>
+            </a:r>
+            <a:r>
+              <a:rPr lang="fr-FR" sz="3600" dirty="0" smtClean="0">
+                <a:solidFill>
+                  <a:srgbClr val="FAC74E"/>
+                </a:solidFill>
+              </a:rPr>
+              <a:t> </a:t>
+            </a:r>
+            <a:r>
+              <a:rPr lang="fr-FR" sz="3600" dirty="0" err="1" smtClean="0">
+                <a:solidFill>
+                  <a:srgbClr val="FAC74E"/>
+                </a:solidFill>
+              </a:rPr>
+              <a:t>discimulation</a:t>
+            </a:r>
+            <a:r>
+              <a:rPr lang="fr-FR" sz="3600" dirty="0" smtClean="0">
+                <a:solidFill>
+                  <a:srgbClr val="FAC74E"/>
+                </a:solidFill>
+              </a:rPr>
+              <a:t> de mots clés </a:t>
+            </a:r>
+            <a:endParaRPr lang="fr-FR" sz="3600" dirty="0">
+              <a:solidFill>
+                <a:srgbClr val="FAC74E"/>
               </a:solidFill>
             </a:endParaRPr>
           </a:p>
@@ -5322,7 +5389,7 @@
     </p:spTree>
     <p:extLst>
       <p:ext uri="{BB962C8B-B14F-4D97-AF65-F5344CB8AC3E}">
-        <p14:creationId xmlns:p14="http://schemas.microsoft.com/office/powerpoint/2010/main" val="2476141840"/>
+        <p14:creationId xmlns:p14="http://schemas.microsoft.com/office/powerpoint/2010/main" val="3839107337"/>
       </p:ext>
     </p:extLst>
   </p:cSld>
@@ -5367,6 +5434,186 @@
           <a:chExt cx="0" cy="0"/>
         </a:xfrm>
       </p:grpSpPr>
+      <p:pic>
+        <p:nvPicPr>
+          <p:cNvPr id="3" name="Image 2"/>
+          <p:cNvPicPr>
+            <a:picLocks noChangeAspect="1"/>
+          </p:cNvPicPr>
+          <p:nvPr/>
+        </p:nvPicPr>
+        <p:blipFill>
+          <a:blip r:embed="rId2"/>
+          <a:stretch>
+            <a:fillRect/>
+          </a:stretch>
+        </p:blipFill>
+        <p:spPr>
+          <a:xfrm>
+            <a:off x="865772" y="2011907"/>
+            <a:ext cx="9958092" cy="2176271"/>
+          </a:xfrm>
+          <a:prstGeom prst="rect">
+            <a:avLst/>
+          </a:prstGeom>
+        </p:spPr>
+      </p:pic>
+      <p:pic>
+        <p:nvPicPr>
+          <p:cNvPr id="4" name="Image 3"/>
+          <p:cNvPicPr>
+            <a:picLocks noChangeAspect="1"/>
+          </p:cNvPicPr>
+          <p:nvPr/>
+        </p:nvPicPr>
+        <p:blipFill>
+          <a:blip r:embed="rId3"/>
+          <a:stretch>
+            <a:fillRect/>
+          </a:stretch>
+        </p:blipFill>
+        <p:spPr>
+          <a:xfrm>
+            <a:off x="4381858" y="2246645"/>
+            <a:ext cx="3129120" cy="1706794"/>
+          </a:xfrm>
+          <a:prstGeom prst="ellipse">
+            <a:avLst/>
+          </a:prstGeom>
+          <a:ln w="63500" cap="rnd">
+            <a:solidFill>
+              <a:srgbClr val="333333"/>
+            </a:solidFill>
+          </a:ln>
+          <a:effectLst>
+            <a:outerShdw blurRad="381000" dist="292100" dir="5400000" sx="-80000" sy="-18000" rotWithShape="0">
+              <a:srgbClr val="000000">
+                <a:alpha val="22000"/>
+              </a:srgbClr>
+            </a:outerShdw>
+          </a:effectLst>
+          <a:scene3d>
+            <a:camera prst="orthographicFront"/>
+            <a:lightRig rig="contrasting" dir="t">
+              <a:rot lat="0" lon="0" rev="3000000"/>
+            </a:lightRig>
+          </a:scene3d>
+          <a:sp3d contourW="7620">
+            <a:bevelT w="95250" h="31750"/>
+            <a:contourClr>
+              <a:srgbClr val="333333"/>
+            </a:contourClr>
+          </a:sp3d>
+        </p:spPr>
+      </p:pic>
+      <p:sp>
+        <p:nvSpPr>
+          <p:cNvPr id="5" name="Rectangle à coins arrondis 4"/>
+          <p:cNvSpPr/>
+          <p:nvPr/>
+        </p:nvSpPr>
+        <p:spPr>
+          <a:xfrm>
+            <a:off x="3221182" y="394855"/>
+            <a:ext cx="6390409" cy="1111827"/>
+          </a:xfrm>
+          <a:prstGeom prst="roundRect">
+            <a:avLst/>
+          </a:prstGeom>
+          <a:solidFill>
+            <a:srgbClr val="FAC74E"/>
+          </a:solidFill>
+          <a:ln>
+            <a:solidFill>
+              <a:srgbClr val="FAC74E"/>
+            </a:solidFill>
+          </a:ln>
+        </p:spPr>
+        <p:style>
+          <a:lnRef idx="2">
+            <a:schemeClr val="accent1">
+              <a:shade val="50000"/>
+            </a:schemeClr>
+          </a:lnRef>
+          <a:fillRef idx="1">
+            <a:schemeClr val="accent1"/>
+          </a:fillRef>
+          <a:effectRef idx="0">
+            <a:schemeClr val="accent1"/>
+          </a:effectRef>
+          <a:fontRef idx="minor">
+            <a:schemeClr val="lt1"/>
+          </a:fontRef>
+        </p:style>
+        <p:txBody>
+          <a:bodyPr rtlCol="0" anchor="ctr"/>
+          <a:lstStyle/>
+          <a:p>
+            <a:pPr algn="ctr"/>
+            <a:r>
+              <a:rPr lang="fr-FR" sz="4000" dirty="0" smtClean="0">
+                <a:solidFill>
+                  <a:srgbClr val="C00000"/>
+                </a:solidFill>
+              </a:rPr>
+              <a:t>Liens annuaires</a:t>
+            </a:r>
+            <a:endParaRPr lang="fr-FR" sz="4000" dirty="0">
+              <a:solidFill>
+                <a:srgbClr val="C00000"/>
+              </a:solidFill>
+            </a:endParaRPr>
+          </a:p>
+        </p:txBody>
+      </p:sp>
+    </p:spTree>
+    <p:extLst>
+      <p:ext uri="{BB962C8B-B14F-4D97-AF65-F5344CB8AC3E}">
+        <p14:creationId xmlns:p14="http://schemas.microsoft.com/office/powerpoint/2010/main" val="2476141840"/>
+      </p:ext>
+    </p:extLst>
+  </p:cSld>
+  <p:clrMapOvr>
+    <a:masterClrMapping/>
+  </p:clrMapOvr>
+  <p:timing>
+    <p:tnLst>
+      <p:par>
+        <p:cTn id="1" dur="indefinite" restart="never" nodeType="tmRoot"/>
+      </p:par>
+    </p:tnLst>
+  </p:timing>
+</p:sld>
+</file>
+
+<file path=ppt/slides/slide18.xml><?xml version="1.0" encoding="utf-8"?>
+<p:sld xmlns:a="http://schemas.openxmlformats.org/drawingml/2006/main" xmlns:r="http://schemas.openxmlformats.org/officeDocument/2006/relationships" xmlns:p="http://schemas.openxmlformats.org/presentationml/2006/main">
+  <p:cSld>
+    <p:bg>
+      <p:bgPr>
+        <a:solidFill>
+          <a:schemeClr val="tx1">
+            <a:lumMod val="75000"/>
+            <a:lumOff val="25000"/>
+          </a:schemeClr>
+        </a:solidFill>
+        <a:effectLst/>
+      </p:bgPr>
+    </p:bg>
+    <p:spTree>
+      <p:nvGrpSpPr>
+        <p:cNvPr id="1" name=""/>
+        <p:cNvGrpSpPr/>
+        <p:nvPr/>
+      </p:nvGrpSpPr>
+      <p:grpSpPr>
+        <a:xfrm>
+          <a:off x="0" y="0"/>
+          <a:ext cx="0" cy="0"/>
+          <a:chOff x="0" y="0"/>
+          <a:chExt cx="0" cy="0"/>
+        </a:xfrm>
+      </p:grpSpPr>
       <p:sp>
         <p:nvSpPr>
           <p:cNvPr id="2" name="Rectangle à coins arrondis 1"/>
@@ -5574,7 +5821,7 @@
 </p:sld>
 </file>
 
-<file path=ppt/slides/slide18.xml><?xml version="1.0" encoding="utf-8"?>
+<file path=ppt/slides/slide19.xml><?xml version="1.0" encoding="utf-8"?>
 <p:sld xmlns:a="http://schemas.openxmlformats.org/drawingml/2006/main" xmlns:r="http://schemas.openxmlformats.org/officeDocument/2006/relationships" xmlns:p="http://schemas.openxmlformats.org/presentationml/2006/main">
   <p:cSld>
     <p:bg>
@@ -6119,6 +6366,249 @@
 <file path=ppt/slides/slide4.xml><?xml version="1.0" encoding="utf-8"?>
 <p:sld xmlns:a="http://schemas.openxmlformats.org/drawingml/2006/main" xmlns:r="http://schemas.openxmlformats.org/officeDocument/2006/relationships" xmlns:p="http://schemas.openxmlformats.org/presentationml/2006/main">
   <p:cSld>
+    <p:spTree>
+      <p:nvGrpSpPr>
+        <p:cNvPr id="1" name=""/>
+        <p:cNvGrpSpPr/>
+        <p:nvPr/>
+      </p:nvGrpSpPr>
+      <p:grpSpPr>
+        <a:xfrm>
+          <a:off x="0" y="0"/>
+          <a:ext cx="0" cy="0"/>
+          <a:chOff x="0" y="0"/>
+          <a:chExt cx="0" cy="0"/>
+        </a:xfrm>
+      </p:grpSpPr>
+      <p:sp>
+        <p:nvSpPr>
+          <p:cNvPr id="5" name="Rectangle à coins arrondis 4"/>
+          <p:cNvSpPr/>
+          <p:nvPr/>
+        </p:nvSpPr>
+        <p:spPr>
+          <a:xfrm>
+            <a:off x="1625347" y="392590"/>
+            <a:ext cx="3771900" cy="1268730"/>
+          </a:xfrm>
+          <a:prstGeom prst="roundRect">
+            <a:avLst/>
+          </a:prstGeom>
+          <a:solidFill>
+            <a:srgbClr val="FAC74E"/>
+          </a:solidFill>
+          <a:ln>
+            <a:solidFill>
+              <a:srgbClr val="CF384A"/>
+            </a:solidFill>
+          </a:ln>
+        </p:spPr>
+        <p:style>
+          <a:lnRef idx="2">
+            <a:schemeClr val="accent1">
+              <a:shade val="50000"/>
+            </a:schemeClr>
+          </a:lnRef>
+          <a:fillRef idx="1">
+            <a:schemeClr val="accent1"/>
+          </a:fillRef>
+          <a:effectRef idx="0">
+            <a:schemeClr val="accent1"/>
+          </a:effectRef>
+          <a:fontRef idx="minor">
+            <a:schemeClr val="lt1"/>
+          </a:fontRef>
+        </p:style>
+        <p:txBody>
+          <a:bodyPr rtlCol="0" anchor="ctr"/>
+          <a:lstStyle/>
+          <a:p>
+            <a:pPr algn="ctr"/>
+            <a:endParaRPr lang="fr-FR"/>
+          </a:p>
+        </p:txBody>
+      </p:sp>
+      <p:sp>
+        <p:nvSpPr>
+          <p:cNvPr id="2" name="Titre 1"/>
+          <p:cNvSpPr>
+            <a:spLocks noGrp="1"/>
+          </p:cNvSpPr>
+          <p:nvPr>
+            <p:ph type="title"/>
+          </p:nvPr>
+        </p:nvSpPr>
+        <p:spPr>
+          <a:xfrm>
+            <a:off x="2781682" y="364174"/>
+            <a:ext cx="1733550" cy="1325563"/>
+          </a:xfrm>
+          <a:ln>
+            <a:noFill/>
+          </a:ln>
+        </p:spPr>
+        <p:txBody>
+          <a:bodyPr>
+            <a:normAutofit/>
+          </a:bodyPr>
+          <a:lstStyle/>
+          <a:p>
+            <a:r>
+              <a:rPr lang="fr-FR" sz="5400" b="1" dirty="0" smtClean="0">
+                <a:solidFill>
+                  <a:srgbClr val="CF384A"/>
+                </a:solidFill>
+              </a:rPr>
+              <a:t>JS</a:t>
+            </a:r>
+            <a:endParaRPr lang="fr-FR" sz="5400" b="1" dirty="0">
+              <a:solidFill>
+                <a:srgbClr val="CF384A"/>
+              </a:solidFill>
+            </a:endParaRPr>
+          </a:p>
+        </p:txBody>
+      </p:sp>
+      <p:pic>
+        <p:nvPicPr>
+          <p:cNvPr id="4" name="Espace réservé du contenu 3"/>
+          <p:cNvPicPr>
+            <a:picLocks noGrp="1" noChangeAspect="1"/>
+          </p:cNvPicPr>
+          <p:nvPr>
+            <p:ph idx="1"/>
+          </p:nvPr>
+        </p:nvPicPr>
+        <p:blipFill>
+          <a:blip r:embed="rId2"/>
+          <a:stretch>
+            <a:fillRect/>
+          </a:stretch>
+        </p:blipFill>
+        <p:spPr>
+          <a:xfrm>
+            <a:off x="838200" y="1985645"/>
+            <a:ext cx="5346194" cy="4351338"/>
+          </a:xfrm>
+          <a:prstGeom prst="rect">
+            <a:avLst/>
+          </a:prstGeom>
+          <a:ln>
+            <a:noFill/>
+          </a:ln>
+          <a:effectLst>
+            <a:outerShdw blurRad="292100" dist="139700" dir="2700000" algn="tl" rotWithShape="0">
+              <a:srgbClr val="333333">
+                <a:alpha val="65000"/>
+              </a:srgbClr>
+            </a:outerShdw>
+          </a:effectLst>
+        </p:spPr>
+      </p:pic>
+      <p:sp>
+        <p:nvSpPr>
+          <p:cNvPr id="6" name="Rectangle à coins arrondis 5"/>
+          <p:cNvSpPr/>
+          <p:nvPr/>
+        </p:nvSpPr>
+        <p:spPr>
+          <a:xfrm>
+            <a:off x="7749540" y="925830"/>
+            <a:ext cx="3589020" cy="4709160"/>
+          </a:xfrm>
+          <a:prstGeom prst="roundRect">
+            <a:avLst/>
+          </a:prstGeom>
+          <a:solidFill>
+            <a:srgbClr val="CF384A"/>
+          </a:solidFill>
+        </p:spPr>
+        <p:style>
+          <a:lnRef idx="2">
+            <a:schemeClr val="accent1">
+              <a:shade val="50000"/>
+            </a:schemeClr>
+          </a:lnRef>
+          <a:fillRef idx="1">
+            <a:schemeClr val="accent1"/>
+          </a:fillRef>
+          <a:effectRef idx="0">
+            <a:schemeClr val="accent1"/>
+          </a:effectRef>
+          <a:fontRef idx="minor">
+            <a:schemeClr val="lt1"/>
+          </a:fontRef>
+        </p:style>
+        <p:txBody>
+          <a:bodyPr rtlCol="0" anchor="ctr"/>
+          <a:lstStyle/>
+          <a:p>
+            <a:pPr algn="ctr"/>
+            <a:r>
+              <a:rPr lang="fr-FR" sz="2800" dirty="0" smtClean="0">
+                <a:solidFill>
+                  <a:srgbClr val="FAC74E"/>
+                </a:solidFill>
+              </a:rPr>
+              <a:t>Pour un chargement plus rapide </a:t>
+            </a:r>
+          </a:p>
+          <a:p>
+            <a:pPr algn="ctr"/>
+            <a:r>
+              <a:rPr lang="fr-FR" sz="2800" dirty="0" smtClean="0">
+                <a:solidFill>
+                  <a:srgbClr val="FAC74E"/>
+                </a:solidFill>
+              </a:rPr>
+              <a:t>Des page</a:t>
+            </a:r>
+          </a:p>
+          <a:p>
+            <a:pPr algn="ctr"/>
+            <a:r>
+              <a:rPr lang="fr-FR" sz="2800" dirty="0" smtClean="0">
+                <a:solidFill>
+                  <a:srgbClr val="FAC74E"/>
+                </a:solidFill>
+              </a:rPr>
+              <a:t>Le JS</a:t>
+            </a:r>
+          </a:p>
+          <a:p>
+            <a:pPr algn="ctr"/>
+            <a:r>
+              <a:rPr lang="fr-FR" sz="2800" dirty="0" smtClean="0">
+                <a:solidFill>
+                  <a:srgbClr val="FAC74E"/>
+                </a:solidFill>
+              </a:rPr>
+              <a:t>A été positionner en bas de page</a:t>
+            </a:r>
+            <a:endParaRPr lang="fr-FR" sz="2800" dirty="0">
+              <a:solidFill>
+                <a:srgbClr val="FAC74E"/>
+              </a:solidFill>
+            </a:endParaRPr>
+          </a:p>
+        </p:txBody>
+      </p:sp>
+    </p:spTree>
+    <p:extLst>
+      <p:ext uri="{BB962C8B-B14F-4D97-AF65-F5344CB8AC3E}">
+        <p14:creationId xmlns:p14="http://schemas.microsoft.com/office/powerpoint/2010/main" val="986369382"/>
+      </p:ext>
+    </p:extLst>
+  </p:cSld>
+  <p:clrMapOvr>
+    <a:masterClrMapping/>
+  </p:clrMapOvr>
+</p:sld>
+</file>
+
+<file path=ppt/slides/slide5.xml><?xml version="1.0" encoding="utf-8"?>
+<p:sld xmlns:a="http://schemas.openxmlformats.org/drawingml/2006/main" xmlns:r="http://schemas.openxmlformats.org/officeDocument/2006/relationships" xmlns:p="http://schemas.openxmlformats.org/presentationml/2006/main">
+  <p:cSld>
     <p:bg>
       <p:bgPr>
         <a:solidFill>
@@ -6256,226 +6746,6 @@
     <p:extLst>
       <p:ext uri="{BB962C8B-B14F-4D97-AF65-F5344CB8AC3E}">
         <p14:creationId xmlns:p14="http://schemas.microsoft.com/office/powerpoint/2010/main" val="1951092109"/>
-      </p:ext>
-    </p:extLst>
-  </p:cSld>
-  <p:clrMapOvr>
-    <a:masterClrMapping/>
-  </p:clrMapOvr>
-  <p:timing>
-    <p:tnLst>
-      <p:par>
-        <p:cTn id="1" dur="indefinite" restart="never" nodeType="tmRoot"/>
-      </p:par>
-    </p:tnLst>
-  </p:timing>
-</p:sld>
-</file>
-
-<file path=ppt/slides/slide5.xml><?xml version="1.0" encoding="utf-8"?>
-<p:sld xmlns:a="http://schemas.openxmlformats.org/drawingml/2006/main" xmlns:r="http://schemas.openxmlformats.org/officeDocument/2006/relationships" xmlns:p="http://schemas.openxmlformats.org/presentationml/2006/main">
-  <p:cSld>
-    <p:spTree>
-      <p:nvGrpSpPr>
-        <p:cNvPr id="1" name=""/>
-        <p:cNvGrpSpPr/>
-        <p:nvPr/>
-      </p:nvGrpSpPr>
-      <p:grpSpPr>
-        <a:xfrm>
-          <a:off x="0" y="0"/>
-          <a:ext cx="0" cy="0"/>
-          <a:chOff x="0" y="0"/>
-          <a:chExt cx="0" cy="0"/>
-        </a:xfrm>
-      </p:grpSpPr>
-      <p:pic>
-        <p:nvPicPr>
-          <p:cNvPr id="3" name="Image 2"/>
-          <p:cNvPicPr>
-            <a:picLocks noChangeAspect="1"/>
-          </p:cNvPicPr>
-          <p:nvPr/>
-        </p:nvPicPr>
-        <p:blipFill>
-          <a:blip r:embed="rId2"/>
-          <a:stretch>
-            <a:fillRect/>
-          </a:stretch>
-        </p:blipFill>
-        <p:spPr>
-          <a:xfrm>
-            <a:off x="219303" y="2676700"/>
-            <a:ext cx="5944430" cy="3000794"/>
-          </a:xfrm>
-          <a:prstGeom prst="rect">
-            <a:avLst/>
-          </a:prstGeom>
-        </p:spPr>
-      </p:pic>
-      <p:pic>
-        <p:nvPicPr>
-          <p:cNvPr id="4" name="Image 3"/>
-          <p:cNvPicPr>
-            <a:picLocks noChangeAspect="1"/>
-          </p:cNvPicPr>
-          <p:nvPr/>
-        </p:nvPicPr>
-        <p:blipFill>
-          <a:blip r:embed="rId3"/>
-          <a:stretch>
-            <a:fillRect/>
-          </a:stretch>
-        </p:blipFill>
-        <p:spPr>
-          <a:xfrm>
-            <a:off x="384464" y="3170659"/>
-            <a:ext cx="5052157" cy="1250697"/>
-          </a:xfrm>
-          <a:prstGeom prst="rect">
-            <a:avLst/>
-          </a:prstGeom>
-          <a:effectLst>
-            <a:outerShdw blurRad="50800" dist="127000" dir="7740000" algn="t" rotWithShape="0">
-              <a:prstClr val="black">
-                <a:alpha val="40000"/>
-              </a:prstClr>
-            </a:outerShdw>
-          </a:effectLst>
-        </p:spPr>
-      </p:pic>
-      <p:sp>
-        <p:nvSpPr>
-          <p:cNvPr id="10" name="Rectangle 9"/>
-          <p:cNvSpPr/>
-          <p:nvPr/>
-        </p:nvSpPr>
-        <p:spPr>
-          <a:xfrm>
-            <a:off x="-135467" y="68161"/>
-            <a:ext cx="12327467" cy="2009422"/>
-          </a:xfrm>
-          <a:prstGeom prst="rect">
-            <a:avLst/>
-          </a:prstGeom>
-          <a:solidFill>
-            <a:schemeClr val="tx1">
-              <a:lumMod val="75000"/>
-              <a:lumOff val="25000"/>
-            </a:schemeClr>
-          </a:solidFill>
-        </p:spPr>
-        <p:style>
-          <a:lnRef idx="2">
-            <a:schemeClr val="accent1">
-              <a:shade val="50000"/>
-            </a:schemeClr>
-          </a:lnRef>
-          <a:fillRef idx="1">
-            <a:schemeClr val="accent1"/>
-          </a:fillRef>
-          <a:effectRef idx="0">
-            <a:schemeClr val="accent1"/>
-          </a:effectRef>
-          <a:fontRef idx="minor">
-            <a:schemeClr val="lt1"/>
-          </a:fontRef>
-        </p:style>
-        <p:txBody>
-          <a:bodyPr rtlCol="0" anchor="ctr"/>
-          <a:lstStyle/>
-          <a:p>
-            <a:pPr algn="ctr"/>
-            <a:r>
-              <a:rPr lang="fr-FR" sz="6000" dirty="0" smtClean="0">
-                <a:solidFill>
-                  <a:srgbClr val="CF384A"/>
-                </a:solidFill>
-              </a:rPr>
-              <a:t>Titre de la page de navigation</a:t>
-            </a:r>
-            <a:endParaRPr lang="fr-FR" sz="6000" dirty="0">
-              <a:solidFill>
-                <a:srgbClr val="CF384A"/>
-              </a:solidFill>
-            </a:endParaRPr>
-          </a:p>
-        </p:txBody>
-      </p:sp>
-      <p:pic>
-        <p:nvPicPr>
-          <p:cNvPr id="2" name="Image 1"/>
-          <p:cNvPicPr>
-            <a:picLocks noChangeAspect="1"/>
-          </p:cNvPicPr>
-          <p:nvPr/>
-        </p:nvPicPr>
-        <p:blipFill>
-          <a:blip r:embed="rId4"/>
-          <a:stretch>
-            <a:fillRect/>
-          </a:stretch>
-        </p:blipFill>
-        <p:spPr>
-          <a:xfrm>
-            <a:off x="1098597" y="5288924"/>
-            <a:ext cx="4509800" cy="1496340"/>
-          </a:xfrm>
-          <a:prstGeom prst="rect">
-            <a:avLst/>
-          </a:prstGeom>
-        </p:spPr>
-      </p:pic>
-      <p:sp>
-        <p:nvSpPr>
-          <p:cNvPr id="5" name="Ellipse 4"/>
-          <p:cNvSpPr/>
-          <p:nvPr/>
-        </p:nvSpPr>
-        <p:spPr>
-          <a:xfrm>
-            <a:off x="384464" y="4499264"/>
-            <a:ext cx="3647209" cy="633845"/>
-          </a:xfrm>
-          <a:prstGeom prst="ellipse">
-            <a:avLst/>
-          </a:prstGeom>
-          <a:noFill/>
-          <a:ln w="38100">
-            <a:solidFill>
-              <a:srgbClr val="FAC74E"/>
-            </a:solidFill>
-          </a:ln>
-        </p:spPr>
-        <p:style>
-          <a:lnRef idx="2">
-            <a:schemeClr val="accent1">
-              <a:shade val="50000"/>
-            </a:schemeClr>
-          </a:lnRef>
-          <a:fillRef idx="1">
-            <a:schemeClr val="accent1"/>
-          </a:fillRef>
-          <a:effectRef idx="0">
-            <a:schemeClr val="accent1"/>
-          </a:effectRef>
-          <a:fontRef idx="minor">
-            <a:schemeClr val="lt1"/>
-          </a:fontRef>
-        </p:style>
-        <p:txBody>
-          <a:bodyPr rtlCol="0" anchor="ctr"/>
-          <a:lstStyle/>
-          <a:p>
-            <a:pPr algn="ctr"/>
-            <a:endParaRPr lang="fr-FR"/>
-          </a:p>
-        </p:txBody>
-      </p:sp>
-    </p:spTree>
-    <p:extLst>
-      <p:ext uri="{BB962C8B-B14F-4D97-AF65-F5344CB8AC3E}">
-        <p14:creationId xmlns:p14="http://schemas.microsoft.com/office/powerpoint/2010/main" val="4220533152"/>
       </p:ext>
     </p:extLst>
   </p:cSld>
@@ -6509,28 +6779,81 @@
           <a:chExt cx="0" cy="0"/>
         </a:xfrm>
       </p:grpSpPr>
-      <p:sp>
-        <p:nvSpPr>
-          <p:cNvPr id="5" name="Rectangle à coins arrondis 4"/>
+      <p:pic>
+        <p:nvPicPr>
+          <p:cNvPr id="3" name="Image 2"/>
+          <p:cNvPicPr>
+            <a:picLocks noChangeAspect="1"/>
+          </p:cNvPicPr>
+          <p:nvPr/>
+        </p:nvPicPr>
+        <p:blipFill>
+          <a:blip r:embed="rId2"/>
+          <a:stretch>
+            <a:fillRect/>
+          </a:stretch>
+        </p:blipFill>
+        <p:spPr>
+          <a:xfrm>
+            <a:off x="219303" y="2676700"/>
+            <a:ext cx="5944430" cy="3000794"/>
+          </a:xfrm>
+          <a:prstGeom prst="rect">
+            <a:avLst/>
+          </a:prstGeom>
+        </p:spPr>
+      </p:pic>
+      <p:pic>
+        <p:nvPicPr>
+          <p:cNvPr id="4" name="Image 3"/>
+          <p:cNvPicPr>
+            <a:picLocks noChangeAspect="1"/>
+          </p:cNvPicPr>
+          <p:nvPr/>
+        </p:nvPicPr>
+        <p:blipFill>
+          <a:blip r:embed="rId3"/>
+          <a:stretch>
+            <a:fillRect/>
+          </a:stretch>
+        </p:blipFill>
+        <p:spPr>
+          <a:xfrm>
+            <a:off x="384464" y="3170659"/>
+            <a:ext cx="5052157" cy="1250697"/>
+          </a:xfrm>
+          <a:prstGeom prst="rect">
+            <a:avLst/>
+          </a:prstGeom>
+          <a:effectLst>
+            <a:outerShdw blurRad="50800" dist="127000" dir="7740000" algn="t" rotWithShape="0">
+              <a:prstClr val="black">
+                <a:alpha val="40000"/>
+              </a:prstClr>
+            </a:outerShdw>
+          </a:effectLst>
+        </p:spPr>
+      </p:pic>
+      <p:sp>
+        <p:nvSpPr>
+          <p:cNvPr id="10" name="Rectangle 9"/>
           <p:cNvSpPr/>
           <p:nvPr/>
         </p:nvSpPr>
         <p:spPr>
           <a:xfrm>
-            <a:off x="2720622" y="191911"/>
-            <a:ext cx="7258756" cy="1715911"/>
-          </a:xfrm>
-          <a:prstGeom prst="roundRect">
+            <a:off x="-135467" y="68161"/>
+            <a:ext cx="12327467" cy="2009422"/>
+          </a:xfrm>
+          <a:prstGeom prst="rect">
             <a:avLst/>
           </a:prstGeom>
           <a:solidFill>
-            <a:srgbClr val="CF384A"/>
+            <a:schemeClr val="tx1">
+              <a:lumMod val="75000"/>
+              <a:lumOff val="25000"/>
+            </a:schemeClr>
           </a:solidFill>
-          <a:ln>
-            <a:solidFill>
-              <a:srgbClr val="CF384A"/>
-            </a:solidFill>
-          </a:ln>
         </p:spPr>
         <p:style>
           <a:lnRef idx="2">
@@ -6553,43 +6876,17 @@
           <a:lstStyle/>
           <a:p>
             <a:pPr algn="ctr"/>
-            <a:endParaRPr lang="fr-FR"/>
-          </a:p>
-        </p:txBody>
-      </p:sp>
-      <p:sp>
-        <p:nvSpPr>
-          <p:cNvPr id="2" name="Titre 1"/>
-          <p:cNvSpPr>
-            <a:spLocks noGrp="1"/>
-          </p:cNvSpPr>
-          <p:nvPr>
-            <p:ph type="title"/>
-          </p:nvPr>
-        </p:nvSpPr>
-        <p:spPr>
-          <a:xfrm>
-            <a:off x="3242734" y="387084"/>
-            <a:ext cx="10515600" cy="1325563"/>
-          </a:xfrm>
-        </p:spPr>
-        <p:txBody>
-          <a:bodyPr>
-            <a:normAutofit/>
-          </a:bodyPr>
-          <a:lstStyle/>
-          <a:p>
-            <a:r>
-              <a:rPr lang="fr-FR" sz="6000" b="1" dirty="0" smtClean="0">
-                <a:solidFill>
-                  <a:srgbClr val="FAC74E"/>
+            <a:r>
+              <a:rPr lang="fr-FR" sz="6000" dirty="0" smtClean="0">
+                <a:solidFill>
+                  <a:srgbClr val="CF384A"/>
                 </a:solidFill>
               </a:rPr>
-              <a:t>Renommer les IMG</a:t>
-            </a:r>
-            <a:endParaRPr lang="fr-FR" sz="6000" b="1" dirty="0">
+              <a:t>Titre de la page de navigation</a:t>
+            </a:r>
+            <a:endParaRPr lang="fr-FR" sz="6000" dirty="0">
               <a:solidFill>
-                <a:srgbClr val="FAC74E"/>
+                <a:srgbClr val="CF384A"/>
               </a:solidFill>
             </a:endParaRPr>
           </a:p>
@@ -6597,34 +6894,78 @@
       </p:sp>
       <p:pic>
         <p:nvPicPr>
-          <p:cNvPr id="4" name="Espace réservé du contenu 3"/>
+          <p:cNvPr id="2" name="Image 1"/>
           <p:cNvPicPr>
-            <a:picLocks noGrp="1" noChangeAspect="1"/>
+            <a:picLocks noChangeAspect="1"/>
           </p:cNvPicPr>
-          <p:nvPr>
-            <p:ph idx="1"/>
-          </p:nvPr>
+          <p:nvPr/>
         </p:nvPicPr>
         <p:blipFill>
-          <a:blip r:embed="rId2"/>
+          <a:blip r:embed="rId4"/>
           <a:stretch>
             <a:fillRect/>
           </a:stretch>
         </p:blipFill>
         <p:spPr>
           <a:xfrm>
-            <a:off x="342082" y="2885894"/>
-            <a:ext cx="5578836" cy="1765128"/>
+            <a:off x="1098597" y="5288924"/>
+            <a:ext cx="4509800" cy="1496340"/>
           </a:xfrm>
           <a:prstGeom prst="rect">
             <a:avLst/>
           </a:prstGeom>
         </p:spPr>
       </p:pic>
+      <p:sp>
+        <p:nvSpPr>
+          <p:cNvPr id="5" name="Ellipse 4"/>
+          <p:cNvSpPr/>
+          <p:nvPr/>
+        </p:nvSpPr>
+        <p:spPr>
+          <a:xfrm>
+            <a:off x="384464" y="4499264"/>
+            <a:ext cx="3647209" cy="633845"/>
+          </a:xfrm>
+          <a:prstGeom prst="ellipse">
+            <a:avLst/>
+          </a:prstGeom>
+          <a:noFill/>
+          <a:ln w="38100">
+            <a:solidFill>
+              <a:srgbClr val="FAC74E"/>
+            </a:solidFill>
+          </a:ln>
+        </p:spPr>
+        <p:style>
+          <a:lnRef idx="2">
+            <a:schemeClr val="accent1">
+              <a:shade val="50000"/>
+            </a:schemeClr>
+          </a:lnRef>
+          <a:fillRef idx="1">
+            <a:schemeClr val="accent1"/>
+          </a:fillRef>
+          <a:effectRef idx="0">
+            <a:schemeClr val="accent1"/>
+          </a:effectRef>
+          <a:fontRef idx="minor">
+            <a:schemeClr val="lt1"/>
+          </a:fontRef>
+        </p:style>
+        <p:txBody>
+          <a:bodyPr rtlCol="0" anchor="ctr"/>
+          <a:lstStyle/>
+          <a:p>
+            <a:pPr algn="ctr"/>
+            <a:endParaRPr lang="fr-FR"/>
+          </a:p>
+        </p:txBody>
+      </p:sp>
     </p:spTree>
     <p:extLst>
       <p:ext uri="{BB962C8B-B14F-4D97-AF65-F5344CB8AC3E}">
-        <p14:creationId xmlns:p14="http://schemas.microsoft.com/office/powerpoint/2010/main" val="1050534139"/>
+        <p14:creationId xmlns:p14="http://schemas.microsoft.com/office/powerpoint/2010/main" val="4220533152"/>
       </p:ext>
     </p:extLst>
   </p:cSld>
@@ -6660,20 +7001,20 @@
       </p:grpSpPr>
       <p:sp>
         <p:nvSpPr>
-          <p:cNvPr id="4" name="Rectangle à coins arrondis 3"/>
+          <p:cNvPr id="5" name="Rectangle à coins arrondis 4"/>
           <p:cNvSpPr/>
           <p:nvPr/>
         </p:nvSpPr>
         <p:spPr>
           <a:xfrm>
-            <a:off x="2891790" y="309909"/>
-            <a:ext cx="6023610" cy="1451610"/>
+            <a:off x="2720622" y="191911"/>
+            <a:ext cx="7258756" cy="1715911"/>
           </a:xfrm>
           <a:prstGeom prst="roundRect">
             <a:avLst/>
           </a:prstGeom>
           <a:solidFill>
-            <a:srgbClr val="FAC74E"/>
+            <a:srgbClr val="CF384A"/>
           </a:solidFill>
           <a:ln>
             <a:solidFill>
@@ -6718,8 +7059,8 @@
         </p:nvSpPr>
         <p:spPr>
           <a:xfrm>
-            <a:off x="4160866" y="372932"/>
-            <a:ext cx="4271010" cy="1325563"/>
+            <a:off x="3242734" y="387084"/>
+            <a:ext cx="10515600" cy="1325563"/>
           </a:xfrm>
         </p:spPr>
         <p:txBody>
@@ -6729,179 +7070,30 @@
           <a:lstStyle/>
           <a:p>
             <a:r>
-              <a:rPr lang="fr-FR" sz="6600" b="1" dirty="0" smtClean="0">
-                <a:solidFill>
-                  <a:srgbClr val="CF384A"/>
+              <a:rPr lang="fr-FR" sz="6000" b="1" dirty="0" smtClean="0">
+                <a:solidFill>
+                  <a:srgbClr val="FAC74E"/>
                 </a:solidFill>
               </a:rPr>
-              <a:t>&lt;</a:t>
-            </a:r>
-            <a:r>
-              <a:rPr lang="fr-FR" sz="6600" b="1" dirty="0" err="1">
-                <a:solidFill>
-                  <a:srgbClr val="CF384A"/>
-                </a:solidFill>
-              </a:rPr>
-              <a:t>S</a:t>
-            </a:r>
-            <a:r>
-              <a:rPr lang="fr-FR" sz="6600" b="1" dirty="0" err="1" smtClean="0">
-                <a:solidFill>
-                  <a:srgbClr val="CF384A"/>
-                </a:solidFill>
-              </a:rPr>
-              <a:t>trong</a:t>
-            </a:r>
-            <a:r>
-              <a:rPr lang="fr-FR" sz="6600" b="1" dirty="0" smtClean="0">
-                <a:solidFill>
-                  <a:srgbClr val="CF384A"/>
-                </a:solidFill>
-              </a:rPr>
-              <a:t>&gt;</a:t>
-            </a:r>
-            <a:endParaRPr lang="fr-FR" sz="6600" b="1" dirty="0">
-              <a:solidFill>
-                <a:srgbClr val="CF384A"/>
-              </a:solidFill>
-            </a:endParaRPr>
-          </a:p>
-        </p:txBody>
-      </p:sp>
-      <p:sp>
-        <p:nvSpPr>
-          <p:cNvPr id="5" name="Rectangle à coins arrondis 4"/>
-          <p:cNvSpPr/>
-          <p:nvPr/>
-        </p:nvSpPr>
-        <p:spPr>
-          <a:xfrm>
-            <a:off x="7938655" y="1824542"/>
-            <a:ext cx="4125189" cy="4929549"/>
-          </a:xfrm>
-          <a:prstGeom prst="roundRect">
-            <a:avLst/>
-          </a:prstGeom>
-          <a:solidFill>
-            <a:srgbClr val="CF384A"/>
-          </a:solidFill>
-        </p:spPr>
-        <p:style>
-          <a:lnRef idx="2">
-            <a:schemeClr val="accent1">
-              <a:shade val="50000"/>
-            </a:schemeClr>
-          </a:lnRef>
-          <a:fillRef idx="1">
-            <a:schemeClr val="accent1"/>
-          </a:fillRef>
-          <a:effectRef idx="0">
-            <a:schemeClr val="accent1"/>
-          </a:effectRef>
-          <a:fontRef idx="minor">
-            <a:schemeClr val="lt1"/>
-          </a:fontRef>
-        </p:style>
-        <p:txBody>
-          <a:bodyPr rtlCol="0" anchor="ctr"/>
-          <a:lstStyle/>
-          <a:p>
-            <a:pPr marL="285750" indent="-285750" algn="ctr">
-              <a:buFont typeface="Arial" panose="020B0604020202020204" pitchFamily="34" charset="0"/>
-              <a:buChar char="•"/>
-            </a:pPr>
-            <a:r>
-              <a:rPr lang="fr-FR" sz="2400" dirty="0" smtClean="0">
-                <a:solidFill>
-                  <a:srgbClr val="FAC74E"/>
-                </a:solidFill>
-              </a:rPr>
-              <a:t>Balises mis en place permet a </a:t>
-            </a:r>
-            <a:r>
-              <a:rPr lang="fr-FR" sz="2400" dirty="0">
-                <a:solidFill>
-                  <a:srgbClr val="FAC74E"/>
-                </a:solidFill>
-              </a:rPr>
-              <a:t>G</a:t>
-            </a:r>
-            <a:r>
-              <a:rPr lang="fr-FR" sz="2400" dirty="0" smtClean="0">
-                <a:solidFill>
-                  <a:srgbClr val="FAC74E"/>
-                </a:solidFill>
-              </a:rPr>
-              <a:t>oogle de comprendre que ces mots sont important</a:t>
-            </a:r>
-          </a:p>
-          <a:p>
-            <a:pPr algn="ctr"/>
-            <a:endParaRPr lang="fr-FR" sz="2400" dirty="0" smtClean="0">
+              <a:t>Renommer les IMG</a:t>
+            </a:r>
+            <a:endParaRPr lang="fr-FR" sz="6000" b="1" dirty="0">
               <a:solidFill>
                 <a:srgbClr val="FAC74E"/>
               </a:solidFill>
             </a:endParaRPr>
           </a:p>
-          <a:p>
-            <a:pPr marL="285750" indent="-285750" algn="ctr">
-              <a:buFont typeface="Arial" panose="020B0604020202020204" pitchFamily="34" charset="0"/>
-              <a:buChar char="•"/>
-            </a:pPr>
-            <a:r>
-              <a:rPr lang="fr-FR" sz="2400" dirty="0" smtClean="0">
-                <a:solidFill>
-                  <a:srgbClr val="FAC74E"/>
-                </a:solidFill>
-              </a:rPr>
-              <a:t>Pour le coté utilisateur les mots sont mis en avant</a:t>
-            </a:r>
-          </a:p>
-          <a:p>
-            <a:pPr algn="ctr"/>
-            <a:endParaRPr lang="fr-FR" sz="2400" dirty="0" smtClean="0">
-              <a:solidFill>
-                <a:srgbClr val="FAC74E"/>
-              </a:solidFill>
-            </a:endParaRPr>
-          </a:p>
-          <a:p>
-            <a:pPr marL="285750" indent="-285750" algn="ctr">
-              <a:buFont typeface="Arial" panose="020B0604020202020204" pitchFamily="34" charset="0"/>
-              <a:buChar char="•"/>
-            </a:pPr>
-            <a:r>
-              <a:rPr lang="fr-FR" sz="2400" dirty="0" smtClean="0">
-                <a:solidFill>
-                  <a:srgbClr val="FAC74E"/>
-                </a:solidFill>
-              </a:rPr>
-              <a:t>Il se démarque du texte</a:t>
-            </a:r>
-          </a:p>
-          <a:p>
-            <a:pPr marL="285750" indent="-285750" algn="ctr">
-              <a:buFont typeface="Arial" panose="020B0604020202020204" pitchFamily="34" charset="0"/>
-              <a:buChar char="•"/>
-            </a:pPr>
-            <a:r>
-              <a:rPr lang="fr-FR" sz="2400" dirty="0" smtClean="0">
-                <a:solidFill>
-                  <a:srgbClr val="FAC74E"/>
-                </a:solidFill>
-              </a:rPr>
-              <a:t>Mise en gras</a:t>
-            </a:r>
-          </a:p>
         </p:txBody>
       </p:sp>
       <p:pic>
         <p:nvPicPr>
-          <p:cNvPr id="3" name="Image 2"/>
+          <p:cNvPr id="4" name="Espace réservé du contenu 3"/>
           <p:cNvPicPr>
-            <a:picLocks noChangeAspect="1"/>
+            <a:picLocks noGrp="1" noChangeAspect="1"/>
           </p:cNvPicPr>
-          <p:nvPr/>
+          <p:nvPr>
+            <p:ph idx="1"/>
+          </p:nvPr>
         </p:nvPicPr>
         <p:blipFill>
           <a:blip r:embed="rId2"/>
@@ -6911,95 +7103,18 @@
         </p:blipFill>
         <p:spPr>
           <a:xfrm>
-            <a:off x="288853" y="2440463"/>
-            <a:ext cx="6891265" cy="883791"/>
+            <a:off x="342082" y="2885894"/>
+            <a:ext cx="5578836" cy="1765128"/>
           </a:xfrm>
           <a:prstGeom prst="rect">
             <a:avLst/>
           </a:prstGeom>
-        </p:spPr>
-      </p:pic>
-      <p:pic>
-        <p:nvPicPr>
-          <p:cNvPr id="6" name="Image 5"/>
-          <p:cNvPicPr>
-            <a:picLocks noChangeAspect="1"/>
-          </p:cNvPicPr>
-          <p:nvPr/>
-        </p:nvPicPr>
-        <p:blipFill>
-          <a:blip r:embed="rId3"/>
-          <a:stretch>
-            <a:fillRect/>
-          </a:stretch>
-        </p:blipFill>
-        <p:spPr>
-          <a:xfrm>
-            <a:off x="935138" y="4711276"/>
-            <a:ext cx="6830378" cy="1924319"/>
-          </a:xfrm>
-          <a:prstGeom prst="rect">
-            <a:avLst/>
-          </a:prstGeom>
-          <a:ln>
-            <a:solidFill>
-              <a:schemeClr val="tx1">
-                <a:lumMod val="75000"/>
-                <a:lumOff val="25000"/>
-              </a:schemeClr>
-            </a:solidFill>
-          </a:ln>
-          <a:effectLst>
-            <a:outerShdw blurRad="292100" dist="139700" dir="2700000" algn="tl" rotWithShape="0">
-              <a:srgbClr val="333333">
-                <a:alpha val="65000"/>
-              </a:srgbClr>
-            </a:outerShdw>
-          </a:effectLst>
-        </p:spPr>
-      </p:pic>
-      <p:pic>
-        <p:nvPicPr>
-          <p:cNvPr id="7" name="Image 6"/>
-          <p:cNvPicPr>
-            <a:picLocks noChangeAspect="1"/>
-          </p:cNvPicPr>
-          <p:nvPr/>
-        </p:nvPicPr>
-        <p:blipFill>
-          <a:blip r:embed="rId4"/>
-          <a:stretch>
-            <a:fillRect/>
-          </a:stretch>
-        </p:blipFill>
-        <p:spPr>
-          <a:xfrm>
-            <a:off x="494983" y="3085517"/>
-            <a:ext cx="7064404" cy="1116902"/>
-          </a:xfrm>
-          <a:prstGeom prst="rect">
-            <a:avLst/>
-          </a:prstGeom>
-          <a:ln w="38100" cap="sq">
-            <a:solidFill>
-              <a:srgbClr val="000000"/>
-            </a:solidFill>
-            <a:prstDash val="solid"/>
-            <a:miter lim="800000"/>
-          </a:ln>
-          <a:effectLst>
-            <a:outerShdw blurRad="50800" dist="38100" dir="2700000" algn="tl" rotWithShape="0">
-              <a:srgbClr val="000000">
-                <a:alpha val="43000"/>
-              </a:srgbClr>
-            </a:outerShdw>
-          </a:effectLst>
         </p:spPr>
       </p:pic>
     </p:spTree>
     <p:extLst>
       <p:ext uri="{BB962C8B-B14F-4D97-AF65-F5344CB8AC3E}">
-        <p14:creationId xmlns:p14="http://schemas.microsoft.com/office/powerpoint/2010/main" val="698784201"/>
+        <p14:creationId xmlns:p14="http://schemas.microsoft.com/office/powerpoint/2010/main" val="1050534139"/>
       </p:ext>
     </p:extLst>
   </p:cSld>
@@ -7035,21 +7150,26 @@
       </p:grpSpPr>
       <p:sp>
         <p:nvSpPr>
-          <p:cNvPr id="6" name="Rectangle à coins arrondis 5"/>
+          <p:cNvPr id="4" name="Rectangle à coins arrondis 3"/>
           <p:cNvSpPr/>
           <p:nvPr/>
         </p:nvSpPr>
         <p:spPr>
           <a:xfrm>
-            <a:off x="2520315" y="410686"/>
-            <a:ext cx="7029450" cy="1234440"/>
+            <a:off x="2891790" y="309909"/>
+            <a:ext cx="6023610" cy="1451610"/>
           </a:xfrm>
           <a:prstGeom prst="roundRect">
             <a:avLst/>
           </a:prstGeom>
           <a:solidFill>
-            <a:srgbClr val="CF384A"/>
+            <a:srgbClr val="FAC74E"/>
           </a:solidFill>
+          <a:ln>
+            <a:solidFill>
+              <a:srgbClr val="CF384A"/>
+            </a:solidFill>
+          </a:ln>
         </p:spPr>
         <p:style>
           <a:lnRef idx="2">
@@ -7086,25 +7206,53 @@
             <p:ph type="title"/>
           </p:nvPr>
         </p:nvSpPr>
-        <p:spPr/>
+        <p:spPr>
+          <a:xfrm>
+            <a:off x="4160866" y="372932"/>
+            <a:ext cx="4271010" cy="1325563"/>
+          </a:xfrm>
+        </p:spPr>
         <p:txBody>
           <a:bodyPr>
             <a:normAutofit/>
           </a:bodyPr>
           <a:lstStyle/>
           <a:p>
-            <a:pPr algn="ctr"/>
-            <a:r>
-              <a:rPr lang="fr-FR" sz="5400" b="1" dirty="0" smtClean="0">
-                <a:solidFill>
-                  <a:srgbClr val="FAC74E"/>
+            <a:r>
+              <a:rPr lang="fr-FR" sz="6600" b="1" dirty="0" smtClean="0">
+                <a:solidFill>
+                  <a:srgbClr val="CF384A"/>
                 </a:solidFill>
               </a:rPr>
-              <a:t>Format IMG</a:t>
-            </a:r>
-            <a:endParaRPr lang="fr-FR" sz="5400" b="1" dirty="0">
+              <a:t>&lt;</a:t>
+            </a:r>
+            <a:r>
+              <a:rPr lang="fr-FR" sz="6600" b="1" dirty="0" err="1">
+                <a:solidFill>
+                  <a:srgbClr val="CF384A"/>
+                </a:solidFill>
+              </a:rPr>
+              <a:t>S</a:t>
+            </a:r>
+            <a:r>
+              <a:rPr lang="fr-FR" sz="6600" b="1" dirty="0" err="1" smtClean="0">
+                <a:solidFill>
+                  <a:srgbClr val="CF384A"/>
+                </a:solidFill>
+              </a:rPr>
+              <a:t>trong</a:t>
+            </a:r>
+            <a:r>
+              <a:rPr lang="fr-FR" sz="6600" b="1" dirty="0" smtClean="0">
+                <a:solidFill>
+                  <a:srgbClr val="CF384A"/>
+                </a:solidFill>
+              </a:rPr>
+              <a:t>&gt;</a:t>
+            </a:r>
+            <a:endParaRPr lang="fr-FR" sz="6600" b="1" dirty="0">
               <a:solidFill>
-                <a:srgbClr val="FAC74E"/>
+                <a:srgbClr val="CF384A"/>
               </a:solidFill>
             </a:endParaRPr>
           </a:p>
@@ -7118,17 +7266,14 @@
         </p:nvSpPr>
         <p:spPr>
           <a:xfrm>
-            <a:off x="1165860" y="2205990"/>
-            <a:ext cx="9738360" cy="4423410"/>
+            <a:off x="7938655" y="1824542"/>
+            <a:ext cx="4125189" cy="4929549"/>
           </a:xfrm>
           <a:prstGeom prst="roundRect">
             <a:avLst/>
           </a:prstGeom>
           <a:solidFill>
-            <a:schemeClr val="tx1">
-              <a:lumMod val="85000"/>
-              <a:lumOff val="15000"/>
-            </a:schemeClr>
+            <a:srgbClr val="CF384A"/>
           </a:solidFill>
         </p:spPr>
         <p:style>
@@ -7151,20 +7296,102 @@
           <a:bodyPr rtlCol="0" anchor="ctr"/>
           <a:lstStyle/>
           <a:p>
+            <a:pPr marL="285750" indent="-285750" algn="ctr">
+              <a:buFont typeface="Arial" panose="020B0604020202020204" pitchFamily="34" charset="0"/>
+              <a:buChar char="•"/>
+            </a:pPr>
+            <a:r>
+              <a:rPr lang="fr-FR" sz="2400" dirty="0" smtClean="0">
+                <a:solidFill>
+                  <a:srgbClr val="FAC74E"/>
+                </a:solidFill>
+              </a:rPr>
+              <a:t>Balises mis en place permet a </a:t>
+            </a:r>
+            <a:r>
+              <a:rPr lang="fr-FR" sz="2400" dirty="0">
+                <a:solidFill>
+                  <a:srgbClr val="FAC74E"/>
+                </a:solidFill>
+              </a:rPr>
+              <a:t>G</a:t>
+            </a:r>
+            <a:r>
+              <a:rPr lang="fr-FR" sz="2400" dirty="0" smtClean="0">
+                <a:solidFill>
+                  <a:srgbClr val="FAC74E"/>
+                </a:solidFill>
+              </a:rPr>
+              <a:t>oogle de comprendre que ces mots sont important</a:t>
+            </a:r>
+          </a:p>
+          <a:p>
             <a:pPr algn="ctr"/>
-            <a:endParaRPr lang="fr-FR"/>
+            <a:endParaRPr lang="fr-FR" sz="2400" dirty="0" smtClean="0">
+              <a:solidFill>
+                <a:srgbClr val="FAC74E"/>
+              </a:solidFill>
+            </a:endParaRPr>
+          </a:p>
+          <a:p>
+            <a:pPr marL="285750" indent="-285750" algn="ctr">
+              <a:buFont typeface="Arial" panose="020B0604020202020204" pitchFamily="34" charset="0"/>
+              <a:buChar char="•"/>
+            </a:pPr>
+            <a:r>
+              <a:rPr lang="fr-FR" sz="2400" dirty="0" smtClean="0">
+                <a:solidFill>
+                  <a:srgbClr val="FAC74E"/>
+                </a:solidFill>
+              </a:rPr>
+              <a:t>Pour le coté utilisateur les mots sont mis en avant</a:t>
+            </a:r>
+          </a:p>
+          <a:p>
+            <a:pPr algn="ctr"/>
+            <a:endParaRPr lang="fr-FR" sz="2400" dirty="0" smtClean="0">
+              <a:solidFill>
+                <a:srgbClr val="FAC74E"/>
+              </a:solidFill>
+            </a:endParaRPr>
+          </a:p>
+          <a:p>
+            <a:pPr marL="285750" indent="-285750" algn="ctr">
+              <a:buFont typeface="Arial" panose="020B0604020202020204" pitchFamily="34" charset="0"/>
+              <a:buChar char="•"/>
+            </a:pPr>
+            <a:r>
+              <a:rPr lang="fr-FR" sz="2400" dirty="0" smtClean="0">
+                <a:solidFill>
+                  <a:srgbClr val="FAC74E"/>
+                </a:solidFill>
+              </a:rPr>
+              <a:t>Il se démarque du texte</a:t>
+            </a:r>
+          </a:p>
+          <a:p>
+            <a:pPr marL="285750" indent="-285750" algn="ctr">
+              <a:buFont typeface="Arial" panose="020B0604020202020204" pitchFamily="34" charset="0"/>
+              <a:buChar char="•"/>
+            </a:pPr>
+            <a:r>
+              <a:rPr lang="fr-FR" sz="2400" dirty="0" smtClean="0">
+                <a:solidFill>
+                  <a:srgbClr val="FAC74E"/>
+                </a:solidFill>
+              </a:rPr>
+              <a:t>Mise en gras</a:t>
+            </a:r>
           </a:p>
         </p:txBody>
       </p:sp>
       <p:pic>
         <p:nvPicPr>
-          <p:cNvPr id="4" name="Espace réservé du contenu 3"/>
+          <p:cNvPr id="3" name="Image 2"/>
           <p:cNvPicPr>
-            <a:picLocks noGrp="1" noChangeAspect="1"/>
+            <a:picLocks noChangeAspect="1"/>
           </p:cNvPicPr>
-          <p:nvPr>
-            <p:ph idx="1"/>
-          </p:nvPr>
+          <p:nvPr/>
         </p:nvPicPr>
         <p:blipFill>
           <a:blip r:embed="rId2"/>
@@ -7174,18 +7401,95 @@
         </p:blipFill>
         <p:spPr>
           <a:xfrm>
-            <a:off x="1694183" y="2673374"/>
-            <a:ext cx="4505954" cy="1924319"/>
+            <a:off x="288853" y="2440463"/>
+            <a:ext cx="6891265" cy="883791"/>
           </a:xfrm>
           <a:prstGeom prst="rect">
             <a:avLst/>
           </a:prstGeom>
+        </p:spPr>
+      </p:pic>
+      <p:pic>
+        <p:nvPicPr>
+          <p:cNvPr id="6" name="Image 5"/>
+          <p:cNvPicPr>
+            <a:picLocks noChangeAspect="1"/>
+          </p:cNvPicPr>
+          <p:nvPr/>
+        </p:nvPicPr>
+        <p:blipFill>
+          <a:blip r:embed="rId3"/>
+          <a:stretch>
+            <a:fillRect/>
+          </a:stretch>
+        </p:blipFill>
+        <p:spPr>
+          <a:xfrm>
+            <a:off x="935138" y="4711276"/>
+            <a:ext cx="6830378" cy="1924319"/>
+          </a:xfrm>
+          <a:prstGeom prst="rect">
+            <a:avLst/>
+          </a:prstGeom>
+          <a:ln>
+            <a:solidFill>
+              <a:schemeClr val="tx1">
+                <a:lumMod val="75000"/>
+                <a:lumOff val="25000"/>
+              </a:schemeClr>
+            </a:solidFill>
+          </a:ln>
+          <a:effectLst>
+            <a:outerShdw blurRad="292100" dist="139700" dir="2700000" algn="tl" rotWithShape="0">
+              <a:srgbClr val="333333">
+                <a:alpha val="65000"/>
+              </a:srgbClr>
+            </a:outerShdw>
+          </a:effectLst>
+        </p:spPr>
+      </p:pic>
+      <p:pic>
+        <p:nvPicPr>
+          <p:cNvPr id="7" name="Image 6"/>
+          <p:cNvPicPr>
+            <a:picLocks noChangeAspect="1"/>
+          </p:cNvPicPr>
+          <p:nvPr/>
+        </p:nvPicPr>
+        <p:blipFill>
+          <a:blip r:embed="rId4"/>
+          <a:stretch>
+            <a:fillRect/>
+          </a:stretch>
+        </p:blipFill>
+        <p:spPr>
+          <a:xfrm>
+            <a:off x="494983" y="3085517"/>
+            <a:ext cx="7064404" cy="1116902"/>
+          </a:xfrm>
+          <a:prstGeom prst="rect">
+            <a:avLst/>
+          </a:prstGeom>
+          <a:ln w="38100" cap="sq">
+            <a:solidFill>
+              <a:srgbClr val="000000"/>
+            </a:solidFill>
+            <a:prstDash val="solid"/>
+            <a:miter lim="800000"/>
+          </a:ln>
+          <a:effectLst>
+            <a:outerShdw blurRad="50800" dist="38100" dir="2700000" algn="tl" rotWithShape="0">
+              <a:srgbClr val="000000">
+                <a:alpha val="43000"/>
+              </a:srgbClr>
+            </a:outerShdw>
+          </a:effectLst>
         </p:spPr>
       </p:pic>
     </p:spTree>
     <p:extLst>
       <p:ext uri="{BB962C8B-B14F-4D97-AF65-F5344CB8AC3E}">
-        <p14:creationId xmlns:p14="http://schemas.microsoft.com/office/powerpoint/2010/main" val="2021049939"/>
+        <p14:creationId xmlns:p14="http://schemas.microsoft.com/office/powerpoint/2010/main" val="698784201"/>
       </p:ext>
     </p:extLst>
   </p:cSld>
@@ -7221,20 +7525,20 @@
       </p:grpSpPr>
       <p:sp>
         <p:nvSpPr>
-          <p:cNvPr id="3" name="Rectangle à coins arrondis 2"/>
+          <p:cNvPr id="6" name="Rectangle à coins arrondis 5"/>
           <p:cNvSpPr/>
           <p:nvPr/>
         </p:nvSpPr>
         <p:spPr>
           <a:xfrm>
-            <a:off x="955964" y="587086"/>
-            <a:ext cx="3419181" cy="1049481"/>
+            <a:off x="2520315" y="410686"/>
+            <a:ext cx="7029450" cy="1234440"/>
           </a:xfrm>
           <a:prstGeom prst="roundRect">
             <a:avLst/>
           </a:prstGeom>
           <a:solidFill>
-            <a:srgbClr val="FAC74E"/>
+            <a:srgbClr val="CF384A"/>
           </a:solidFill>
         </p:spPr>
         <p:style>
@@ -7272,58 +7576,30 @@
             <p:ph type="title"/>
           </p:nvPr>
         </p:nvSpPr>
-        <p:spPr>
-          <a:xfrm>
-            <a:off x="1191491" y="449044"/>
-            <a:ext cx="10515600" cy="1325563"/>
-          </a:xfrm>
-        </p:spPr>
-        <p:txBody>
-          <a:bodyPr/>
-          <a:lstStyle/>
-          <a:p>
-            <a:r>
-              <a:rPr lang="fr-FR" dirty="0" smtClean="0">
-                <a:solidFill>
-                  <a:srgbClr val="CF384A"/>
+        <p:spPr/>
+        <p:txBody>
+          <a:bodyPr>
+            <a:normAutofit/>
+          </a:bodyPr>
+          <a:lstStyle/>
+          <a:p>
+            <a:pPr algn="ctr"/>
+            <a:r>
+              <a:rPr lang="fr-FR" sz="5400" b="1" dirty="0" smtClean="0">
+                <a:solidFill>
+                  <a:srgbClr val="FAC74E"/>
                 </a:solidFill>
               </a:rPr>
-              <a:t>Liens page</a:t>
-            </a:r>
-            <a:endParaRPr lang="fr-FR" dirty="0">
+              <a:t>Format IMG</a:t>
+            </a:r>
+            <a:endParaRPr lang="fr-FR" sz="5400" b="1" dirty="0">
               <a:solidFill>
-                <a:srgbClr val="CF384A"/>
+                <a:srgbClr val="FAC74E"/>
               </a:solidFill>
             </a:endParaRPr>
           </a:p>
         </p:txBody>
       </p:sp>
-      <p:pic>
-        <p:nvPicPr>
-          <p:cNvPr id="4" name="Espace réservé du contenu 3"/>
-          <p:cNvPicPr>
-            <a:picLocks noGrp="1" noChangeAspect="1"/>
-          </p:cNvPicPr>
-          <p:nvPr>
-            <p:ph idx="1"/>
-          </p:nvPr>
-        </p:nvPicPr>
-        <p:blipFill>
-          <a:blip r:embed="rId2"/>
-          <a:stretch>
-            <a:fillRect/>
-          </a:stretch>
-        </p:blipFill>
-        <p:spPr>
-          <a:xfrm>
-            <a:off x="838200" y="2412883"/>
-            <a:ext cx="4210638" cy="2715004"/>
-          </a:xfrm>
-          <a:prstGeom prst="rect">
-            <a:avLst/>
-          </a:prstGeom>
-        </p:spPr>
-      </p:pic>
       <p:sp>
         <p:nvSpPr>
           <p:cNvPr id="5" name="Rectangle à coins arrondis 4"/>
@@ -7332,14 +7608,17 @@
         </p:nvSpPr>
         <p:spPr>
           <a:xfrm>
-            <a:off x="7429500" y="1111827"/>
-            <a:ext cx="3844636" cy="4738255"/>
+            <a:off x="1165860" y="2205990"/>
+            <a:ext cx="9738360" cy="4423410"/>
           </a:xfrm>
           <a:prstGeom prst="roundRect">
             <a:avLst/>
           </a:prstGeom>
           <a:solidFill>
-            <a:srgbClr val="CF384A"/>
+            <a:schemeClr val="tx1">
+              <a:lumMod val="85000"/>
+              <a:lumOff val="15000"/>
+            </a:schemeClr>
           </a:solidFill>
         </p:spPr>
         <p:style>
@@ -7363,75 +7642,40 @@
           <a:lstStyle/>
           <a:p>
             <a:pPr algn="ctr"/>
-            <a:r>
-              <a:rPr lang="fr-FR" sz="2400" dirty="0" smtClean="0">
-                <a:solidFill>
-                  <a:srgbClr val="FAC74E"/>
-                </a:solidFill>
-              </a:rPr>
-              <a:t>Trop de liens envoi à la même page,</a:t>
-            </a:r>
-          </a:p>
-          <a:p>
-            <a:pPr algn="ctr"/>
-            <a:endParaRPr lang="fr-FR" sz="2400" dirty="0" smtClean="0">
-              <a:solidFill>
-                <a:srgbClr val="FAC74E"/>
-              </a:solidFill>
-            </a:endParaRPr>
-          </a:p>
-          <a:p>
-            <a:pPr algn="ctr"/>
-            <a:r>
-              <a:rPr lang="fr-FR" sz="2400" dirty="0" smtClean="0">
-                <a:solidFill>
-                  <a:srgbClr val="FAC74E"/>
-                </a:solidFill>
-              </a:rPr>
-              <a:t>Pour se faire</a:t>
-            </a:r>
-          </a:p>
-          <a:p>
-            <a:pPr algn="ctr"/>
-            <a:endParaRPr lang="fr-FR" sz="2400" dirty="0" smtClean="0">
-              <a:solidFill>
-                <a:srgbClr val="FAC74E"/>
-              </a:solidFill>
-            </a:endParaRPr>
-          </a:p>
-          <a:p>
-            <a:pPr algn="ctr"/>
-            <a:r>
-              <a:rPr lang="fr-FR" sz="2400" dirty="0" smtClean="0">
-                <a:solidFill>
-                  <a:srgbClr val="FAC74E"/>
-                </a:solidFill>
-              </a:rPr>
-              <a:t>Des liens on été supprimer </a:t>
-            </a:r>
-          </a:p>
-          <a:p>
-            <a:pPr algn="ctr"/>
-            <a:r>
-              <a:rPr lang="fr-FR" sz="2400" dirty="0" smtClean="0">
-                <a:solidFill>
-                  <a:srgbClr val="FAC74E"/>
-                </a:solidFill>
-              </a:rPr>
-              <a:t>Pour un meilleur SEO</a:t>
-            </a:r>
-            <a:endParaRPr lang="fr-FR" sz="2400" dirty="0">
-              <a:solidFill>
-                <a:srgbClr val="FAC74E"/>
-              </a:solidFill>
-            </a:endParaRPr>
-          </a:p>
-        </p:txBody>
-      </p:sp>
+            <a:endParaRPr lang="fr-FR"/>
+          </a:p>
+        </p:txBody>
+      </p:sp>
+      <p:pic>
+        <p:nvPicPr>
+          <p:cNvPr id="4" name="Espace réservé du contenu 3"/>
+          <p:cNvPicPr>
+            <a:picLocks noGrp="1" noChangeAspect="1"/>
+          </p:cNvPicPr>
+          <p:nvPr>
+            <p:ph idx="1"/>
+          </p:nvPr>
+        </p:nvPicPr>
+        <p:blipFill>
+          <a:blip r:embed="rId2"/>
+          <a:stretch>
+            <a:fillRect/>
+          </a:stretch>
+        </p:blipFill>
+        <p:spPr>
+          <a:xfrm>
+            <a:off x="1694183" y="2673374"/>
+            <a:ext cx="4505954" cy="1924319"/>
+          </a:xfrm>
+          <a:prstGeom prst="rect">
+            <a:avLst/>
+          </a:prstGeom>
+        </p:spPr>
+      </p:pic>
     </p:spTree>
     <p:extLst>
       <p:ext uri="{BB962C8B-B14F-4D97-AF65-F5344CB8AC3E}">
-        <p14:creationId xmlns:p14="http://schemas.microsoft.com/office/powerpoint/2010/main" val="832168080"/>
+        <p14:creationId xmlns:p14="http://schemas.microsoft.com/office/powerpoint/2010/main" val="2021049939"/>
       </p:ext>
     </p:extLst>
   </p:cSld>

--- a/chouette agence [Enregistrement automatique].pptx
+++ b/chouette agence [Enregistrement automatique].pptx
@@ -6,24 +6,23 @@
   </p:sldMasterIdLst>
   <p:sldIdLst>
     <p:sldId id="256" r:id="rId2"/>
-    <p:sldId id="274" r:id="rId3"/>
-    <p:sldId id="269" r:id="rId4"/>
-    <p:sldId id="275" r:id="rId5"/>
-    <p:sldId id="257" r:id="rId6"/>
-    <p:sldId id="258" r:id="rId7"/>
-    <p:sldId id="261" r:id="rId8"/>
-    <p:sldId id="268" r:id="rId9"/>
+    <p:sldId id="269" r:id="rId3"/>
+    <p:sldId id="257" r:id="rId4"/>
+    <p:sldId id="263" r:id="rId5"/>
+    <p:sldId id="262" r:id="rId6"/>
+    <p:sldId id="275" r:id="rId7"/>
+    <p:sldId id="258" r:id="rId8"/>
+    <p:sldId id="261" r:id="rId9"/>
     <p:sldId id="267" r:id="rId10"/>
-    <p:sldId id="271" r:id="rId11"/>
-    <p:sldId id="272" r:id="rId12"/>
-    <p:sldId id="266" r:id="rId13"/>
-    <p:sldId id="262" r:id="rId14"/>
-    <p:sldId id="259" r:id="rId15"/>
-    <p:sldId id="273" r:id="rId16"/>
-    <p:sldId id="263" r:id="rId17"/>
-    <p:sldId id="265" r:id="rId18"/>
-    <p:sldId id="270" r:id="rId19"/>
-    <p:sldId id="260" r:id="rId20"/>
+    <p:sldId id="266" r:id="rId11"/>
+    <p:sldId id="268" r:id="rId12"/>
+    <p:sldId id="271" r:id="rId13"/>
+    <p:sldId id="265" r:id="rId14"/>
+    <p:sldId id="272" r:id="rId15"/>
+    <p:sldId id="259" r:id="rId16"/>
+    <p:sldId id="273" r:id="rId17"/>
+    <p:sldId id="270" r:id="rId18"/>
+    <p:sldId id="260" r:id="rId19"/>
   </p:sldIdLst>
   <p:sldSz cx="12192000" cy="6858000"/>
   <p:notesSz cx="6858000" cy="9144000"/>
@@ -3331,20 +3330,23 @@
       </p:grpSpPr>
       <p:sp>
         <p:nvSpPr>
-          <p:cNvPr id="3" name="Rectangle à coins arrondis 2"/>
+          <p:cNvPr id="8" name="Rectangle à coins arrondis 7"/>
           <p:cNvSpPr/>
           <p:nvPr/>
         </p:nvSpPr>
         <p:spPr>
           <a:xfrm>
-            <a:off x="955964" y="587086"/>
-            <a:ext cx="3419181" cy="1049481"/>
+            <a:off x="736271" y="1423815"/>
+            <a:ext cx="10089572" cy="4969885"/>
           </a:xfrm>
           <a:prstGeom prst="roundRect">
             <a:avLst/>
           </a:prstGeom>
           <a:solidFill>
-            <a:srgbClr val="FAC74E"/>
+            <a:schemeClr val="tx1">
+              <a:lumMod val="75000"/>
+              <a:lumOff val="25000"/>
+            </a:schemeClr>
           </a:solidFill>
         </p:spPr>
         <p:style>
@@ -3374,6 +3376,54 @@
       </p:sp>
       <p:sp>
         <p:nvSpPr>
+          <p:cNvPr id="7" name="Rectangle à coins arrondis 6"/>
+          <p:cNvSpPr/>
+          <p:nvPr/>
+        </p:nvSpPr>
+        <p:spPr>
+          <a:xfrm>
+            <a:off x="2431473" y="305547"/>
+            <a:ext cx="7065818" cy="914400"/>
+          </a:xfrm>
+          <a:prstGeom prst="roundRect">
+            <a:avLst/>
+          </a:prstGeom>
+          <a:solidFill>
+            <a:srgbClr val="FAC74E"/>
+          </a:solidFill>
+          <a:ln>
+            <a:solidFill>
+              <a:srgbClr val="CF384A"/>
+            </a:solidFill>
+          </a:ln>
+        </p:spPr>
+        <p:style>
+          <a:lnRef idx="2">
+            <a:schemeClr val="accent1">
+              <a:shade val="50000"/>
+            </a:schemeClr>
+          </a:lnRef>
+          <a:fillRef idx="1">
+            <a:schemeClr val="accent1"/>
+          </a:fillRef>
+          <a:effectRef idx="0">
+            <a:schemeClr val="accent1"/>
+          </a:effectRef>
+          <a:fontRef idx="minor">
+            <a:schemeClr val="lt1"/>
+          </a:fontRef>
+        </p:style>
+        <p:txBody>
+          <a:bodyPr rtlCol="0" anchor="ctr"/>
+          <a:lstStyle/>
+          <a:p>
+            <a:pPr algn="ctr"/>
+            <a:endParaRPr lang="fr-FR"/>
+          </a:p>
+        </p:txBody>
+      </p:sp>
+      <p:sp>
+        <p:nvSpPr>
           <p:cNvPr id="2" name="Titre 1"/>
           <p:cNvSpPr>
             <a:spLocks noGrp="1"/>
@@ -3384,7 +3434,7 @@
         </p:nvSpPr>
         <p:spPr>
           <a:xfrm>
-            <a:off x="1191491" y="449044"/>
+            <a:off x="736271" y="101679"/>
             <a:ext cx="10515600" cy="1325563"/>
           </a:xfrm>
         </p:spPr>
@@ -3392,15 +3442,16 @@
           <a:bodyPr/>
           <a:lstStyle/>
           <a:p>
-            <a:r>
-              <a:rPr lang="fr-FR" dirty="0" smtClean="0">
+            <a:pPr algn="ctr"/>
+            <a:r>
+              <a:rPr lang="fr-FR" b="1" dirty="0" smtClean="0">
                 <a:solidFill>
                   <a:srgbClr val="CF384A"/>
                 </a:solidFill>
               </a:rPr>
-              <a:t>Liens page</a:t>
-            </a:r>
-            <a:endParaRPr lang="fr-FR" dirty="0">
+              <a:t>Couleurs</a:t>
+            </a:r>
+            <a:endParaRPr lang="fr-FR" b="1" dirty="0">
               <a:solidFill>
                 <a:srgbClr val="CF384A"/>
               </a:solidFill>
@@ -3408,6 +3459,54 @@
           </a:p>
         </p:txBody>
       </p:sp>
+      <p:pic>
+        <p:nvPicPr>
+          <p:cNvPr id="5" name="Image 4"/>
+          <p:cNvPicPr>
+            <a:picLocks noChangeAspect="1"/>
+          </p:cNvPicPr>
+          <p:nvPr/>
+        </p:nvPicPr>
+        <p:blipFill>
+          <a:blip r:embed="rId2"/>
+          <a:stretch>
+            <a:fillRect/>
+          </a:stretch>
+        </p:blipFill>
+        <p:spPr>
+          <a:xfrm>
+            <a:off x="1213381" y="1837381"/>
+            <a:ext cx="4189892" cy="1728565"/>
+          </a:xfrm>
+          <a:prstGeom prst="rect">
+            <a:avLst/>
+          </a:prstGeom>
+        </p:spPr>
+      </p:pic>
+      <p:pic>
+        <p:nvPicPr>
+          <p:cNvPr id="6" name="Image 5"/>
+          <p:cNvPicPr>
+            <a:picLocks noChangeAspect="1"/>
+          </p:cNvPicPr>
+          <p:nvPr/>
+        </p:nvPicPr>
+        <p:blipFill>
+          <a:blip r:embed="rId3"/>
+          <a:stretch>
+            <a:fillRect/>
+          </a:stretch>
+        </p:blipFill>
+        <p:spPr>
+          <a:xfrm>
+            <a:off x="6791653" y="2102495"/>
+            <a:ext cx="1609950" cy="676369"/>
+          </a:xfrm>
+          <a:prstGeom prst="rect">
+            <a:avLst/>
+          </a:prstGeom>
+        </p:spPr>
+      </p:pic>
       <p:pic>
         <p:nvPicPr>
           <p:cNvPr id="4" name="Espace réservé du contenu 3"/>
@@ -3419,38 +3518,62 @@
           </p:nvPr>
         </p:nvPicPr>
         <p:blipFill>
-          <a:blip r:embed="rId2"/>
+          <a:blip r:embed="rId4"/>
           <a:stretch>
             <a:fillRect/>
           </a:stretch>
         </p:blipFill>
         <p:spPr>
           <a:xfrm>
-            <a:off x="838200" y="2412883"/>
-            <a:ext cx="4210638" cy="2715004"/>
+            <a:off x="1213381" y="3927215"/>
+            <a:ext cx="5052671" cy="2099512"/>
           </a:xfrm>
           <a:prstGeom prst="rect">
             <a:avLst/>
           </a:prstGeom>
+          <a:ln>
+            <a:noFill/>
+          </a:ln>
+          <a:effectLst>
+            <a:outerShdw blurRad="190500" dist="228600" dir="2700000" algn="ctr">
+              <a:srgbClr val="000000">
+                <a:alpha val="30000"/>
+              </a:srgbClr>
+            </a:outerShdw>
+          </a:effectLst>
+          <a:scene3d>
+            <a:camera prst="orthographicFront">
+              <a:rot lat="0" lon="0" rev="0"/>
+            </a:camera>
+            <a:lightRig rig="glow" dir="t">
+              <a:rot lat="0" lon="0" rev="4800000"/>
+            </a:lightRig>
+          </a:scene3d>
+          <a:sp3d prstMaterial="matte">
+            <a:bevelT w="127000" h="63500"/>
+          </a:sp3d>
         </p:spPr>
       </p:pic>
       <p:sp>
         <p:nvSpPr>
-          <p:cNvPr id="5" name="Rectangle à coins arrondis 4"/>
+          <p:cNvPr id="9" name="Ellipse 8"/>
           <p:cNvSpPr/>
           <p:nvPr/>
         </p:nvSpPr>
         <p:spPr>
           <a:xfrm>
-            <a:off x="7429500" y="1111827"/>
-            <a:ext cx="3844636" cy="4738255"/>
-          </a:xfrm>
-          <a:prstGeom prst="roundRect">
-            <a:avLst/>
-          </a:prstGeom>
-          <a:solidFill>
-            <a:srgbClr val="CF384A"/>
-          </a:solidFill>
+            <a:off x="1620982" y="2778864"/>
+            <a:ext cx="1236518" cy="972254"/>
+          </a:xfrm>
+          <a:prstGeom prst="ellipse">
+            <a:avLst/>
+          </a:prstGeom>
+          <a:noFill/>
+          <a:ln>
+            <a:solidFill>
+              <a:srgbClr val="CF384A"/>
+            </a:solidFill>
+          </a:ln>
         </p:spPr>
         <p:style>
           <a:lnRef idx="2">
@@ -3473,75 +3596,104 @@
           <a:lstStyle/>
           <a:p>
             <a:pPr algn="ctr"/>
-            <a:r>
-              <a:rPr lang="fr-FR" sz="2400" dirty="0" smtClean="0">
-                <a:solidFill>
-                  <a:srgbClr val="FAC74E"/>
-                </a:solidFill>
-              </a:rPr>
-              <a:t>Trop de liens envoi à la même page,</a:t>
-            </a:r>
-          </a:p>
+            <a:endParaRPr lang="fr-FR"/>
+          </a:p>
+        </p:txBody>
+      </p:sp>
+      <p:sp>
+        <p:nvSpPr>
+          <p:cNvPr id="11" name="Ellipse 10"/>
+          <p:cNvSpPr/>
+          <p:nvPr/>
+        </p:nvSpPr>
+        <p:spPr>
+          <a:xfrm>
+            <a:off x="1735282" y="5076681"/>
+            <a:ext cx="1392382" cy="1036533"/>
+          </a:xfrm>
+          <a:prstGeom prst="ellipse">
+            <a:avLst/>
+          </a:prstGeom>
+          <a:noFill/>
+          <a:ln>
+            <a:solidFill>
+              <a:srgbClr val="CF384A"/>
+            </a:solidFill>
+          </a:ln>
+        </p:spPr>
+        <p:style>
+          <a:lnRef idx="2">
+            <a:schemeClr val="accent1">
+              <a:shade val="50000"/>
+            </a:schemeClr>
+          </a:lnRef>
+          <a:fillRef idx="1">
+            <a:schemeClr val="accent1"/>
+          </a:fillRef>
+          <a:effectRef idx="0">
+            <a:schemeClr val="accent1"/>
+          </a:effectRef>
+          <a:fontRef idx="minor">
+            <a:schemeClr val="lt1"/>
+          </a:fontRef>
+        </p:style>
+        <p:txBody>
+          <a:bodyPr rtlCol="0" anchor="ctr"/>
+          <a:lstStyle/>
           <a:p>
             <a:pPr algn="ctr"/>
-            <a:endParaRPr lang="fr-FR" sz="2400" dirty="0" smtClean="0">
-              <a:solidFill>
-                <a:srgbClr val="FAC74E"/>
-              </a:solidFill>
-            </a:endParaRPr>
-          </a:p>
+            <a:endParaRPr lang="fr-FR"/>
+          </a:p>
+        </p:txBody>
+      </p:sp>
+      <p:sp>
+        <p:nvSpPr>
+          <p:cNvPr id="3" name="Rectangle à coins arrondis 2"/>
+          <p:cNvSpPr/>
+          <p:nvPr/>
+        </p:nvSpPr>
+        <p:spPr>
+          <a:xfrm>
+            <a:off x="190500" y="6462910"/>
+            <a:ext cx="1430482" cy="340929"/>
+          </a:xfrm>
+          <a:prstGeom prst="roundRect">
+            <a:avLst/>
+          </a:prstGeom>
+        </p:spPr>
+        <p:style>
+          <a:lnRef idx="2">
+            <a:schemeClr val="accent1">
+              <a:shade val="50000"/>
+            </a:schemeClr>
+          </a:lnRef>
+          <a:fillRef idx="1">
+            <a:schemeClr val="accent1"/>
+          </a:fillRef>
+          <a:effectRef idx="0">
+            <a:schemeClr val="accent1"/>
+          </a:effectRef>
+          <a:fontRef idx="minor">
+            <a:schemeClr val="lt1"/>
+          </a:fontRef>
+        </p:style>
+        <p:txBody>
+          <a:bodyPr rtlCol="0" anchor="ctr"/>
+          <a:lstStyle/>
           <a:p>
             <a:pPr algn="ctr"/>
             <a:r>
-              <a:rPr lang="fr-FR" sz="2400" dirty="0" smtClean="0">
-                <a:solidFill>
-                  <a:srgbClr val="FAC74E"/>
-                </a:solidFill>
-              </a:rPr>
-              <a:t>Pour se faire</a:t>
-            </a:r>
-          </a:p>
-          <a:p>
-            <a:pPr algn="ctr"/>
-            <a:endParaRPr lang="fr-FR" sz="2400" dirty="0" smtClean="0">
-              <a:solidFill>
-                <a:srgbClr val="FAC74E"/>
-              </a:solidFill>
-            </a:endParaRPr>
-          </a:p>
-          <a:p>
-            <a:pPr algn="ctr"/>
-            <a:r>
-              <a:rPr lang="fr-FR" sz="2400" dirty="0" smtClean="0">
-                <a:solidFill>
-                  <a:srgbClr val="FAC74E"/>
-                </a:solidFill>
-              </a:rPr>
-              <a:t>Des liens on été supprimer </a:t>
-            </a:r>
-          </a:p>
-          <a:p>
-            <a:pPr algn="ctr"/>
-            <a:r>
-              <a:rPr lang="fr-FR" sz="2400" dirty="0" smtClean="0">
-                <a:solidFill>
-                  <a:srgbClr val="FAC74E"/>
-                </a:solidFill>
-              </a:rPr>
-              <a:t>Pour un meilleur SEO</a:t>
-            </a:r>
-            <a:endParaRPr lang="fr-FR" sz="2400" dirty="0">
-              <a:solidFill>
-                <a:srgbClr val="FAC74E"/>
-              </a:solidFill>
-            </a:endParaRPr>
+              <a:rPr lang="fr-FR" dirty="0" smtClean="0"/>
+              <a:t>Affichage</a:t>
+            </a:r>
+            <a:endParaRPr lang="fr-FR" dirty="0"/>
           </a:p>
         </p:txBody>
       </p:sp>
     </p:spTree>
     <p:extLst>
       <p:ext uri="{BB962C8B-B14F-4D97-AF65-F5344CB8AC3E}">
-        <p14:creationId xmlns:p14="http://schemas.microsoft.com/office/powerpoint/2010/main" val="832168080"/>
+        <p14:creationId xmlns:p14="http://schemas.microsoft.com/office/powerpoint/2010/main" val="1653323854"/>
       </p:ext>
     </p:extLst>
   </p:cSld>
@@ -3561,17 +3713,6 @@
 <file path=ppt/slides/slide11.xml><?xml version="1.0" encoding="utf-8"?>
 <p:sld xmlns:a="http://schemas.openxmlformats.org/drawingml/2006/main" xmlns:r="http://schemas.openxmlformats.org/officeDocument/2006/relationships" xmlns:p="http://schemas.openxmlformats.org/presentationml/2006/main">
   <p:cSld>
-    <p:bg>
-      <p:bgPr>
-        <a:solidFill>
-          <a:schemeClr val="tx1">
-            <a:lumMod val="75000"/>
-            <a:lumOff val="25000"/>
-          </a:schemeClr>
-        </a:solidFill>
-        <a:effectLst/>
-      </p:bgPr>
-    </p:bg>
     <p:spTree>
       <p:nvGrpSpPr>
         <p:cNvPr id="1" name=""/>
@@ -3586,9 +3727,246 @@
           <a:chExt cx="0" cy="0"/>
         </a:xfrm>
       </p:grpSpPr>
+      <p:sp>
+        <p:nvSpPr>
+          <p:cNvPr id="4" name="Rectangle à coins arrondis 3"/>
+          <p:cNvSpPr/>
+          <p:nvPr/>
+        </p:nvSpPr>
+        <p:spPr>
+          <a:xfrm>
+            <a:off x="2891790" y="309909"/>
+            <a:ext cx="6023610" cy="1451610"/>
+          </a:xfrm>
+          <a:prstGeom prst="roundRect">
+            <a:avLst/>
+          </a:prstGeom>
+          <a:solidFill>
+            <a:srgbClr val="FAC74E"/>
+          </a:solidFill>
+          <a:ln>
+            <a:solidFill>
+              <a:srgbClr val="CF384A"/>
+            </a:solidFill>
+          </a:ln>
+        </p:spPr>
+        <p:style>
+          <a:lnRef idx="2">
+            <a:schemeClr val="accent1">
+              <a:shade val="50000"/>
+            </a:schemeClr>
+          </a:lnRef>
+          <a:fillRef idx="1">
+            <a:schemeClr val="accent1"/>
+          </a:fillRef>
+          <a:effectRef idx="0">
+            <a:schemeClr val="accent1"/>
+          </a:effectRef>
+          <a:fontRef idx="minor">
+            <a:schemeClr val="lt1"/>
+          </a:fontRef>
+        </p:style>
+        <p:txBody>
+          <a:bodyPr rtlCol="0" anchor="ctr"/>
+          <a:lstStyle/>
+          <a:p>
+            <a:pPr algn="ctr"/>
+            <a:endParaRPr lang="fr-FR"/>
+          </a:p>
+        </p:txBody>
+      </p:sp>
+      <p:sp>
+        <p:nvSpPr>
+          <p:cNvPr id="2" name="Titre 1"/>
+          <p:cNvSpPr>
+            <a:spLocks noGrp="1"/>
+          </p:cNvSpPr>
+          <p:nvPr>
+            <p:ph type="title"/>
+          </p:nvPr>
+        </p:nvSpPr>
+        <p:spPr>
+          <a:xfrm>
+            <a:off x="4160866" y="372932"/>
+            <a:ext cx="4271010" cy="1325563"/>
+          </a:xfrm>
+        </p:spPr>
+        <p:txBody>
+          <a:bodyPr>
+            <a:normAutofit/>
+          </a:bodyPr>
+          <a:lstStyle/>
+          <a:p>
+            <a:r>
+              <a:rPr lang="fr-FR" sz="6600" b="1" dirty="0" smtClean="0">
+                <a:solidFill>
+                  <a:srgbClr val="CF384A"/>
+                </a:solidFill>
+              </a:rPr>
+              <a:t>&lt;</a:t>
+            </a:r>
+            <a:r>
+              <a:rPr lang="fr-FR" sz="6600" b="1" dirty="0" err="1">
+                <a:solidFill>
+                  <a:srgbClr val="CF384A"/>
+                </a:solidFill>
+              </a:rPr>
+              <a:t>S</a:t>
+            </a:r>
+            <a:r>
+              <a:rPr lang="fr-FR" sz="6600" b="1" dirty="0" err="1" smtClean="0">
+                <a:solidFill>
+                  <a:srgbClr val="CF384A"/>
+                </a:solidFill>
+              </a:rPr>
+              <a:t>trong</a:t>
+            </a:r>
+            <a:r>
+              <a:rPr lang="fr-FR" sz="6600" b="1" dirty="0" smtClean="0">
+                <a:solidFill>
+                  <a:srgbClr val="CF384A"/>
+                </a:solidFill>
+              </a:rPr>
+              <a:t>&gt;</a:t>
+            </a:r>
+            <a:endParaRPr lang="fr-FR" sz="6600" b="1" dirty="0">
+              <a:solidFill>
+                <a:srgbClr val="CF384A"/>
+              </a:solidFill>
+            </a:endParaRPr>
+          </a:p>
+        </p:txBody>
+      </p:sp>
+      <p:sp>
+        <p:nvSpPr>
+          <p:cNvPr id="5" name="Rectangle à coins arrondis 4"/>
+          <p:cNvSpPr/>
+          <p:nvPr/>
+        </p:nvSpPr>
+        <p:spPr>
+          <a:xfrm>
+            <a:off x="7938655" y="1824542"/>
+            <a:ext cx="4125189" cy="4929549"/>
+          </a:xfrm>
+          <a:prstGeom prst="roundRect">
+            <a:avLst/>
+          </a:prstGeom>
+          <a:solidFill>
+            <a:srgbClr val="CF384A"/>
+          </a:solidFill>
+        </p:spPr>
+        <p:style>
+          <a:lnRef idx="2">
+            <a:schemeClr val="accent1">
+              <a:shade val="50000"/>
+            </a:schemeClr>
+          </a:lnRef>
+          <a:fillRef idx="1">
+            <a:schemeClr val="accent1"/>
+          </a:fillRef>
+          <a:effectRef idx="0">
+            <a:schemeClr val="accent1"/>
+          </a:effectRef>
+          <a:fontRef idx="minor">
+            <a:schemeClr val="lt1"/>
+          </a:fontRef>
+        </p:style>
+        <p:txBody>
+          <a:bodyPr rtlCol="0" anchor="ctr"/>
+          <a:lstStyle/>
+          <a:p>
+            <a:pPr marL="285750" indent="-285750" algn="ctr">
+              <a:buFont typeface="Arial" panose="020B0604020202020204" pitchFamily="34" charset="0"/>
+              <a:buChar char="•"/>
+            </a:pPr>
+            <a:r>
+              <a:rPr lang="fr-FR" sz="2400" dirty="0" smtClean="0">
+                <a:solidFill>
+                  <a:srgbClr val="FAC74E"/>
+                </a:solidFill>
+              </a:rPr>
+              <a:t>Balises mis en place permet a </a:t>
+            </a:r>
+            <a:r>
+              <a:rPr lang="fr-FR" sz="2400" dirty="0">
+                <a:solidFill>
+                  <a:srgbClr val="FAC74E"/>
+                </a:solidFill>
+              </a:rPr>
+              <a:t>G</a:t>
+            </a:r>
+            <a:r>
+              <a:rPr lang="fr-FR" sz="2400" dirty="0" smtClean="0">
+                <a:solidFill>
+                  <a:srgbClr val="FAC74E"/>
+                </a:solidFill>
+              </a:rPr>
+              <a:t>oogle de comprendre que ces mots sont important</a:t>
+            </a:r>
+          </a:p>
+          <a:p>
+            <a:pPr algn="ctr"/>
+            <a:endParaRPr lang="fr-FR" sz="2400" dirty="0" smtClean="0">
+              <a:solidFill>
+                <a:srgbClr val="FAC74E"/>
+              </a:solidFill>
+            </a:endParaRPr>
+          </a:p>
+          <a:p>
+            <a:pPr marL="285750" indent="-285750" algn="ctr">
+              <a:buFont typeface="Arial" panose="020B0604020202020204" pitchFamily="34" charset="0"/>
+              <a:buChar char="•"/>
+            </a:pPr>
+            <a:r>
+              <a:rPr lang="fr-FR" sz="2400" dirty="0" smtClean="0">
+                <a:solidFill>
+                  <a:srgbClr val="FAC74E"/>
+                </a:solidFill>
+              </a:rPr>
+              <a:t>Pour le coté utilisateur les mots sont mis en avant</a:t>
+            </a:r>
+          </a:p>
+          <a:p>
+            <a:pPr algn="ctr"/>
+            <a:endParaRPr lang="fr-FR" sz="2400" dirty="0" smtClean="0">
+              <a:solidFill>
+                <a:srgbClr val="FAC74E"/>
+              </a:solidFill>
+            </a:endParaRPr>
+          </a:p>
+          <a:p>
+            <a:pPr marL="285750" indent="-285750" algn="ctr">
+              <a:buFont typeface="Arial" panose="020B0604020202020204" pitchFamily="34" charset="0"/>
+              <a:buChar char="•"/>
+            </a:pPr>
+            <a:r>
+              <a:rPr lang="fr-FR" sz="2400" dirty="0" smtClean="0">
+                <a:solidFill>
+                  <a:srgbClr val="FAC74E"/>
+                </a:solidFill>
+              </a:rPr>
+              <a:t>Il se démarque du texte</a:t>
+            </a:r>
+          </a:p>
+          <a:p>
+            <a:pPr marL="285750" indent="-285750" algn="ctr">
+              <a:buFont typeface="Arial" panose="020B0604020202020204" pitchFamily="34" charset="0"/>
+              <a:buChar char="•"/>
+            </a:pPr>
+            <a:r>
+              <a:rPr lang="fr-FR" sz="2400" dirty="0" smtClean="0">
+                <a:solidFill>
+                  <a:srgbClr val="FAC74E"/>
+                </a:solidFill>
+              </a:rPr>
+              <a:t>Mise en gras</a:t>
+            </a:r>
+          </a:p>
+        </p:txBody>
+      </p:sp>
       <p:pic>
         <p:nvPicPr>
-          <p:cNvPr id="6" name="Image 5"/>
+          <p:cNvPr id="3" name="Image 2"/>
           <p:cNvPicPr>
             <a:picLocks noChangeAspect="1"/>
           </p:cNvPicPr>
@@ -3602,59 +3980,21 @@
         </p:blipFill>
         <p:spPr>
           <a:xfrm>
-            <a:off x="-644510" y="-231683"/>
-            <a:ext cx="12836510" cy="3615919"/>
+            <a:off x="288853" y="2440463"/>
+            <a:ext cx="6891265" cy="883791"/>
           </a:xfrm>
           <a:prstGeom prst="rect">
             <a:avLst/>
           </a:prstGeom>
         </p:spPr>
       </p:pic>
-      <p:sp>
-        <p:nvSpPr>
-          <p:cNvPr id="2" name="Titre 1"/>
-          <p:cNvSpPr>
-            <a:spLocks noGrp="1"/>
-          </p:cNvSpPr>
-          <p:nvPr>
-            <p:ph type="title"/>
-          </p:nvPr>
-        </p:nvSpPr>
-        <p:spPr>
-          <a:xfrm>
-            <a:off x="292510" y="3742183"/>
-            <a:ext cx="10515600" cy="1325563"/>
-          </a:xfrm>
-        </p:spPr>
-        <p:txBody>
-          <a:bodyPr/>
-          <a:lstStyle/>
-          <a:p>
-            <a:r>
-              <a:rPr lang="fr-FR" dirty="0" smtClean="0">
-                <a:solidFill>
-                  <a:srgbClr val="FAC74E"/>
-                </a:solidFill>
-              </a:rPr>
-              <a:t>Liens réseaux sociaux</a:t>
-            </a:r>
-            <a:endParaRPr lang="fr-FR" dirty="0">
-              <a:solidFill>
-                <a:srgbClr val="FAC74E"/>
-              </a:solidFill>
-            </a:endParaRPr>
-          </a:p>
-        </p:txBody>
-      </p:sp>
       <p:pic>
         <p:nvPicPr>
-          <p:cNvPr id="4" name="Espace réservé du contenu 3"/>
+          <p:cNvPr id="6" name="Image 5"/>
           <p:cNvPicPr>
-            <a:picLocks noGrp="1" noChangeAspect="1"/>
+            <a:picLocks noChangeAspect="1"/>
           </p:cNvPicPr>
-          <p:nvPr>
-            <p:ph idx="1"/>
-          </p:nvPr>
+          <p:nvPr/>
         </p:nvPicPr>
         <p:blipFill>
           <a:blip r:embed="rId3"/>
@@ -3664,17 +4004,32 @@
         </p:blipFill>
         <p:spPr>
           <a:xfrm>
-            <a:off x="7448005" y="3981044"/>
-            <a:ext cx="3905795" cy="847843"/>
+            <a:off x="935138" y="4711276"/>
+            <a:ext cx="6830378" cy="1924319"/>
           </a:xfrm>
           <a:prstGeom prst="rect">
             <a:avLst/>
           </a:prstGeom>
+          <a:ln>
+            <a:solidFill>
+              <a:schemeClr val="tx1">
+                <a:lumMod val="75000"/>
+                <a:lumOff val="25000"/>
+              </a:schemeClr>
+            </a:solidFill>
+          </a:ln>
+          <a:effectLst>
+            <a:outerShdw blurRad="292100" dist="139700" dir="2700000" algn="tl" rotWithShape="0">
+              <a:srgbClr val="333333">
+                <a:alpha val="65000"/>
+              </a:srgbClr>
+            </a:outerShdw>
+          </a:effectLst>
         </p:spPr>
       </p:pic>
       <p:pic>
         <p:nvPicPr>
-          <p:cNvPr id="5" name="Image 4"/>
+          <p:cNvPr id="7" name="Image 6"/>
           <p:cNvPicPr>
             <a:picLocks noChangeAspect="1"/>
           </p:cNvPicPr>
@@ -3688,18 +4043,76 @@
         </p:blipFill>
         <p:spPr>
           <a:xfrm>
-            <a:off x="-368711" y="5692879"/>
-            <a:ext cx="12706913" cy="4159044"/>
+            <a:off x="494983" y="3085517"/>
+            <a:ext cx="7064404" cy="1116902"/>
           </a:xfrm>
           <a:prstGeom prst="rect">
             <a:avLst/>
           </a:prstGeom>
+          <a:ln w="38100" cap="sq">
+            <a:solidFill>
+              <a:srgbClr val="000000"/>
+            </a:solidFill>
+            <a:prstDash val="solid"/>
+            <a:miter lim="800000"/>
+          </a:ln>
+          <a:effectLst>
+            <a:outerShdw blurRad="50800" dist="38100" dir="2700000" algn="tl" rotWithShape="0">
+              <a:srgbClr val="000000">
+                <a:alpha val="43000"/>
+              </a:srgbClr>
+            </a:outerShdw>
+          </a:effectLst>
         </p:spPr>
       </p:pic>
+      <p:sp>
+        <p:nvSpPr>
+          <p:cNvPr id="8" name="Rectangle à coins arrondis 7"/>
+          <p:cNvSpPr/>
+          <p:nvPr/>
+        </p:nvSpPr>
+        <p:spPr>
+          <a:xfrm>
+            <a:off x="288853" y="6415314"/>
+            <a:ext cx="1801204" cy="338777"/>
+          </a:xfrm>
+          <a:prstGeom prst="roundRect">
+            <a:avLst/>
+          </a:prstGeom>
+        </p:spPr>
+        <p:style>
+          <a:lnRef idx="2">
+            <a:schemeClr val="accent1">
+              <a:shade val="50000"/>
+            </a:schemeClr>
+          </a:lnRef>
+          <a:fillRef idx="1">
+            <a:schemeClr val="accent1"/>
+          </a:fillRef>
+          <a:effectRef idx="0">
+            <a:schemeClr val="accent1"/>
+          </a:effectRef>
+          <a:fontRef idx="minor">
+            <a:schemeClr val="lt1"/>
+          </a:fontRef>
+        </p:style>
+        <p:txBody>
+          <a:bodyPr rtlCol="0" anchor="ctr"/>
+          <a:lstStyle/>
+          <a:p>
+            <a:pPr algn="ctr"/>
+            <a:r>
+              <a:rPr lang="fr-FR" dirty="0" smtClean="0"/>
+              <a:t>Affichage</a:t>
+            </a:r>
+            <a:endParaRPr lang="fr-FR" dirty="0"/>
+          </a:p>
+        </p:txBody>
+      </p:sp>
     </p:spTree>
     <p:extLst>
       <p:ext uri="{BB962C8B-B14F-4D97-AF65-F5344CB8AC3E}">
-        <p14:creationId xmlns:p14="http://schemas.microsoft.com/office/powerpoint/2010/main" val="1800001616"/>
+        <p14:creationId xmlns:p14="http://schemas.microsoft.com/office/powerpoint/2010/main" val="698784201"/>
       </p:ext>
     </p:extLst>
   </p:cSld>
@@ -3735,23 +4148,20 @@
       </p:grpSpPr>
       <p:sp>
         <p:nvSpPr>
-          <p:cNvPr id="8" name="Rectangle à coins arrondis 7"/>
+          <p:cNvPr id="3" name="Rectangle à coins arrondis 2"/>
           <p:cNvSpPr/>
           <p:nvPr/>
         </p:nvSpPr>
         <p:spPr>
           <a:xfrm>
-            <a:off x="736271" y="1938627"/>
-            <a:ext cx="10089572" cy="4969885"/>
+            <a:off x="955964" y="587086"/>
+            <a:ext cx="3419181" cy="1049481"/>
           </a:xfrm>
           <a:prstGeom prst="roundRect">
             <a:avLst/>
           </a:prstGeom>
           <a:solidFill>
-            <a:schemeClr val="tx1">
-              <a:lumMod val="75000"/>
-              <a:lumOff val="25000"/>
-            </a:schemeClr>
+            <a:srgbClr val="FAC74E"/>
           </a:solidFill>
         </p:spPr>
         <p:style>
@@ -3781,54 +4191,6 @@
       </p:sp>
       <p:sp>
         <p:nvSpPr>
-          <p:cNvPr id="7" name="Rectangle à coins arrondis 6"/>
-          <p:cNvSpPr/>
-          <p:nvPr/>
-        </p:nvSpPr>
-        <p:spPr>
-          <a:xfrm>
-            <a:off x="2504209" y="613064"/>
-            <a:ext cx="7065818" cy="914400"/>
-          </a:xfrm>
-          <a:prstGeom prst="roundRect">
-            <a:avLst/>
-          </a:prstGeom>
-          <a:solidFill>
-            <a:srgbClr val="FAC74E"/>
-          </a:solidFill>
-          <a:ln>
-            <a:solidFill>
-              <a:srgbClr val="CF384A"/>
-            </a:solidFill>
-          </a:ln>
-        </p:spPr>
-        <p:style>
-          <a:lnRef idx="2">
-            <a:schemeClr val="accent1">
-              <a:shade val="50000"/>
-            </a:schemeClr>
-          </a:lnRef>
-          <a:fillRef idx="1">
-            <a:schemeClr val="accent1"/>
-          </a:fillRef>
-          <a:effectRef idx="0">
-            <a:schemeClr val="accent1"/>
-          </a:effectRef>
-          <a:fontRef idx="minor">
-            <a:schemeClr val="lt1"/>
-          </a:fontRef>
-        </p:style>
-        <p:txBody>
-          <a:bodyPr rtlCol="0" anchor="ctr"/>
-          <a:lstStyle/>
-          <a:p>
-            <a:pPr algn="ctr"/>
-            <a:endParaRPr lang="fr-FR"/>
-          </a:p>
-        </p:txBody>
-      </p:sp>
-      <p:sp>
-        <p:nvSpPr>
           <p:cNvPr id="2" name="Titre 1"/>
           <p:cNvSpPr>
             <a:spLocks noGrp="1"/>
@@ -3837,21 +4199,25 @@
             <p:ph type="title"/>
           </p:nvPr>
         </p:nvSpPr>
-        <p:spPr/>
+        <p:spPr>
+          <a:xfrm>
+            <a:off x="1191491" y="449044"/>
+            <a:ext cx="10515600" cy="1325563"/>
+          </a:xfrm>
+        </p:spPr>
         <p:txBody>
           <a:bodyPr/>
           <a:lstStyle/>
           <a:p>
-            <a:pPr algn="ctr"/>
-            <a:r>
-              <a:rPr lang="fr-FR" b="1" dirty="0" smtClean="0">
+            <a:r>
+              <a:rPr lang="fr-FR" dirty="0" smtClean="0">
                 <a:solidFill>
                   <a:srgbClr val="CF384A"/>
                 </a:solidFill>
               </a:rPr>
-              <a:t>Couleurs</a:t>
-            </a:r>
-            <a:endParaRPr lang="fr-FR" b="1" dirty="0">
+              <a:t>Liens page</a:t>
+            </a:r>
+            <a:endParaRPr lang="fr-FR" dirty="0">
               <a:solidFill>
                 <a:srgbClr val="CF384A"/>
               </a:solidFill>
@@ -3859,54 +4225,6 @@
           </a:p>
         </p:txBody>
       </p:sp>
-      <p:pic>
-        <p:nvPicPr>
-          <p:cNvPr id="5" name="Image 4"/>
-          <p:cNvPicPr>
-            <a:picLocks noChangeAspect="1"/>
-          </p:cNvPicPr>
-          <p:nvPr/>
-        </p:nvPicPr>
-        <p:blipFill>
-          <a:blip r:embed="rId2"/>
-          <a:stretch>
-            <a:fillRect/>
-          </a:stretch>
-        </p:blipFill>
-        <p:spPr>
-          <a:xfrm>
-            <a:off x="1213381" y="1837381"/>
-            <a:ext cx="4189892" cy="1728565"/>
-          </a:xfrm>
-          <a:prstGeom prst="rect">
-            <a:avLst/>
-          </a:prstGeom>
-        </p:spPr>
-      </p:pic>
-      <p:pic>
-        <p:nvPicPr>
-          <p:cNvPr id="6" name="Image 5"/>
-          <p:cNvPicPr>
-            <a:picLocks noChangeAspect="1"/>
-          </p:cNvPicPr>
-          <p:nvPr/>
-        </p:nvPicPr>
-        <p:blipFill>
-          <a:blip r:embed="rId3"/>
-          <a:stretch>
-            <a:fillRect/>
-          </a:stretch>
-        </p:blipFill>
-        <p:spPr>
-          <a:xfrm>
-            <a:off x="6791653" y="2102495"/>
-            <a:ext cx="1609950" cy="676369"/>
-          </a:xfrm>
-          <a:prstGeom prst="rect">
-            <a:avLst/>
-          </a:prstGeom>
-        </p:spPr>
-      </p:pic>
       <p:pic>
         <p:nvPicPr>
           <p:cNvPr id="4" name="Espace réservé du contenu 3"/>
@@ -3918,62 +4236,38 @@
           </p:nvPr>
         </p:nvPicPr>
         <p:blipFill>
-          <a:blip r:embed="rId4"/>
+          <a:blip r:embed="rId2"/>
           <a:stretch>
             <a:fillRect/>
           </a:stretch>
         </p:blipFill>
         <p:spPr>
           <a:xfrm>
-            <a:off x="1213381" y="3927215"/>
-            <a:ext cx="5052671" cy="2099512"/>
+            <a:off x="838200" y="2412883"/>
+            <a:ext cx="4210638" cy="2715004"/>
           </a:xfrm>
           <a:prstGeom prst="rect">
             <a:avLst/>
           </a:prstGeom>
-          <a:ln>
-            <a:noFill/>
-          </a:ln>
-          <a:effectLst>
-            <a:outerShdw blurRad="190500" dist="228600" dir="2700000" algn="ctr">
-              <a:srgbClr val="000000">
-                <a:alpha val="30000"/>
-              </a:srgbClr>
-            </a:outerShdw>
-          </a:effectLst>
-          <a:scene3d>
-            <a:camera prst="orthographicFront">
-              <a:rot lat="0" lon="0" rev="0"/>
-            </a:camera>
-            <a:lightRig rig="glow" dir="t">
-              <a:rot lat="0" lon="0" rev="4800000"/>
-            </a:lightRig>
-          </a:scene3d>
-          <a:sp3d prstMaterial="matte">
-            <a:bevelT w="127000" h="63500"/>
-          </a:sp3d>
         </p:spPr>
       </p:pic>
       <p:sp>
         <p:nvSpPr>
-          <p:cNvPr id="9" name="Ellipse 8"/>
+          <p:cNvPr id="5" name="Rectangle à coins arrondis 4"/>
           <p:cNvSpPr/>
           <p:nvPr/>
         </p:nvSpPr>
         <p:spPr>
           <a:xfrm>
-            <a:off x="1620982" y="2778864"/>
-            <a:ext cx="1236518" cy="972254"/>
-          </a:xfrm>
-          <a:prstGeom prst="ellipse">
-            <a:avLst/>
-          </a:prstGeom>
-          <a:noFill/>
-          <a:ln>
-            <a:solidFill>
-              <a:srgbClr val="CF384A"/>
-            </a:solidFill>
-          </a:ln>
+            <a:off x="7429500" y="1111827"/>
+            <a:ext cx="3844636" cy="4738255"/>
+          </a:xfrm>
+          <a:prstGeom prst="roundRect">
+            <a:avLst/>
+          </a:prstGeom>
+          <a:solidFill>
+            <a:srgbClr val="CF384A"/>
+          </a:solidFill>
         </p:spPr>
         <p:style>
           <a:lnRef idx="2">
@@ -3996,60 +4290,75 @@
           <a:lstStyle/>
           <a:p>
             <a:pPr algn="ctr"/>
-            <a:endParaRPr lang="fr-FR"/>
-          </a:p>
-        </p:txBody>
-      </p:sp>
-      <p:sp>
-        <p:nvSpPr>
-          <p:cNvPr id="11" name="Ellipse 10"/>
-          <p:cNvSpPr/>
-          <p:nvPr/>
-        </p:nvSpPr>
-        <p:spPr>
-          <a:xfrm>
-            <a:off x="1735282" y="5076681"/>
-            <a:ext cx="1392382" cy="1036533"/>
-          </a:xfrm>
-          <a:prstGeom prst="ellipse">
-            <a:avLst/>
-          </a:prstGeom>
-          <a:noFill/>
-          <a:ln>
-            <a:solidFill>
-              <a:srgbClr val="CF384A"/>
-            </a:solidFill>
-          </a:ln>
-        </p:spPr>
-        <p:style>
-          <a:lnRef idx="2">
-            <a:schemeClr val="accent1">
-              <a:shade val="50000"/>
-            </a:schemeClr>
-          </a:lnRef>
-          <a:fillRef idx="1">
-            <a:schemeClr val="accent1"/>
-          </a:fillRef>
-          <a:effectRef idx="0">
-            <a:schemeClr val="accent1"/>
-          </a:effectRef>
-          <a:fontRef idx="minor">
-            <a:schemeClr val="lt1"/>
-          </a:fontRef>
-        </p:style>
-        <p:txBody>
-          <a:bodyPr rtlCol="0" anchor="ctr"/>
-          <a:lstStyle/>
+            <a:r>
+              <a:rPr lang="fr-FR" sz="2400" dirty="0" smtClean="0">
+                <a:solidFill>
+                  <a:srgbClr val="FAC74E"/>
+                </a:solidFill>
+              </a:rPr>
+              <a:t>Trop de liens envoi à la même page,</a:t>
+            </a:r>
+          </a:p>
           <a:p>
             <a:pPr algn="ctr"/>
-            <a:endParaRPr lang="fr-FR"/>
+            <a:endParaRPr lang="fr-FR" sz="2400" dirty="0" smtClean="0">
+              <a:solidFill>
+                <a:srgbClr val="FAC74E"/>
+              </a:solidFill>
+            </a:endParaRPr>
+          </a:p>
+          <a:p>
+            <a:pPr algn="ctr"/>
+            <a:r>
+              <a:rPr lang="fr-FR" sz="2400" dirty="0" smtClean="0">
+                <a:solidFill>
+                  <a:srgbClr val="FAC74E"/>
+                </a:solidFill>
+              </a:rPr>
+              <a:t>Pour se faire</a:t>
+            </a:r>
+          </a:p>
+          <a:p>
+            <a:pPr algn="ctr"/>
+            <a:endParaRPr lang="fr-FR" sz="2400" dirty="0" smtClean="0">
+              <a:solidFill>
+                <a:srgbClr val="FAC74E"/>
+              </a:solidFill>
+            </a:endParaRPr>
+          </a:p>
+          <a:p>
+            <a:pPr algn="ctr"/>
+            <a:r>
+              <a:rPr lang="fr-FR" sz="2400" dirty="0" smtClean="0">
+                <a:solidFill>
+                  <a:srgbClr val="FAC74E"/>
+                </a:solidFill>
+              </a:rPr>
+              <a:t>Des liens on été supprimer </a:t>
+            </a:r>
+          </a:p>
+          <a:p>
+            <a:pPr algn="ctr"/>
+            <a:r>
+              <a:rPr lang="fr-FR" sz="2400" dirty="0" smtClean="0">
+                <a:solidFill>
+                  <a:srgbClr val="FAC74E"/>
+                </a:solidFill>
+              </a:rPr>
+              <a:t>Pour un meilleur SEO</a:t>
+            </a:r>
+            <a:endParaRPr lang="fr-FR" sz="2400" dirty="0">
+              <a:solidFill>
+                <a:srgbClr val="FAC74E"/>
+              </a:solidFill>
+            </a:endParaRPr>
           </a:p>
         </p:txBody>
       </p:sp>
     </p:spTree>
     <p:extLst>
       <p:ext uri="{BB962C8B-B14F-4D97-AF65-F5344CB8AC3E}">
-        <p14:creationId xmlns:p14="http://schemas.microsoft.com/office/powerpoint/2010/main" val="1653323854"/>
+        <p14:creationId xmlns:p14="http://schemas.microsoft.com/office/powerpoint/2010/main" val="832168080"/>
       </p:ext>
     </p:extLst>
   </p:cSld>
@@ -4069,6 +4378,17 @@
 <file path=ppt/slides/slide13.xml><?xml version="1.0" encoding="utf-8"?>
 <p:sld xmlns:a="http://schemas.openxmlformats.org/drawingml/2006/main" xmlns:r="http://schemas.openxmlformats.org/officeDocument/2006/relationships" xmlns:p="http://schemas.openxmlformats.org/presentationml/2006/main">
   <p:cSld>
+    <p:bg>
+      <p:bgPr>
+        <a:solidFill>
+          <a:schemeClr val="tx1">
+            <a:lumMod val="75000"/>
+            <a:lumOff val="25000"/>
+          </a:schemeClr>
+        </a:solidFill>
+        <a:effectLst/>
+      </p:bgPr>
+    </p:bg>
     <p:spTree>
       <p:nvGrpSpPr>
         <p:cNvPr id="1" name=""/>
@@ -4083,125 +4403,13 @@
           <a:chExt cx="0" cy="0"/>
         </a:xfrm>
       </p:grpSpPr>
-      <p:sp>
-        <p:nvSpPr>
-          <p:cNvPr id="7" name="Rectangle à coins arrondis 6"/>
-          <p:cNvSpPr/>
-          <p:nvPr/>
-        </p:nvSpPr>
-        <p:spPr>
-          <a:xfrm>
-            <a:off x="571500" y="365125"/>
-            <a:ext cx="9892145" cy="1325563"/>
-          </a:xfrm>
-          <a:prstGeom prst="roundRect">
-            <a:avLst/>
-          </a:prstGeom>
-          <a:solidFill>
-            <a:srgbClr val="CF384A"/>
-          </a:solidFill>
-          <a:ln>
-            <a:solidFill>
-              <a:srgbClr val="FAC74E"/>
-            </a:solidFill>
-          </a:ln>
-        </p:spPr>
-        <p:style>
-          <a:lnRef idx="2">
-            <a:schemeClr val="accent1">
-              <a:shade val="50000"/>
-            </a:schemeClr>
-          </a:lnRef>
-          <a:fillRef idx="1">
-            <a:schemeClr val="accent1"/>
-          </a:fillRef>
-          <a:effectRef idx="0">
-            <a:schemeClr val="accent1"/>
-          </a:effectRef>
-          <a:fontRef idx="minor">
-            <a:schemeClr val="lt1"/>
-          </a:fontRef>
-        </p:style>
-        <p:txBody>
-          <a:bodyPr rtlCol="0" anchor="ctr"/>
-          <a:lstStyle/>
-          <a:p>
-            <a:pPr algn="ctr"/>
-            <a:endParaRPr lang="fr-FR"/>
-          </a:p>
-        </p:txBody>
-      </p:sp>
-      <p:sp>
-        <p:nvSpPr>
-          <p:cNvPr id="2" name="Titre 1"/>
-          <p:cNvSpPr>
-            <a:spLocks noGrp="1"/>
-          </p:cNvSpPr>
-          <p:nvPr>
-            <p:ph type="title"/>
-          </p:nvPr>
-        </p:nvSpPr>
-        <p:spPr/>
-        <p:txBody>
-          <a:bodyPr/>
-          <a:lstStyle/>
-          <a:p>
-            <a:r>
-              <a:rPr lang="fr-FR" dirty="0" smtClean="0">
-                <a:solidFill>
-                  <a:srgbClr val="FAC74E"/>
-                </a:solidFill>
-              </a:rPr>
-              <a:t>Balise </a:t>
-            </a:r>
-            <a:r>
-              <a:rPr lang="fr-FR" dirty="0" err="1" smtClean="0">
-                <a:solidFill>
-                  <a:srgbClr val="FAC74E"/>
-                </a:solidFill>
-              </a:rPr>
-              <a:t>meta</a:t>
-            </a:r>
-            <a:r>
-              <a:rPr lang="fr-FR" dirty="0" smtClean="0">
-                <a:solidFill>
-                  <a:srgbClr val="FAC74E"/>
-                </a:solidFill>
-              </a:rPr>
-              <a:t> pour améliorer le classement </a:t>
-            </a:r>
-            <a:br>
-              <a:rPr lang="fr-FR" dirty="0" smtClean="0">
-                <a:solidFill>
-                  <a:srgbClr val="FAC74E"/>
-                </a:solidFill>
-              </a:rPr>
-            </a:br>
-            <a:r>
-              <a:rPr lang="fr-FR" dirty="0" smtClean="0">
-                <a:solidFill>
-                  <a:srgbClr val="FAC74E"/>
-                </a:solidFill>
-              </a:rPr>
-              <a:t>naturel SEO</a:t>
-            </a:r>
-            <a:endParaRPr lang="fr-FR" dirty="0">
-              <a:solidFill>
-                <a:srgbClr val="FAC74E"/>
-              </a:solidFill>
-            </a:endParaRPr>
-          </a:p>
-        </p:txBody>
-      </p:sp>
       <p:pic>
         <p:nvPicPr>
-          <p:cNvPr id="4" name="Espace réservé du contenu 3"/>
+          <p:cNvPr id="3" name="Image 2"/>
           <p:cNvPicPr>
-            <a:picLocks noGrp="1" noChangeAspect="1"/>
+            <a:picLocks noChangeAspect="1"/>
           </p:cNvPicPr>
-          <p:nvPr>
-            <p:ph idx="1"/>
-          </p:nvPr>
+          <p:nvPr/>
         </p:nvPicPr>
         <p:blipFill>
           <a:blip r:embed="rId2"/>
@@ -4211,8 +4419,8 @@
         </p:blipFill>
         <p:spPr>
           <a:xfrm>
-            <a:off x="1365997" y="1825625"/>
-            <a:ext cx="4027978" cy="1852757"/>
+            <a:off x="865772" y="2011907"/>
+            <a:ext cx="9958092" cy="2176271"/>
           </a:xfrm>
           <a:prstGeom prst="rect">
             <a:avLst/>
@@ -4221,7 +4429,7 @@
       </p:pic>
       <p:pic>
         <p:nvPicPr>
-          <p:cNvPr id="8" name="Image 7"/>
+          <p:cNvPr id="4" name="Image 3"/>
           <p:cNvPicPr>
             <a:picLocks noChangeAspect="1"/>
           </p:cNvPicPr>
@@ -4235,86 +4443,48 @@
         </p:blipFill>
         <p:spPr>
           <a:xfrm>
-            <a:off x="146808" y="3813320"/>
-            <a:ext cx="7313866" cy="1692320"/>
-          </a:xfrm>
-          <a:prstGeom prst="rect">
-            <a:avLst/>
-          </a:prstGeom>
-        </p:spPr>
-      </p:pic>
-      <p:pic>
-        <p:nvPicPr>
-          <p:cNvPr id="5" name="Image 4"/>
-          <p:cNvPicPr>
-            <a:picLocks noChangeAspect="1"/>
-          </p:cNvPicPr>
-          <p:nvPr/>
-        </p:nvPicPr>
-        <p:blipFill>
-          <a:blip r:embed="rId4"/>
-          <a:stretch>
-            <a:fillRect/>
-          </a:stretch>
-        </p:blipFill>
-        <p:spPr>
-          <a:xfrm>
-            <a:off x="733404" y="4227414"/>
-            <a:ext cx="6506483" cy="647790"/>
-          </a:xfrm>
-          <a:prstGeom prst="rect">
-            <a:avLst/>
-          </a:prstGeom>
-          <a:ln w="38100" cap="sq">
+            <a:off x="4381858" y="2246645"/>
+            <a:ext cx="3129120" cy="1706794"/>
+          </a:xfrm>
+          <a:prstGeom prst="ellipse">
+            <a:avLst/>
+          </a:prstGeom>
+          <a:ln w="63500" cap="rnd">
             <a:solidFill>
-              <a:srgbClr val="000000"/>
+              <a:srgbClr val="333333"/>
             </a:solidFill>
-            <a:prstDash val="solid"/>
-            <a:miter lim="800000"/>
           </a:ln>
           <a:effectLst>
-            <a:outerShdw blurRad="50800" dist="38100" dir="2700000" algn="tl" rotWithShape="0">
+            <a:outerShdw blurRad="381000" dist="292100" dir="5400000" sx="-80000" sy="-18000" rotWithShape="0">
               <a:srgbClr val="000000">
-                <a:alpha val="43000"/>
+                <a:alpha val="22000"/>
               </a:srgbClr>
             </a:outerShdw>
           </a:effectLst>
+          <a:scene3d>
+            <a:camera prst="orthographicFront"/>
+            <a:lightRig rig="contrasting" dir="t">
+              <a:rot lat="0" lon="0" rev="3000000"/>
+            </a:lightRig>
+          </a:scene3d>
+          <a:sp3d contourW="7620">
+            <a:bevelT w="95250" h="31750"/>
+            <a:contourClr>
+              <a:srgbClr val="333333"/>
+            </a:contourClr>
+          </a:sp3d>
         </p:spPr>
       </p:pic>
-      <p:pic>
-        <p:nvPicPr>
-          <p:cNvPr id="3" name="Image 2"/>
-          <p:cNvPicPr>
-            <a:picLocks noChangeAspect="1"/>
-          </p:cNvPicPr>
-          <p:nvPr/>
-        </p:nvPicPr>
-        <p:blipFill>
-          <a:blip r:embed="rId5"/>
-          <a:stretch>
-            <a:fillRect/>
-          </a:stretch>
-        </p:blipFill>
-        <p:spPr>
-          <a:xfrm>
-            <a:off x="326741" y="5801014"/>
-            <a:ext cx="8192643" cy="571580"/>
-          </a:xfrm>
-          <a:prstGeom prst="rect">
-            <a:avLst/>
-          </a:prstGeom>
-        </p:spPr>
-      </p:pic>
-      <p:sp>
-        <p:nvSpPr>
-          <p:cNvPr id="6" name="Rectangle à coins arrondis 5"/>
+      <p:sp>
+        <p:nvSpPr>
+          <p:cNvPr id="5" name="Rectangle à coins arrondis 4"/>
           <p:cNvSpPr/>
           <p:nvPr/>
         </p:nvSpPr>
         <p:spPr>
           <a:xfrm>
-            <a:off x="8924048" y="2015836"/>
-            <a:ext cx="2899064" cy="4356758"/>
+            <a:off x="3221182" y="394855"/>
+            <a:ext cx="6390409" cy="1111827"/>
           </a:xfrm>
           <a:prstGeom prst="roundRect">
             <a:avLst/>
@@ -4324,7 +4494,7 @@
           </a:solidFill>
           <a:ln>
             <a:solidFill>
-              <a:srgbClr val="CF384A"/>
+              <a:srgbClr val="FAC74E"/>
             </a:solidFill>
           </a:ln>
         </p:spPr>
@@ -4350,125 +4520,35 @@
           <a:p>
             <a:pPr algn="ctr"/>
             <a:r>
-              <a:rPr lang="fr-FR" sz="4400" b="1" u="sng" dirty="0" smtClean="0">
+              <a:rPr lang="fr-FR" sz="4000" dirty="0" smtClean="0">
                 <a:solidFill>
                   <a:srgbClr val="C00000"/>
                 </a:solidFill>
               </a:rPr>
-              <a:t>BALISE META</a:t>
-            </a:r>
-          </a:p>
-          <a:p>
-            <a:pPr algn="ctr"/>
-            <a:endParaRPr lang="fr-FR" dirty="0"/>
-          </a:p>
-          <a:p>
-            <a:pPr marL="285750" indent="-285750" algn="ctr">
-              <a:buFont typeface="Arial" panose="020B0604020202020204" pitchFamily="34" charset="0"/>
-              <a:buChar char="•"/>
-            </a:pPr>
-            <a:r>
-              <a:rPr lang="fr-FR" dirty="0" smtClean="0">
-                <a:solidFill>
-                  <a:srgbClr val="C00000"/>
-                </a:solidFill>
-              </a:rPr>
-              <a:t>Description </a:t>
-            </a:r>
-          </a:p>
-          <a:p>
-            <a:pPr algn="ctr"/>
-            <a:r>
-              <a:rPr lang="fr-FR" dirty="0" smtClean="0">
-                <a:solidFill>
-                  <a:srgbClr val="C00000"/>
-                </a:solidFill>
-              </a:rPr>
-              <a:t>Du site internet</a:t>
-            </a:r>
-          </a:p>
-          <a:p>
-            <a:pPr marL="285750" indent="-285750" algn="ctr">
-              <a:buFont typeface="Arial" panose="020B0604020202020204" pitchFamily="34" charset="0"/>
-              <a:buChar char="•"/>
-            </a:pPr>
-            <a:endParaRPr lang="fr-FR" dirty="0" smtClean="0">
+              <a:t>Liens annuaires</a:t>
+            </a:r>
+            <a:endParaRPr lang="fr-FR" sz="4000" dirty="0">
               <a:solidFill>
                 <a:srgbClr val="C00000"/>
               </a:solidFill>
             </a:endParaRPr>
           </a:p>
-          <a:p>
-            <a:pPr algn="ctr"/>
-            <a:r>
-              <a:rPr lang="fr-FR" dirty="0" smtClean="0">
-                <a:solidFill>
-                  <a:srgbClr val="C00000"/>
-                </a:solidFill>
-              </a:rPr>
-              <a:t>Ne sont plus autoriser </a:t>
-            </a:r>
-          </a:p>
-          <a:p>
-            <a:pPr algn="ctr"/>
-            <a:endParaRPr lang="fr-FR" dirty="0" smtClean="0">
-              <a:solidFill>
-                <a:srgbClr val="C00000"/>
-              </a:solidFill>
-            </a:endParaRPr>
-          </a:p>
-          <a:p>
-            <a:pPr marL="285750" indent="-285750" algn="ctr">
-              <a:buFont typeface="Arial" panose="020B0604020202020204" pitchFamily="34" charset="0"/>
-              <a:buChar char="•"/>
-            </a:pPr>
-            <a:r>
-              <a:rPr lang="fr-FR" dirty="0" smtClean="0">
-                <a:solidFill>
-                  <a:srgbClr val="C00000"/>
-                </a:solidFill>
-              </a:rPr>
-              <a:t>Keywords</a:t>
-            </a:r>
-          </a:p>
-          <a:p>
-            <a:pPr algn="ctr"/>
-            <a:r>
-              <a:rPr lang="fr-FR" dirty="0" smtClean="0">
-                <a:solidFill>
-                  <a:srgbClr val="C00000"/>
-                </a:solidFill>
-              </a:rPr>
-              <a:t>Mots clés </a:t>
-            </a:r>
-          </a:p>
-          <a:p>
-            <a:pPr algn="ctr"/>
-            <a:endParaRPr lang="fr-FR" dirty="0">
-              <a:solidFill>
-                <a:srgbClr val="C00000"/>
-              </a:solidFill>
-            </a:endParaRPr>
-          </a:p>
-        </p:txBody>
-      </p:sp>
-      <p:sp>
-        <p:nvSpPr>
-          <p:cNvPr id="9" name="Interdiction 8"/>
+        </p:txBody>
+      </p:sp>
+      <p:sp>
+        <p:nvSpPr>
+          <p:cNvPr id="2" name="Rectangle à coins arrondis 1"/>
           <p:cNvSpPr/>
           <p:nvPr/>
         </p:nvSpPr>
         <p:spPr>
           <a:xfrm>
-            <a:off x="3712495" y="5640578"/>
-            <a:ext cx="1098496" cy="947258"/>
-          </a:xfrm>
-          <a:prstGeom prst="noSmoking">
-            <a:avLst/>
-          </a:prstGeom>
-          <a:solidFill>
-            <a:srgbClr val="CF384A"/>
-          </a:solidFill>
+            <a:off x="377372" y="6241143"/>
+            <a:ext cx="2032000" cy="362857"/>
+          </a:xfrm>
+          <a:prstGeom prst="roundRect">
+            <a:avLst/>
+          </a:prstGeom>
         </p:spPr>
         <p:style>
           <a:lnRef idx="2">
@@ -4491,18 +4571,18 @@
           <a:lstStyle/>
           <a:p>
             <a:pPr algn="ctr"/>
-            <a:endParaRPr lang="fr-FR">
-              <a:solidFill>
-                <a:schemeClr val="tx1"/>
-              </a:solidFill>
-            </a:endParaRPr>
+            <a:r>
+              <a:rPr lang="fr-FR" dirty="0" smtClean="0"/>
+              <a:t>Liens pages</a:t>
+            </a:r>
+            <a:endParaRPr lang="fr-FR" dirty="0"/>
           </a:p>
         </p:txBody>
       </p:sp>
     </p:spTree>
     <p:extLst>
       <p:ext uri="{BB962C8B-B14F-4D97-AF65-F5344CB8AC3E}">
-        <p14:creationId xmlns:p14="http://schemas.microsoft.com/office/powerpoint/2010/main" val="3726480442"/>
+        <p14:creationId xmlns:p14="http://schemas.microsoft.com/office/powerpoint/2010/main" val="2476141840"/>
       </p:ext>
     </p:extLst>
   </p:cSld>
@@ -4547,52 +4627,6 @@
           <a:chExt cx="0" cy="0"/>
         </a:xfrm>
       </p:grpSpPr>
-      <p:sp>
-        <p:nvSpPr>
-          <p:cNvPr id="8" name="Rectangle 7"/>
-          <p:cNvSpPr/>
-          <p:nvPr/>
-        </p:nvSpPr>
-        <p:spPr>
-          <a:xfrm>
-            <a:off x="67338" y="1614311"/>
-            <a:ext cx="6096395" cy="5384800"/>
-          </a:xfrm>
-          <a:prstGeom prst="rect">
-            <a:avLst/>
-          </a:prstGeom>
-          <a:solidFill>
-            <a:schemeClr val="tx1">
-              <a:lumMod val="75000"/>
-              <a:lumOff val="25000"/>
-            </a:schemeClr>
-          </a:solidFill>
-        </p:spPr>
-        <p:style>
-          <a:lnRef idx="2">
-            <a:schemeClr val="accent1">
-              <a:shade val="50000"/>
-            </a:schemeClr>
-          </a:lnRef>
-          <a:fillRef idx="1">
-            <a:schemeClr val="accent1"/>
-          </a:fillRef>
-          <a:effectRef idx="0">
-            <a:schemeClr val="accent1"/>
-          </a:effectRef>
-          <a:fontRef idx="minor">
-            <a:schemeClr val="lt1"/>
-          </a:fontRef>
-        </p:style>
-        <p:txBody>
-          <a:bodyPr rtlCol="0" anchor="ctr"/>
-          <a:lstStyle/>
-          <a:p>
-            <a:pPr algn="ctr"/>
-            <a:endParaRPr lang="fr-FR"/>
-          </a:p>
-        </p:txBody>
-      </p:sp>
       <p:pic>
         <p:nvPicPr>
           <p:cNvPr id="6" name="Image 5"/>
@@ -4609,28 +4643,59 @@
         </p:blipFill>
         <p:spPr>
           <a:xfrm>
-            <a:off x="178762" y="5317066"/>
-            <a:ext cx="5796981" cy="2138085"/>
+            <a:off x="-644510" y="-231683"/>
+            <a:ext cx="12836510" cy="3615919"/>
           </a:xfrm>
           <a:prstGeom prst="rect">
             <a:avLst/>
           </a:prstGeom>
-          <a:effectLst>
-            <a:outerShdw blurRad="50800" dist="38100" dir="5400000" algn="t" rotWithShape="0">
-              <a:prstClr val="black">
-                <a:alpha val="40000"/>
-              </a:prstClr>
-            </a:outerShdw>
-          </a:effectLst>
         </p:spPr>
       </p:pic>
+      <p:sp>
+        <p:nvSpPr>
+          <p:cNvPr id="2" name="Titre 1"/>
+          <p:cNvSpPr>
+            <a:spLocks noGrp="1"/>
+          </p:cNvSpPr>
+          <p:nvPr>
+            <p:ph type="title"/>
+          </p:nvPr>
+        </p:nvSpPr>
+        <p:spPr>
+          <a:xfrm>
+            <a:off x="292510" y="3742183"/>
+            <a:ext cx="10515600" cy="1325563"/>
+          </a:xfrm>
+        </p:spPr>
+        <p:txBody>
+          <a:bodyPr/>
+          <a:lstStyle/>
+          <a:p>
+            <a:r>
+              <a:rPr lang="fr-FR" dirty="0" smtClean="0">
+                <a:solidFill>
+                  <a:srgbClr val="FAC74E"/>
+                </a:solidFill>
+              </a:rPr>
+              <a:t>Liens réseaux sociaux</a:t>
+            </a:r>
+            <a:endParaRPr lang="fr-FR" dirty="0">
+              <a:solidFill>
+                <a:srgbClr val="FAC74E"/>
+              </a:solidFill>
+            </a:endParaRPr>
+          </a:p>
+        </p:txBody>
+      </p:sp>
       <p:pic>
         <p:nvPicPr>
-          <p:cNvPr id="5" name="Image 4"/>
+          <p:cNvPr id="4" name="Espace réservé du contenu 3"/>
           <p:cNvPicPr>
-            <a:picLocks noChangeAspect="1"/>
+            <a:picLocks noGrp="1" noChangeAspect="1"/>
           </p:cNvPicPr>
-          <p:nvPr/>
+          <p:nvPr>
+            <p:ph idx="1"/>
+          </p:nvPr>
         </p:nvPicPr>
         <p:blipFill>
           <a:blip r:embed="rId3"/>
@@ -4640,24 +4705,17 @@
         </p:blipFill>
         <p:spPr>
           <a:xfrm>
-            <a:off x="177042" y="3598975"/>
-            <a:ext cx="5800423" cy="2176312"/>
+            <a:off x="7448005" y="3981044"/>
+            <a:ext cx="3905795" cy="847843"/>
           </a:xfrm>
           <a:prstGeom prst="rect">
             <a:avLst/>
           </a:prstGeom>
-          <a:effectLst>
-            <a:outerShdw blurRad="50800" dist="38100" dir="5400000" algn="t" rotWithShape="0">
-              <a:prstClr val="black">
-                <a:alpha val="40000"/>
-              </a:prstClr>
-            </a:outerShdw>
-          </a:effectLst>
         </p:spPr>
       </p:pic>
       <p:pic>
         <p:nvPicPr>
-          <p:cNvPr id="7" name="Image 6"/>
+          <p:cNvPr id="5" name="Image 4"/>
           <p:cNvPicPr>
             <a:picLocks noChangeAspect="1"/>
           </p:cNvPicPr>
@@ -4671,163 +4729,18 @@
         </p:blipFill>
         <p:spPr>
           <a:xfrm>
-            <a:off x="177042" y="1377829"/>
-            <a:ext cx="5800423" cy="2431427"/>
+            <a:off x="-368711" y="5692879"/>
+            <a:ext cx="12706913" cy="4159044"/>
           </a:xfrm>
           <a:prstGeom prst="rect">
             <a:avLst/>
           </a:prstGeom>
-          <a:effectLst>
-            <a:outerShdw blurRad="50800" dist="38100" dir="5400000" algn="t" rotWithShape="0">
-              <a:prstClr val="black">
-                <a:alpha val="40000"/>
-              </a:prstClr>
-            </a:outerShdw>
-          </a:effectLst>
         </p:spPr>
       </p:pic>
-      <p:sp>
-        <p:nvSpPr>
-          <p:cNvPr id="4" name="Rectangle à coins arrondis 3"/>
-          <p:cNvSpPr/>
-          <p:nvPr/>
-        </p:nvSpPr>
-        <p:spPr>
-          <a:xfrm>
-            <a:off x="124177" y="293511"/>
-            <a:ext cx="11706577" cy="1625600"/>
-          </a:xfrm>
-          <a:prstGeom prst="roundRect">
-            <a:avLst/>
-          </a:prstGeom>
-          <a:solidFill>
-            <a:srgbClr val="FAC74E"/>
-          </a:solidFill>
-          <a:ln>
-            <a:solidFill>
-              <a:srgbClr val="CF384A"/>
-            </a:solidFill>
-          </a:ln>
-        </p:spPr>
-        <p:style>
-          <a:lnRef idx="2">
-            <a:schemeClr val="accent1">
-              <a:shade val="50000"/>
-            </a:schemeClr>
-          </a:lnRef>
-          <a:fillRef idx="1">
-            <a:schemeClr val="accent1"/>
-          </a:fillRef>
-          <a:effectRef idx="0">
-            <a:schemeClr val="accent1"/>
-          </a:effectRef>
-          <a:fontRef idx="minor">
-            <a:schemeClr val="lt1"/>
-          </a:fontRef>
-        </p:style>
-        <p:txBody>
-          <a:bodyPr rtlCol="0" anchor="ctr"/>
-          <a:lstStyle/>
-          <a:p>
-            <a:pPr algn="ctr"/>
-            <a:r>
-              <a:rPr lang="fr-FR" sz="6600" b="1" dirty="0" smtClean="0">
-                <a:ln w="22225">
-                  <a:solidFill>
-                    <a:schemeClr val="accent2"/>
-                  </a:solidFill>
-                  <a:prstDash val="solid"/>
-                </a:ln>
-                <a:solidFill>
-                  <a:srgbClr val="CF384A"/>
-                </a:solidFill>
-              </a:rPr>
-              <a:t>ACCESSIBILITE</a:t>
-            </a:r>
-            <a:endParaRPr lang="fr-FR" sz="6600" b="1" dirty="0">
-              <a:ln w="22225">
-                <a:solidFill>
-                  <a:schemeClr val="accent2"/>
-                </a:solidFill>
-                <a:prstDash val="solid"/>
-              </a:ln>
-              <a:solidFill>
-                <a:srgbClr val="CF384A"/>
-              </a:solidFill>
-            </a:endParaRPr>
-          </a:p>
-        </p:txBody>
-      </p:sp>
-      <p:sp>
-        <p:nvSpPr>
-          <p:cNvPr id="2" name="Rectangle à coins arrondis 1"/>
-          <p:cNvSpPr/>
-          <p:nvPr/>
-        </p:nvSpPr>
-        <p:spPr>
-          <a:xfrm>
-            <a:off x="6604000" y="2153275"/>
-            <a:ext cx="5226754" cy="4704725"/>
-          </a:xfrm>
-          <a:prstGeom prst="roundRect">
-            <a:avLst/>
-          </a:prstGeom>
-          <a:solidFill>
-            <a:srgbClr val="CF384A"/>
-          </a:solidFill>
-        </p:spPr>
-        <p:style>
-          <a:lnRef idx="2">
-            <a:schemeClr val="accent1">
-              <a:shade val="50000"/>
-            </a:schemeClr>
-          </a:lnRef>
-          <a:fillRef idx="1">
-            <a:schemeClr val="accent1"/>
-          </a:fillRef>
-          <a:effectRef idx="0">
-            <a:schemeClr val="accent1"/>
-          </a:effectRef>
-          <a:fontRef idx="minor">
-            <a:schemeClr val="lt1"/>
-          </a:fontRef>
-        </p:style>
-        <p:txBody>
-          <a:bodyPr rtlCol="0" anchor="ctr"/>
-          <a:lstStyle/>
-          <a:p>
-            <a:pPr algn="ctr"/>
-            <a:r>
-              <a:rPr lang="fr-FR" sz="4000" dirty="0" smtClean="0">
-                <a:solidFill>
-                  <a:srgbClr val="FAC74E"/>
-                </a:solidFill>
-              </a:rPr>
-              <a:t>Police d’écriture </a:t>
-            </a:r>
-          </a:p>
-          <a:p>
-            <a:pPr algn="ctr"/>
-            <a:r>
-              <a:rPr lang="fr-FR" sz="4000" dirty="0" smtClean="0">
-                <a:solidFill>
-                  <a:srgbClr val="FAC74E"/>
-                </a:solidFill>
-              </a:rPr>
-              <a:t> pas adapter au format</a:t>
-            </a:r>
-            <a:endParaRPr lang="fr-FR" sz="4000" dirty="0">
-              <a:solidFill>
-                <a:srgbClr val="FAC74E"/>
-              </a:solidFill>
-            </a:endParaRPr>
-          </a:p>
-        </p:txBody>
-      </p:sp>
     </p:spTree>
     <p:extLst>
       <p:ext uri="{BB962C8B-B14F-4D97-AF65-F5344CB8AC3E}">
-        <p14:creationId xmlns:p14="http://schemas.microsoft.com/office/powerpoint/2010/main" val="1702769214"/>
+        <p14:creationId xmlns:p14="http://schemas.microsoft.com/office/powerpoint/2010/main" val="1800001616"/>
       </p:ext>
     </p:extLst>
   </p:cSld>
@@ -4847,6 +4760,17 @@
 <file path=ppt/slides/slide15.xml><?xml version="1.0" encoding="utf-8"?>
 <p:sld xmlns:a="http://schemas.openxmlformats.org/drawingml/2006/main" xmlns:r="http://schemas.openxmlformats.org/officeDocument/2006/relationships" xmlns:p="http://schemas.openxmlformats.org/presentationml/2006/main">
   <p:cSld>
+    <p:bg>
+      <p:bgPr>
+        <a:solidFill>
+          <a:schemeClr val="tx1">
+            <a:lumMod val="75000"/>
+            <a:lumOff val="25000"/>
+          </a:schemeClr>
+        </a:solidFill>
+        <a:effectLst/>
+      </p:bgPr>
+    </p:bg>
     <p:spTree>
       <p:nvGrpSpPr>
         <p:cNvPr id="1" name=""/>
@@ -4863,26 +4787,24 @@
       </p:grpSpPr>
       <p:sp>
         <p:nvSpPr>
-          <p:cNvPr id="5" name="Rectangle à coins arrondis 4"/>
+          <p:cNvPr id="8" name="Rectangle 7"/>
           <p:cNvSpPr/>
           <p:nvPr/>
         </p:nvSpPr>
         <p:spPr>
           <a:xfrm>
-            <a:off x="633845" y="443779"/>
-            <a:ext cx="5840743" cy="1246909"/>
-          </a:xfrm>
-          <a:prstGeom prst="roundRect">
+            <a:off x="67338" y="1614311"/>
+            <a:ext cx="6096395" cy="5384800"/>
+          </a:xfrm>
+          <a:prstGeom prst="rect">
             <a:avLst/>
           </a:prstGeom>
           <a:solidFill>
-            <a:srgbClr val="CF384A"/>
+            <a:schemeClr val="tx1">
+              <a:lumMod val="75000"/>
+              <a:lumOff val="25000"/>
+            </a:schemeClr>
           </a:solidFill>
-          <a:ln>
-            <a:solidFill>
-              <a:srgbClr val="FAC74E"/>
-            </a:solidFill>
-          </a:ln>
         </p:spPr>
         <p:style>
           <a:lnRef idx="2">
@@ -4909,45 +4831,9 @@
           </a:p>
         </p:txBody>
       </p:sp>
-      <p:sp>
-        <p:nvSpPr>
-          <p:cNvPr id="2" name="Titre 1"/>
-          <p:cNvSpPr>
-            <a:spLocks noGrp="1"/>
-          </p:cNvSpPr>
-          <p:nvPr>
-            <p:ph type="title"/>
-          </p:nvPr>
-        </p:nvSpPr>
-        <p:spPr>
-          <a:xfrm>
-            <a:off x="1388918" y="365125"/>
-            <a:ext cx="10515600" cy="1325563"/>
-          </a:xfrm>
-        </p:spPr>
-        <p:txBody>
-          <a:bodyPr/>
-          <a:lstStyle/>
-          <a:p>
-            <a:r>
-              <a:rPr lang="fr-FR" dirty="0" smtClean="0">
-                <a:solidFill>
-                  <a:srgbClr val="FAC74E"/>
-                </a:solidFill>
-              </a:rPr>
-              <a:t>Site Responsive</a:t>
-            </a:r>
-            <a:endParaRPr lang="fr-FR" dirty="0">
-              <a:solidFill>
-                <a:srgbClr val="FAC74E"/>
-              </a:solidFill>
-            </a:endParaRPr>
-          </a:p>
-        </p:txBody>
-      </p:sp>
       <p:pic>
         <p:nvPicPr>
-          <p:cNvPr id="4" name="Image 3"/>
+          <p:cNvPr id="6" name="Image 5"/>
           <p:cNvPicPr>
             <a:picLocks noChangeAspect="1"/>
           </p:cNvPicPr>
@@ -4961,114 +4847,24 @@
         </p:blipFill>
         <p:spPr>
           <a:xfrm>
-            <a:off x="710676" y="2086290"/>
-            <a:ext cx="5763912" cy="2849391"/>
+            <a:off x="178762" y="5317066"/>
+            <a:ext cx="5796981" cy="2138085"/>
           </a:xfrm>
           <a:prstGeom prst="rect">
             <a:avLst/>
           </a:prstGeom>
+          <a:effectLst>
+            <a:outerShdw blurRad="50800" dist="38100" dir="5400000" algn="t" rotWithShape="0">
+              <a:prstClr val="black">
+                <a:alpha val="40000"/>
+              </a:prstClr>
+            </a:outerShdw>
+          </a:effectLst>
         </p:spPr>
       </p:pic>
-      <p:sp>
-        <p:nvSpPr>
-          <p:cNvPr id="6" name="Rectangle à coins arrondis 5"/>
-          <p:cNvSpPr/>
-          <p:nvPr/>
-        </p:nvSpPr>
-        <p:spPr>
-          <a:xfrm>
-            <a:off x="7626926" y="862446"/>
-            <a:ext cx="4094018" cy="4998027"/>
-          </a:xfrm>
-          <a:prstGeom prst="roundRect">
-            <a:avLst/>
-          </a:prstGeom>
-          <a:solidFill>
-            <a:schemeClr val="tx1">
-              <a:lumMod val="75000"/>
-              <a:lumOff val="25000"/>
-            </a:schemeClr>
-          </a:solidFill>
-          <a:ln>
-            <a:solidFill>
-              <a:schemeClr val="tx1">
-                <a:lumMod val="75000"/>
-                <a:lumOff val="25000"/>
-              </a:schemeClr>
-            </a:solidFill>
-          </a:ln>
-        </p:spPr>
-        <p:style>
-          <a:lnRef idx="2">
-            <a:schemeClr val="accent1">
-              <a:shade val="50000"/>
-            </a:schemeClr>
-          </a:lnRef>
-          <a:fillRef idx="1">
-            <a:schemeClr val="accent1"/>
-          </a:fillRef>
-          <a:effectRef idx="0">
-            <a:schemeClr val="accent1"/>
-          </a:effectRef>
-          <a:fontRef idx="minor">
-            <a:schemeClr val="lt1"/>
-          </a:fontRef>
-        </p:style>
-        <p:txBody>
-          <a:bodyPr rtlCol="0" anchor="ctr"/>
-          <a:lstStyle/>
-          <a:p>
-            <a:pPr marL="571500" indent="-571500">
-              <a:buFont typeface="Arial" panose="020B0604020202020204" pitchFamily="34" charset="0"/>
-              <a:buChar char="•"/>
-            </a:pPr>
-            <a:r>
-              <a:rPr lang="fr-FR" sz="4000" dirty="0" smtClean="0">
-                <a:solidFill>
-                  <a:srgbClr val="FAC74E"/>
-                </a:solidFill>
-              </a:rPr>
-              <a:t>Ordinateur</a:t>
-            </a:r>
-          </a:p>
-          <a:p>
-            <a:pPr marL="571500" indent="-571500">
-              <a:buFont typeface="Arial" panose="020B0604020202020204" pitchFamily="34" charset="0"/>
-              <a:buChar char="•"/>
-            </a:pPr>
-            <a:r>
-              <a:rPr lang="fr-FR" sz="4000" dirty="0" smtClean="0">
-                <a:solidFill>
-                  <a:srgbClr val="FAC74E"/>
-                </a:solidFill>
-              </a:rPr>
-              <a:t>Tablette</a:t>
-            </a:r>
-          </a:p>
-          <a:p>
-            <a:pPr marL="571500" indent="-571500">
-              <a:buFont typeface="Arial" panose="020B0604020202020204" pitchFamily="34" charset="0"/>
-              <a:buChar char="•"/>
-            </a:pPr>
-            <a:r>
-              <a:rPr lang="fr-FR" sz="4000" dirty="0" smtClean="0">
-                <a:solidFill>
-                  <a:srgbClr val="FAC74E"/>
-                </a:solidFill>
-              </a:rPr>
-              <a:t>smartphone</a:t>
-            </a:r>
-            <a:endParaRPr lang="fr-FR" sz="4000" dirty="0">
-              <a:solidFill>
-                <a:srgbClr val="FAC74E"/>
-              </a:solidFill>
-            </a:endParaRPr>
-          </a:p>
-        </p:txBody>
-      </p:sp>
       <p:pic>
         <p:nvPicPr>
-          <p:cNvPr id="3" name="Image 2"/>
+          <p:cNvPr id="5" name="Image 4"/>
           <p:cNvPicPr>
             <a:picLocks noChangeAspect="1"/>
           </p:cNvPicPr>
@@ -5082,12 +4878,19 @@
         </p:blipFill>
         <p:spPr>
           <a:xfrm>
-            <a:off x="1388918" y="2862682"/>
-            <a:ext cx="2216727" cy="1201173"/>
+            <a:off x="177042" y="3598975"/>
+            <a:ext cx="5800423" cy="2176312"/>
           </a:xfrm>
           <a:prstGeom prst="rect">
             <a:avLst/>
           </a:prstGeom>
+          <a:effectLst>
+            <a:outerShdw blurRad="50800" dist="38100" dir="5400000" algn="t" rotWithShape="0">
+              <a:prstClr val="black">
+                <a:alpha val="40000"/>
+              </a:prstClr>
+            </a:outerShdw>
+          </a:effectLst>
         </p:spPr>
       </p:pic>
       <p:pic>
@@ -5106,42 +4909,207 @@
         </p:blipFill>
         <p:spPr>
           <a:xfrm>
-            <a:off x="4194994" y="3009900"/>
-            <a:ext cx="928637" cy="1198418"/>
+            <a:off x="177042" y="1377829"/>
+            <a:ext cx="5800423" cy="2431427"/>
           </a:xfrm>
           <a:prstGeom prst="rect">
             <a:avLst/>
           </a:prstGeom>
+          <a:effectLst>
+            <a:outerShdw blurRad="50800" dist="38100" dir="5400000" algn="t" rotWithShape="0">
+              <a:prstClr val="black">
+                <a:alpha val="40000"/>
+              </a:prstClr>
+            </a:outerShdw>
+          </a:effectLst>
         </p:spPr>
       </p:pic>
-      <p:pic>
-        <p:nvPicPr>
-          <p:cNvPr id="8" name="Image 7"/>
-          <p:cNvPicPr>
-            <a:picLocks noChangeAspect="1"/>
-          </p:cNvPicPr>
+      <p:sp>
+        <p:nvSpPr>
+          <p:cNvPr id="4" name="Rectangle à coins arrondis 3"/>
+          <p:cNvSpPr/>
           <p:nvPr/>
-        </p:nvPicPr>
-        <p:blipFill>
-          <a:blip r:embed="rId4"/>
-          <a:stretch>
-            <a:fillRect/>
-          </a:stretch>
-        </p:blipFill>
-        <p:spPr>
-          <a:xfrm>
-            <a:off x="5412160" y="3361459"/>
-            <a:ext cx="467329" cy="745050"/>
-          </a:xfrm>
-          <a:prstGeom prst="rect">
-            <a:avLst/>
-          </a:prstGeom>
-        </p:spPr>
-      </p:pic>
+        </p:nvSpPr>
+        <p:spPr>
+          <a:xfrm>
+            <a:off x="124177" y="293511"/>
+            <a:ext cx="11706577" cy="1625600"/>
+          </a:xfrm>
+          <a:prstGeom prst="roundRect">
+            <a:avLst/>
+          </a:prstGeom>
+          <a:solidFill>
+            <a:srgbClr val="FAC74E"/>
+          </a:solidFill>
+          <a:ln>
+            <a:solidFill>
+              <a:srgbClr val="CF384A"/>
+            </a:solidFill>
+          </a:ln>
+        </p:spPr>
+        <p:style>
+          <a:lnRef idx="2">
+            <a:schemeClr val="accent1">
+              <a:shade val="50000"/>
+            </a:schemeClr>
+          </a:lnRef>
+          <a:fillRef idx="1">
+            <a:schemeClr val="accent1"/>
+          </a:fillRef>
+          <a:effectRef idx="0">
+            <a:schemeClr val="accent1"/>
+          </a:effectRef>
+          <a:fontRef idx="minor">
+            <a:schemeClr val="lt1"/>
+          </a:fontRef>
+        </p:style>
+        <p:txBody>
+          <a:bodyPr rtlCol="0" anchor="ctr"/>
+          <a:lstStyle/>
+          <a:p>
+            <a:pPr algn="ctr"/>
+            <a:r>
+              <a:rPr lang="fr-FR" sz="6600" b="1" dirty="0" smtClean="0">
+                <a:ln w="22225">
+                  <a:solidFill>
+                    <a:schemeClr val="accent2"/>
+                  </a:solidFill>
+                  <a:prstDash val="solid"/>
+                </a:ln>
+                <a:solidFill>
+                  <a:srgbClr val="CF384A"/>
+                </a:solidFill>
+              </a:rPr>
+              <a:t>ACCESSIBILITE</a:t>
+            </a:r>
+            <a:endParaRPr lang="fr-FR" sz="6600" b="1" dirty="0">
+              <a:ln w="22225">
+                <a:solidFill>
+                  <a:schemeClr val="accent2"/>
+                </a:solidFill>
+                <a:prstDash val="solid"/>
+              </a:ln>
+              <a:solidFill>
+                <a:srgbClr val="CF384A"/>
+              </a:solidFill>
+            </a:endParaRPr>
+          </a:p>
+        </p:txBody>
+      </p:sp>
+      <p:sp>
+        <p:nvSpPr>
+          <p:cNvPr id="2" name="Rectangle à coins arrondis 1"/>
+          <p:cNvSpPr/>
+          <p:nvPr/>
+        </p:nvSpPr>
+        <p:spPr>
+          <a:xfrm>
+            <a:off x="6604000" y="1954348"/>
+            <a:ext cx="5226754" cy="4704725"/>
+          </a:xfrm>
+          <a:prstGeom prst="roundRect">
+            <a:avLst/>
+          </a:prstGeom>
+          <a:solidFill>
+            <a:srgbClr val="CF384A"/>
+          </a:solidFill>
+        </p:spPr>
+        <p:style>
+          <a:lnRef idx="2">
+            <a:schemeClr val="accent1">
+              <a:shade val="50000"/>
+            </a:schemeClr>
+          </a:lnRef>
+          <a:fillRef idx="1">
+            <a:schemeClr val="accent1"/>
+          </a:fillRef>
+          <a:effectRef idx="0">
+            <a:schemeClr val="accent1"/>
+          </a:effectRef>
+          <a:fontRef idx="minor">
+            <a:schemeClr val="lt1"/>
+          </a:fontRef>
+        </p:style>
+        <p:txBody>
+          <a:bodyPr rtlCol="0" anchor="ctr"/>
+          <a:lstStyle/>
+          <a:p>
+            <a:pPr algn="ctr"/>
+            <a:r>
+              <a:rPr lang="fr-FR" sz="4000" dirty="0" smtClean="0">
+                <a:solidFill>
+                  <a:srgbClr val="FAC74E"/>
+                </a:solidFill>
+              </a:rPr>
+              <a:t>Police d’écriture </a:t>
+            </a:r>
+          </a:p>
+          <a:p>
+            <a:pPr algn="ctr"/>
+            <a:r>
+              <a:rPr lang="fr-FR" sz="4000" dirty="0" smtClean="0">
+                <a:solidFill>
+                  <a:srgbClr val="FAC74E"/>
+                </a:solidFill>
+              </a:rPr>
+              <a:t> pas adapter au format</a:t>
+            </a:r>
+            <a:endParaRPr lang="fr-FR" sz="4000" dirty="0">
+              <a:solidFill>
+                <a:srgbClr val="FAC74E"/>
+              </a:solidFill>
+            </a:endParaRPr>
+          </a:p>
+        </p:txBody>
+      </p:sp>
+      <p:sp>
+        <p:nvSpPr>
+          <p:cNvPr id="3" name="Rectangle à coins arrondis 2"/>
+          <p:cNvSpPr/>
+          <p:nvPr/>
+        </p:nvSpPr>
+        <p:spPr>
+          <a:xfrm>
+            <a:off x="362857" y="6267278"/>
+            <a:ext cx="1843315" cy="355600"/>
+          </a:xfrm>
+          <a:prstGeom prst="roundRect">
+            <a:avLst/>
+          </a:prstGeom>
+        </p:spPr>
+        <p:style>
+          <a:lnRef idx="2">
+            <a:schemeClr val="accent1">
+              <a:shade val="50000"/>
+            </a:schemeClr>
+          </a:lnRef>
+          <a:fillRef idx="1">
+            <a:schemeClr val="accent1"/>
+          </a:fillRef>
+          <a:effectRef idx="0">
+            <a:schemeClr val="accent1"/>
+          </a:effectRef>
+          <a:fontRef idx="minor">
+            <a:schemeClr val="lt1"/>
+          </a:fontRef>
+        </p:style>
+        <p:txBody>
+          <a:bodyPr rtlCol="0" anchor="ctr"/>
+          <a:lstStyle/>
+          <a:p>
+            <a:pPr algn="ctr"/>
+            <a:r>
+              <a:rPr lang="fr-FR" dirty="0" smtClean="0"/>
+              <a:t>Affichage</a:t>
+            </a:r>
+            <a:endParaRPr lang="fr-FR" dirty="0"/>
+          </a:p>
+        </p:txBody>
+      </p:sp>
     </p:spTree>
     <p:extLst>
       <p:ext uri="{BB962C8B-B14F-4D97-AF65-F5344CB8AC3E}">
-        <p14:creationId xmlns:p14="http://schemas.microsoft.com/office/powerpoint/2010/main" val="3479203292"/>
+        <p14:creationId xmlns:p14="http://schemas.microsoft.com/office/powerpoint/2010/main" val="1702769214"/>
       </p:ext>
     </p:extLst>
   </p:cSld>
@@ -5175,15 +5143,97 @@
           <a:chExt cx="0" cy="0"/>
         </a:xfrm>
       </p:grpSpPr>
+      <p:sp>
+        <p:nvSpPr>
+          <p:cNvPr id="5" name="Rectangle à coins arrondis 4"/>
+          <p:cNvSpPr/>
+          <p:nvPr/>
+        </p:nvSpPr>
+        <p:spPr>
+          <a:xfrm>
+            <a:off x="633845" y="443779"/>
+            <a:ext cx="5840743" cy="1246909"/>
+          </a:xfrm>
+          <a:prstGeom prst="roundRect">
+            <a:avLst/>
+          </a:prstGeom>
+          <a:solidFill>
+            <a:srgbClr val="CF384A"/>
+          </a:solidFill>
+          <a:ln>
+            <a:solidFill>
+              <a:srgbClr val="FAC74E"/>
+            </a:solidFill>
+          </a:ln>
+        </p:spPr>
+        <p:style>
+          <a:lnRef idx="2">
+            <a:schemeClr val="accent1">
+              <a:shade val="50000"/>
+            </a:schemeClr>
+          </a:lnRef>
+          <a:fillRef idx="1">
+            <a:schemeClr val="accent1"/>
+          </a:fillRef>
+          <a:effectRef idx="0">
+            <a:schemeClr val="accent1"/>
+          </a:effectRef>
+          <a:fontRef idx="minor">
+            <a:schemeClr val="lt1"/>
+          </a:fontRef>
+        </p:style>
+        <p:txBody>
+          <a:bodyPr rtlCol="0" anchor="ctr"/>
+          <a:lstStyle/>
+          <a:p>
+            <a:pPr algn="ctr"/>
+            <a:endParaRPr lang="fr-FR"/>
+          </a:p>
+        </p:txBody>
+      </p:sp>
+      <p:sp>
+        <p:nvSpPr>
+          <p:cNvPr id="2" name="Titre 1"/>
+          <p:cNvSpPr>
+            <a:spLocks noGrp="1"/>
+          </p:cNvSpPr>
+          <p:nvPr>
+            <p:ph type="title"/>
+          </p:nvPr>
+        </p:nvSpPr>
+        <p:spPr>
+          <a:xfrm>
+            <a:off x="1388918" y="365125"/>
+            <a:ext cx="10515600" cy="1325563"/>
+          </a:xfrm>
+        </p:spPr>
+        <p:txBody>
+          <a:bodyPr/>
+          <a:lstStyle/>
+          <a:p>
+            <a:r>
+              <a:rPr lang="fr-FR" dirty="0" smtClean="0">
+                <a:solidFill>
+                  <a:srgbClr val="FAC74E"/>
+                </a:solidFill>
+              </a:rPr>
+              <a:t>Site Responsive</a:t>
+            </a:r>
+            <a:endParaRPr lang="fr-FR" dirty="0">
+              <a:solidFill>
+                <a:srgbClr val="FAC74E"/>
+              </a:solidFill>
+            </a:endParaRPr>
+          </a:p>
+        </p:txBody>
+      </p:sp>
       <p:pic>
         <p:nvPicPr>
-          <p:cNvPr id="4" name="Espace réservé du contenu 3"/>
+          <p:cNvPr id="4" name="Image 3"/>
           <p:cNvPicPr>
-            <a:picLocks noGrp="1" noChangeAspect="1"/>
+            <a:picLocks noChangeAspect="1"/>
           </p:cNvPicPr>
-          <p:nvPr>
-            <p:ph idx="1"/>
-          </p:nvPr>
+          <p:nvPr/>
         </p:nvPicPr>
         <p:blipFill>
           <a:blip r:embed="rId2"/>
@@ -5193,8 +5243,8 @@
         </p:blipFill>
         <p:spPr>
           <a:xfrm>
-            <a:off x="572325" y="1745673"/>
-            <a:ext cx="3479008" cy="2467408"/>
+            <a:off x="710676" y="2086290"/>
+            <a:ext cx="5763912" cy="2849391"/>
           </a:xfrm>
           <a:prstGeom prst="rect">
             <a:avLst/>
@@ -5203,24 +5253,30 @@
       </p:pic>
       <p:sp>
         <p:nvSpPr>
-          <p:cNvPr id="5" name="Rectangle à coins arrondis 4"/>
+          <p:cNvPr id="6" name="Rectangle à coins arrondis 5"/>
           <p:cNvSpPr/>
           <p:nvPr/>
         </p:nvSpPr>
         <p:spPr>
           <a:xfrm>
-            <a:off x="1368136" y="138121"/>
-            <a:ext cx="9455728" cy="1278081"/>
+            <a:off x="7626926" y="862446"/>
+            <a:ext cx="4094018" cy="4998027"/>
           </a:xfrm>
           <a:prstGeom prst="roundRect">
             <a:avLst/>
           </a:prstGeom>
           <a:solidFill>
-            <a:srgbClr val="FAC74E"/>
+            <a:schemeClr val="tx1">
+              <a:lumMod val="75000"/>
+              <a:lumOff val="25000"/>
+            </a:schemeClr>
           </a:solidFill>
           <a:ln>
             <a:solidFill>
-              <a:srgbClr val="CF384A"/>
+              <a:schemeClr val="tx1">
+                <a:lumMod val="75000"/>
+                <a:lumOff val="25000"/>
+              </a:schemeClr>
             </a:solidFill>
           </a:ln>
         </p:spPr>
@@ -5244,18 +5300,49 @@
           <a:bodyPr rtlCol="0" anchor="ctr"/>
           <a:lstStyle/>
           <a:p>
-            <a:pPr algn="ctr"/>
-            <a:r>
-              <a:rPr lang="fr-FR" sz="4400" dirty="0" smtClean="0">
-                <a:solidFill>
-                  <a:srgbClr val="CF384A"/>
+            <a:pPr marL="571500" indent="-571500">
+              <a:buFont typeface="Arial" panose="020B0604020202020204" pitchFamily="34" charset="0"/>
+              <a:buChar char="•"/>
+            </a:pPr>
+            <a:r>
+              <a:rPr lang="fr-FR" sz="4000" dirty="0" smtClean="0">
+                <a:solidFill>
+                  <a:srgbClr val="FAC74E"/>
                 </a:solidFill>
               </a:rPr>
-              <a:t>Keywords mots clés</a:t>
-            </a:r>
-            <a:endParaRPr lang="fr-FR" sz="4400" dirty="0">
+              <a:t>Ordinateur</a:t>
+            </a:r>
+          </a:p>
+          <a:p>
+            <a:pPr marL="571500" indent="-571500">
+              <a:buFont typeface="Arial" panose="020B0604020202020204" pitchFamily="34" charset="0"/>
+              <a:buChar char="•"/>
+            </a:pPr>
+            <a:r>
+              <a:rPr lang="fr-FR" sz="4000" dirty="0" smtClean="0">
+                <a:solidFill>
+                  <a:srgbClr val="FAC74E"/>
+                </a:solidFill>
+              </a:rPr>
+              <a:t>Tablette</a:t>
+            </a:r>
+          </a:p>
+          <a:p>
+            <a:pPr marL="571500" indent="-571500">
+              <a:buFont typeface="Arial" panose="020B0604020202020204" pitchFamily="34" charset="0"/>
+              <a:buChar char="•"/>
+            </a:pPr>
+            <a:r>
+              <a:rPr lang="fr-FR" sz="4000" dirty="0" smtClean="0">
+                <a:solidFill>
+                  <a:srgbClr val="FAC74E"/>
+                </a:solidFill>
+              </a:rPr>
+              <a:t>smartphone</a:t>
+            </a:r>
+            <a:endParaRPr lang="fr-FR" sz="4000" dirty="0">
               <a:solidFill>
-                <a:srgbClr val="CF384A"/>
+                <a:srgbClr val="FAC74E"/>
               </a:solidFill>
             </a:endParaRPr>
           </a:p>
@@ -5263,7 +5350,7 @@
       </p:sp>
       <p:pic>
         <p:nvPicPr>
-          <p:cNvPr id="8" name="Image 7"/>
+          <p:cNvPr id="3" name="Image 2"/>
           <p:cNvPicPr>
             <a:picLocks noChangeAspect="1"/>
           </p:cNvPicPr>
@@ -5277,8 +5364,56 @@
         </p:blipFill>
         <p:spPr>
           <a:xfrm>
-            <a:off x="654628" y="2078818"/>
-            <a:ext cx="8811274" cy="696543"/>
+            <a:off x="1388918" y="2862682"/>
+            <a:ext cx="2216727" cy="1201173"/>
+          </a:xfrm>
+          <a:prstGeom prst="rect">
+            <a:avLst/>
+          </a:prstGeom>
+        </p:spPr>
+      </p:pic>
+      <p:pic>
+        <p:nvPicPr>
+          <p:cNvPr id="7" name="Image 6"/>
+          <p:cNvPicPr>
+            <a:picLocks noChangeAspect="1"/>
+          </p:cNvPicPr>
+          <p:nvPr/>
+        </p:nvPicPr>
+        <p:blipFill>
+          <a:blip r:embed="rId4"/>
+          <a:stretch>
+            <a:fillRect/>
+          </a:stretch>
+        </p:blipFill>
+        <p:spPr>
+          <a:xfrm>
+            <a:off x="4194994" y="3009900"/>
+            <a:ext cx="928637" cy="1198418"/>
+          </a:xfrm>
+          <a:prstGeom prst="rect">
+            <a:avLst/>
+          </a:prstGeom>
+        </p:spPr>
+      </p:pic>
+      <p:pic>
+        <p:nvPicPr>
+          <p:cNvPr id="8" name="Image 7"/>
+          <p:cNvPicPr>
+            <a:picLocks noChangeAspect="1"/>
+          </p:cNvPicPr>
+          <p:nvPr/>
+        </p:nvPicPr>
+        <p:blipFill>
+          <a:blip r:embed="rId4"/>
+          <a:stretch>
+            <a:fillRect/>
+          </a:stretch>
+        </p:blipFill>
+        <p:spPr>
+          <a:xfrm>
+            <a:off x="5412160" y="3361459"/>
+            <a:ext cx="467329" cy="745050"/>
           </a:xfrm>
           <a:prstGeom prst="rect">
             <a:avLst/>
@@ -5293,20 +5428,12 @@
         </p:nvSpPr>
         <p:spPr>
           <a:xfrm>
-            <a:off x="1368136" y="4564214"/>
-            <a:ext cx="9455728" cy="2047010"/>
+            <a:off x="633845" y="6270171"/>
+            <a:ext cx="1673926" cy="333829"/>
           </a:xfrm>
           <a:prstGeom prst="roundRect">
             <a:avLst/>
           </a:prstGeom>
-          <a:solidFill>
-            <a:srgbClr val="CF384A"/>
-          </a:solidFill>
-          <a:ln>
-            <a:solidFill>
-              <a:srgbClr val="FAC74E"/>
-            </a:solidFill>
-          </a:ln>
         </p:spPr>
         <p:style>
           <a:lnRef idx="2">
@@ -5328,68 +5455,19 @@
           <a:bodyPr rtlCol="0" anchor="ctr"/>
           <a:lstStyle/>
           <a:p>
-            <a:pPr marL="571500" indent="-571500" algn="ctr">
-              <a:buFont typeface="Arial" panose="020B0604020202020204" pitchFamily="34" charset="0"/>
-              <a:buChar char="•"/>
-            </a:pPr>
-            <a:r>
-              <a:rPr lang="fr-FR" sz="3600" dirty="0" smtClean="0">
-                <a:solidFill>
-                  <a:srgbClr val="FAC74E"/>
-                </a:solidFill>
-              </a:rPr>
-              <a:t>Pratique qui n’est plus utiliser</a:t>
-            </a:r>
-          </a:p>
-          <a:p>
-            <a:pPr marL="571500" indent="-571500" algn="ctr">
-              <a:buFont typeface="Arial" panose="020B0604020202020204" pitchFamily="34" charset="0"/>
-              <a:buChar char="•"/>
-            </a:pPr>
-            <a:r>
-              <a:rPr lang="fr-FR" sz="3600" dirty="0" err="1" smtClean="0">
-                <a:solidFill>
-                  <a:srgbClr val="FAC74E"/>
-                </a:solidFill>
-              </a:rPr>
-              <a:t>Cloacking</a:t>
-            </a:r>
-            <a:r>
-              <a:rPr lang="fr-FR" sz="3600" dirty="0" smtClean="0">
-                <a:solidFill>
-                  <a:srgbClr val="FAC74E"/>
-                </a:solidFill>
-              </a:rPr>
-              <a:t> </a:t>
-            </a:r>
-            <a:r>
-              <a:rPr lang="fr-FR" sz="3600" dirty="0" err="1" smtClean="0">
-                <a:solidFill>
-                  <a:srgbClr val="FAC74E"/>
-                </a:solidFill>
-              </a:rPr>
-              <a:t>discimulation</a:t>
-            </a:r>
-            <a:r>
-              <a:rPr lang="fr-FR" sz="3600" dirty="0" smtClean="0">
-                <a:solidFill>
-                  <a:srgbClr val="FAC74E"/>
-                </a:solidFill>
-              </a:rPr>
-              <a:t> de mots clés </a:t>
-            </a:r>
-            <a:endParaRPr lang="fr-FR" sz="3600" dirty="0">
-              <a:solidFill>
-                <a:srgbClr val="FAC74E"/>
-              </a:solidFill>
-            </a:endParaRPr>
+            <a:pPr algn="ctr"/>
+            <a:r>
+              <a:rPr lang="fr-FR" dirty="0" smtClean="0"/>
+              <a:t>Responsive</a:t>
+            </a:r>
+            <a:endParaRPr lang="fr-FR" dirty="0"/>
           </a:p>
         </p:txBody>
       </p:sp>
     </p:spTree>
     <p:extLst>
       <p:ext uri="{BB962C8B-B14F-4D97-AF65-F5344CB8AC3E}">
-        <p14:creationId xmlns:p14="http://schemas.microsoft.com/office/powerpoint/2010/main" val="3839107337"/>
+        <p14:creationId xmlns:p14="http://schemas.microsoft.com/office/powerpoint/2010/main" val="3479203292"/>
       </p:ext>
     </p:extLst>
   </p:cSld>
@@ -5434,100 +5512,23 @@
           <a:chExt cx="0" cy="0"/>
         </a:xfrm>
       </p:grpSpPr>
-      <p:pic>
-        <p:nvPicPr>
-          <p:cNvPr id="3" name="Image 2"/>
-          <p:cNvPicPr>
-            <a:picLocks noChangeAspect="1"/>
-          </p:cNvPicPr>
-          <p:nvPr/>
-        </p:nvPicPr>
-        <p:blipFill>
-          <a:blip r:embed="rId2"/>
-          <a:stretch>
-            <a:fillRect/>
-          </a:stretch>
-        </p:blipFill>
-        <p:spPr>
-          <a:xfrm>
-            <a:off x="865772" y="2011907"/>
-            <a:ext cx="9958092" cy="2176271"/>
-          </a:xfrm>
-          <a:prstGeom prst="rect">
-            <a:avLst/>
-          </a:prstGeom>
-        </p:spPr>
-      </p:pic>
-      <p:pic>
-        <p:nvPicPr>
-          <p:cNvPr id="4" name="Image 3"/>
-          <p:cNvPicPr>
-            <a:picLocks noChangeAspect="1"/>
-          </p:cNvPicPr>
-          <p:nvPr/>
-        </p:nvPicPr>
-        <p:blipFill>
-          <a:blip r:embed="rId3"/>
-          <a:stretch>
-            <a:fillRect/>
-          </a:stretch>
-        </p:blipFill>
-        <p:spPr>
-          <a:xfrm>
-            <a:off x="4381858" y="2246645"/>
-            <a:ext cx="3129120" cy="1706794"/>
-          </a:xfrm>
-          <a:prstGeom prst="ellipse">
-            <a:avLst/>
-          </a:prstGeom>
-          <a:ln w="63500" cap="rnd">
-            <a:solidFill>
-              <a:srgbClr val="333333"/>
-            </a:solidFill>
-          </a:ln>
-          <a:effectLst>
-            <a:outerShdw blurRad="381000" dist="292100" dir="5400000" sx="-80000" sy="-18000" rotWithShape="0">
-              <a:srgbClr val="000000">
-                <a:alpha val="22000"/>
-              </a:srgbClr>
-            </a:outerShdw>
-          </a:effectLst>
-          <a:scene3d>
-            <a:camera prst="orthographicFront"/>
-            <a:lightRig rig="contrasting" dir="t">
-              <a:rot lat="0" lon="0" rev="3000000"/>
-            </a:lightRig>
-          </a:scene3d>
-          <a:sp3d contourW="7620">
-            <a:bevelT w="95250" h="31750"/>
-            <a:contourClr>
-              <a:srgbClr val="333333"/>
-            </a:contourClr>
-          </a:sp3d>
-        </p:spPr>
-      </p:pic>
-      <p:sp>
-        <p:nvSpPr>
-          <p:cNvPr id="5" name="Rectangle à coins arrondis 4"/>
+      <p:sp>
+        <p:nvSpPr>
+          <p:cNvPr id="2" name="Rectangle à coins arrondis 1"/>
           <p:cNvSpPr/>
           <p:nvPr/>
         </p:nvSpPr>
         <p:spPr>
           <a:xfrm>
-            <a:off x="3221182" y="394855"/>
-            <a:ext cx="6390409" cy="1111827"/>
+            <a:off x="368710" y="575187"/>
+            <a:ext cx="11385755" cy="5958348"/>
           </a:xfrm>
           <a:prstGeom prst="roundRect">
             <a:avLst/>
           </a:prstGeom>
           <a:solidFill>
-            <a:srgbClr val="FAC74E"/>
+            <a:srgbClr val="CF384A"/>
           </a:solidFill>
-          <a:ln>
-            <a:solidFill>
-              <a:srgbClr val="FAC74E"/>
-            </a:solidFill>
-          </a:ln>
         </p:spPr>
         <p:style>
           <a:lnRef idx="2">
@@ -5550,26 +5551,158 @@
           <a:lstStyle/>
           <a:p>
             <a:pPr algn="ctr"/>
-            <a:r>
-              <a:rPr lang="fr-FR" sz="4000" dirty="0" smtClean="0">
-                <a:solidFill>
-                  <a:srgbClr val="C00000"/>
-                </a:solidFill>
-              </a:rPr>
-              <a:t>Liens annuaires</a:t>
-            </a:r>
-            <a:endParaRPr lang="fr-FR" sz="4000" dirty="0">
+            <a:endParaRPr lang="fr-FR" sz="3600" b="1" u="sng" dirty="0" smtClean="0">
               <a:solidFill>
-                <a:srgbClr val="C00000"/>
+                <a:srgbClr val="FAC74E"/>
               </a:solidFill>
             </a:endParaRPr>
+          </a:p>
+          <a:p>
+            <a:pPr algn="ctr"/>
+            <a:endParaRPr lang="fr-FR" sz="3600" b="1" u="sng" dirty="0">
+              <a:solidFill>
+                <a:srgbClr val="FAC74E"/>
+              </a:solidFill>
+            </a:endParaRPr>
+          </a:p>
+          <a:p>
+            <a:pPr algn="ctr"/>
+            <a:endParaRPr lang="fr-FR" sz="3600" b="1" u="sng" dirty="0" smtClean="0">
+              <a:solidFill>
+                <a:srgbClr val="FAC74E"/>
+              </a:solidFill>
+            </a:endParaRPr>
+          </a:p>
+          <a:p>
+            <a:pPr algn="ctr"/>
+            <a:r>
+              <a:rPr lang="fr-FR" sz="3600" b="1" u="sng" dirty="0" smtClean="0">
+                <a:solidFill>
+                  <a:srgbClr val="FAC74E"/>
+                </a:solidFill>
+              </a:rPr>
+              <a:t>Résultat</a:t>
+            </a:r>
+          </a:p>
+          <a:p>
+            <a:pPr algn="ctr"/>
+            <a:endParaRPr lang="fr-FR" sz="3600" b="1" u="sng" dirty="0" smtClean="0">
+              <a:solidFill>
+                <a:srgbClr val="FAC74E"/>
+              </a:solidFill>
+            </a:endParaRPr>
+          </a:p>
+          <a:p>
+            <a:pPr algn="ctr"/>
+            <a:r>
+              <a:rPr lang="fr-FR" sz="3600" dirty="0" smtClean="0">
+                <a:solidFill>
+                  <a:srgbClr val="FAC74E"/>
+                </a:solidFill>
+              </a:rPr>
+              <a:t>Chargement plus rapides des pages</a:t>
+            </a:r>
+          </a:p>
+          <a:p>
+            <a:pPr algn="ctr"/>
+            <a:r>
+              <a:rPr lang="fr-FR" sz="3600" dirty="0" smtClean="0">
+                <a:solidFill>
+                  <a:srgbClr val="FAC74E"/>
+                </a:solidFill>
+              </a:rPr>
+              <a:t>Meilleur classement dans les recherches</a:t>
+            </a:r>
+          </a:p>
+          <a:p>
+            <a:pPr algn="ctr"/>
+            <a:r>
+              <a:rPr lang="fr-FR" sz="3600" dirty="0" smtClean="0">
+                <a:solidFill>
+                  <a:srgbClr val="FAC74E"/>
+                </a:solidFill>
+              </a:rPr>
+              <a:t>Meilleur intégration et logique  du texte </a:t>
+            </a:r>
+          </a:p>
+          <a:p>
+            <a:pPr algn="ctr"/>
+            <a:r>
+              <a:rPr lang="fr-FR" sz="3600" dirty="0" smtClean="0">
+                <a:solidFill>
+                  <a:srgbClr val="FAC74E"/>
+                </a:solidFill>
+              </a:rPr>
+              <a:t>Un site plus clair</a:t>
+            </a:r>
+          </a:p>
+          <a:p>
+            <a:pPr algn="ctr"/>
+            <a:r>
+              <a:rPr lang="fr-FR" sz="3600" dirty="0" smtClean="0">
+                <a:solidFill>
+                  <a:srgbClr val="FAC74E"/>
+                </a:solidFill>
+              </a:rPr>
+              <a:t>Centrer sur la création du site</a:t>
+            </a:r>
+          </a:p>
+          <a:p>
+            <a:pPr algn="ctr"/>
+            <a:r>
+              <a:rPr lang="fr-FR" sz="3600" dirty="0" smtClean="0">
+                <a:solidFill>
+                  <a:srgbClr val="FAC74E"/>
+                </a:solidFill>
+              </a:rPr>
+              <a:t>Meilleur expérience utilisateur</a:t>
+            </a:r>
+          </a:p>
+          <a:p>
+            <a:pPr algn="ctr"/>
+            <a:r>
+              <a:rPr lang="fr-FR" sz="3600" dirty="0" smtClean="0">
+                <a:solidFill>
+                  <a:srgbClr val="FAC74E"/>
+                </a:solidFill>
+              </a:rPr>
+              <a:t>Réseaux sociaux opérationnelle</a:t>
+            </a:r>
+          </a:p>
+          <a:p>
+            <a:pPr algn="ctr"/>
+            <a:endParaRPr lang="fr-FR" sz="3600" dirty="0">
+              <a:solidFill>
+                <a:srgbClr val="FAC74E"/>
+              </a:solidFill>
+            </a:endParaRPr>
+          </a:p>
+          <a:p>
+            <a:pPr algn="ctr"/>
+            <a:endParaRPr lang="fr-FR" sz="3600" dirty="0" smtClean="0">
+              <a:solidFill>
+                <a:srgbClr val="FAC74E"/>
+              </a:solidFill>
+            </a:endParaRPr>
+          </a:p>
+          <a:p>
+            <a:pPr algn="ctr"/>
+            <a:endParaRPr lang="fr-FR" sz="3600" dirty="0" smtClean="0">
+              <a:solidFill>
+                <a:srgbClr val="FAC74E"/>
+              </a:solidFill>
+            </a:endParaRPr>
+          </a:p>
+          <a:p>
+            <a:pPr algn="ctr"/>
+            <a:endParaRPr lang="fr-FR" dirty="0"/>
           </a:p>
         </p:txBody>
       </p:sp>
     </p:spTree>
     <p:extLst>
       <p:ext uri="{BB962C8B-B14F-4D97-AF65-F5344CB8AC3E}">
-        <p14:creationId xmlns:p14="http://schemas.microsoft.com/office/powerpoint/2010/main" val="2476141840"/>
+        <p14:creationId xmlns:p14="http://schemas.microsoft.com/office/powerpoint/2010/main" val="4242436252"/>
       </p:ext>
     </p:extLst>
   </p:cSld>
@@ -5616,241 +5749,6 @@
       </p:grpSpPr>
       <p:sp>
         <p:nvSpPr>
-          <p:cNvPr id="2" name="Rectangle à coins arrondis 1"/>
-          <p:cNvSpPr/>
-          <p:nvPr/>
-        </p:nvSpPr>
-        <p:spPr>
-          <a:xfrm>
-            <a:off x="368710" y="575187"/>
-            <a:ext cx="11385755" cy="5958348"/>
-          </a:xfrm>
-          <a:prstGeom prst="roundRect">
-            <a:avLst/>
-          </a:prstGeom>
-          <a:solidFill>
-            <a:srgbClr val="CF384A"/>
-          </a:solidFill>
-        </p:spPr>
-        <p:style>
-          <a:lnRef idx="2">
-            <a:schemeClr val="accent1">
-              <a:shade val="50000"/>
-            </a:schemeClr>
-          </a:lnRef>
-          <a:fillRef idx="1">
-            <a:schemeClr val="accent1"/>
-          </a:fillRef>
-          <a:effectRef idx="0">
-            <a:schemeClr val="accent1"/>
-          </a:effectRef>
-          <a:fontRef idx="minor">
-            <a:schemeClr val="lt1"/>
-          </a:fontRef>
-        </p:style>
-        <p:txBody>
-          <a:bodyPr rtlCol="0" anchor="ctr"/>
-          <a:lstStyle/>
-          <a:p>
-            <a:pPr algn="ctr"/>
-            <a:endParaRPr lang="fr-FR" sz="3600" b="1" u="sng" dirty="0" smtClean="0">
-              <a:solidFill>
-                <a:srgbClr val="FAC74E"/>
-              </a:solidFill>
-            </a:endParaRPr>
-          </a:p>
-          <a:p>
-            <a:pPr algn="ctr"/>
-            <a:endParaRPr lang="fr-FR" sz="3600" b="1" u="sng" dirty="0">
-              <a:solidFill>
-                <a:srgbClr val="FAC74E"/>
-              </a:solidFill>
-            </a:endParaRPr>
-          </a:p>
-          <a:p>
-            <a:pPr algn="ctr"/>
-            <a:endParaRPr lang="fr-FR" sz="3600" b="1" u="sng" dirty="0" smtClean="0">
-              <a:solidFill>
-                <a:srgbClr val="FAC74E"/>
-              </a:solidFill>
-            </a:endParaRPr>
-          </a:p>
-          <a:p>
-            <a:pPr algn="ctr"/>
-            <a:r>
-              <a:rPr lang="fr-FR" sz="3600" b="1" u="sng" dirty="0" smtClean="0">
-                <a:solidFill>
-                  <a:srgbClr val="FAC74E"/>
-                </a:solidFill>
-              </a:rPr>
-              <a:t>Résultat</a:t>
-            </a:r>
-          </a:p>
-          <a:p>
-            <a:pPr algn="ctr"/>
-            <a:endParaRPr lang="fr-FR" sz="3600" b="1" u="sng" dirty="0" smtClean="0">
-              <a:solidFill>
-                <a:srgbClr val="FAC74E"/>
-              </a:solidFill>
-            </a:endParaRPr>
-          </a:p>
-          <a:p>
-            <a:pPr algn="ctr"/>
-            <a:r>
-              <a:rPr lang="fr-FR" sz="3600" dirty="0" smtClean="0">
-                <a:solidFill>
-                  <a:srgbClr val="FAC74E"/>
-                </a:solidFill>
-              </a:rPr>
-              <a:t>Chargement plus rapides des pages</a:t>
-            </a:r>
-          </a:p>
-          <a:p>
-            <a:pPr algn="ctr"/>
-            <a:r>
-              <a:rPr lang="fr-FR" sz="3600" dirty="0" smtClean="0">
-                <a:solidFill>
-                  <a:srgbClr val="FAC74E"/>
-                </a:solidFill>
-              </a:rPr>
-              <a:t>Meilleur classement dans les recherches</a:t>
-            </a:r>
-          </a:p>
-          <a:p>
-            <a:pPr algn="ctr"/>
-            <a:r>
-              <a:rPr lang="fr-FR" sz="3600" dirty="0" smtClean="0">
-                <a:solidFill>
-                  <a:srgbClr val="FAC74E"/>
-                </a:solidFill>
-              </a:rPr>
-              <a:t>Meilleur intégration et logique  du texte </a:t>
-            </a:r>
-          </a:p>
-          <a:p>
-            <a:pPr algn="ctr"/>
-            <a:r>
-              <a:rPr lang="fr-FR" sz="3600" dirty="0" smtClean="0">
-                <a:solidFill>
-                  <a:srgbClr val="FAC74E"/>
-                </a:solidFill>
-              </a:rPr>
-              <a:t>Un site plus clair</a:t>
-            </a:r>
-          </a:p>
-          <a:p>
-            <a:pPr algn="ctr"/>
-            <a:r>
-              <a:rPr lang="fr-FR" sz="3600" dirty="0" smtClean="0">
-                <a:solidFill>
-                  <a:srgbClr val="FAC74E"/>
-                </a:solidFill>
-              </a:rPr>
-              <a:t>Centrer sur la création du site</a:t>
-            </a:r>
-          </a:p>
-          <a:p>
-            <a:pPr algn="ctr"/>
-            <a:r>
-              <a:rPr lang="fr-FR" sz="3600" dirty="0" smtClean="0">
-                <a:solidFill>
-                  <a:srgbClr val="FAC74E"/>
-                </a:solidFill>
-              </a:rPr>
-              <a:t>Meilleur expérience utilisateur</a:t>
-            </a:r>
-          </a:p>
-          <a:p>
-            <a:pPr algn="ctr"/>
-            <a:r>
-              <a:rPr lang="fr-FR" sz="3600" dirty="0" smtClean="0">
-                <a:solidFill>
-                  <a:srgbClr val="FAC74E"/>
-                </a:solidFill>
-              </a:rPr>
-              <a:t>Réseaux sociaux opérationnelle</a:t>
-            </a:r>
-          </a:p>
-          <a:p>
-            <a:pPr algn="ctr"/>
-            <a:endParaRPr lang="fr-FR" sz="3600" dirty="0">
-              <a:solidFill>
-                <a:srgbClr val="FAC74E"/>
-              </a:solidFill>
-            </a:endParaRPr>
-          </a:p>
-          <a:p>
-            <a:pPr algn="ctr"/>
-            <a:endParaRPr lang="fr-FR" sz="3600" dirty="0" smtClean="0">
-              <a:solidFill>
-                <a:srgbClr val="FAC74E"/>
-              </a:solidFill>
-            </a:endParaRPr>
-          </a:p>
-          <a:p>
-            <a:pPr algn="ctr"/>
-            <a:endParaRPr lang="fr-FR" sz="3600" dirty="0" smtClean="0">
-              <a:solidFill>
-                <a:srgbClr val="FAC74E"/>
-              </a:solidFill>
-            </a:endParaRPr>
-          </a:p>
-          <a:p>
-            <a:pPr algn="ctr"/>
-            <a:endParaRPr lang="fr-FR" dirty="0"/>
-          </a:p>
-        </p:txBody>
-      </p:sp>
-    </p:spTree>
-    <p:extLst>
-      <p:ext uri="{BB962C8B-B14F-4D97-AF65-F5344CB8AC3E}">
-        <p14:creationId xmlns:p14="http://schemas.microsoft.com/office/powerpoint/2010/main" val="4242436252"/>
-      </p:ext>
-    </p:extLst>
-  </p:cSld>
-  <p:clrMapOvr>
-    <a:masterClrMapping/>
-  </p:clrMapOvr>
-  <p:timing>
-    <p:tnLst>
-      <p:par>
-        <p:cTn id="1" dur="indefinite" restart="never" nodeType="tmRoot"/>
-      </p:par>
-    </p:tnLst>
-  </p:timing>
-</p:sld>
-</file>
-
-<file path=ppt/slides/slide19.xml><?xml version="1.0" encoding="utf-8"?>
-<p:sld xmlns:a="http://schemas.openxmlformats.org/drawingml/2006/main" xmlns:r="http://schemas.openxmlformats.org/officeDocument/2006/relationships" xmlns:p="http://schemas.openxmlformats.org/presentationml/2006/main">
-  <p:cSld>
-    <p:bg>
-      <p:bgPr>
-        <a:solidFill>
-          <a:schemeClr val="tx1">
-            <a:lumMod val="75000"/>
-            <a:lumOff val="25000"/>
-          </a:schemeClr>
-        </a:solidFill>
-        <a:effectLst/>
-      </p:bgPr>
-    </p:bg>
-    <p:spTree>
-      <p:nvGrpSpPr>
-        <p:cNvPr id="1" name=""/>
-        <p:cNvGrpSpPr/>
-        <p:nvPr/>
-      </p:nvGrpSpPr>
-      <p:grpSpPr>
-        <a:xfrm>
-          <a:off x="0" y="0"/>
-          <a:ext cx="0" cy="0"/>
-          <a:chOff x="0" y="0"/>
-          <a:chExt cx="0" cy="0"/>
-        </a:xfrm>
-      </p:grpSpPr>
-      <p:sp>
-        <p:nvSpPr>
           <p:cNvPr id="2" name="Titre 1"/>
           <p:cNvSpPr>
             <a:spLocks noGrp="1"/>
@@ -6025,81 +5923,6 @@
 </file>
 
 <file path=ppt/slides/slide2.xml><?xml version="1.0" encoding="utf-8"?>
-<p:sld xmlns:a="http://schemas.openxmlformats.org/drawingml/2006/main" xmlns:r="http://schemas.openxmlformats.org/officeDocument/2006/relationships" xmlns:p="http://schemas.openxmlformats.org/presentationml/2006/main">
-  <p:cSld>
-    <p:spTree>
-      <p:nvGrpSpPr>
-        <p:cNvPr id="1" name=""/>
-        <p:cNvGrpSpPr/>
-        <p:nvPr/>
-      </p:nvGrpSpPr>
-      <p:grpSpPr>
-        <a:xfrm>
-          <a:off x="0" y="0"/>
-          <a:ext cx="0" cy="0"/>
-          <a:chOff x="0" y="0"/>
-          <a:chExt cx="0" cy="0"/>
-        </a:xfrm>
-      </p:grpSpPr>
-      <p:sp>
-        <p:nvSpPr>
-          <p:cNvPr id="2" name="Titre 1"/>
-          <p:cNvSpPr>
-            <a:spLocks noGrp="1"/>
-          </p:cNvSpPr>
-          <p:nvPr>
-            <p:ph type="title"/>
-          </p:nvPr>
-        </p:nvSpPr>
-        <p:spPr/>
-        <p:txBody>
-          <a:bodyPr/>
-          <a:lstStyle/>
-          <a:p>
-            <a:endParaRPr lang="fr-FR"/>
-          </a:p>
-        </p:txBody>
-      </p:sp>
-      <p:pic>
-        <p:nvPicPr>
-          <p:cNvPr id="4" name="Espace réservé du contenu 3"/>
-          <p:cNvPicPr>
-            <a:picLocks noGrp="1" noChangeAspect="1"/>
-          </p:cNvPicPr>
-          <p:nvPr>
-            <p:ph idx="1"/>
-          </p:nvPr>
-        </p:nvPicPr>
-        <p:blipFill>
-          <a:blip r:embed="rId2"/>
-          <a:stretch>
-            <a:fillRect/>
-          </a:stretch>
-        </p:blipFill>
-        <p:spPr>
-          <a:xfrm>
-            <a:off x="1667511" y="1825625"/>
-            <a:ext cx="8856978" cy="4351338"/>
-          </a:xfrm>
-          <a:prstGeom prst="rect">
-            <a:avLst/>
-          </a:prstGeom>
-        </p:spPr>
-      </p:pic>
-    </p:spTree>
-    <p:extLst>
-      <p:ext uri="{BB962C8B-B14F-4D97-AF65-F5344CB8AC3E}">
-        <p14:creationId xmlns:p14="http://schemas.microsoft.com/office/powerpoint/2010/main" val="260400922"/>
-      </p:ext>
-    </p:extLst>
-  </p:cSld>
-  <p:clrMapOvr>
-    <a:masterClrMapping/>
-  </p:clrMapOvr>
-</p:sld>
-</file>
-
-<file path=ppt/slides/slide3.xml><?xml version="1.0" encoding="utf-8"?>
 <p:sld xmlns:a="http://schemas.openxmlformats.org/drawingml/2006/main" xmlns:r="http://schemas.openxmlformats.org/officeDocument/2006/relationships" xmlns:p="http://schemas.openxmlformats.org/presentationml/2006/main">
   <p:cSld>
     <p:bg>
@@ -6363,250 +6186,7 @@
 </p:sld>
 </file>
 
-<file path=ppt/slides/slide4.xml><?xml version="1.0" encoding="utf-8"?>
-<p:sld xmlns:a="http://schemas.openxmlformats.org/drawingml/2006/main" xmlns:r="http://schemas.openxmlformats.org/officeDocument/2006/relationships" xmlns:p="http://schemas.openxmlformats.org/presentationml/2006/main">
-  <p:cSld>
-    <p:spTree>
-      <p:nvGrpSpPr>
-        <p:cNvPr id="1" name=""/>
-        <p:cNvGrpSpPr/>
-        <p:nvPr/>
-      </p:nvGrpSpPr>
-      <p:grpSpPr>
-        <a:xfrm>
-          <a:off x="0" y="0"/>
-          <a:ext cx="0" cy="0"/>
-          <a:chOff x="0" y="0"/>
-          <a:chExt cx="0" cy="0"/>
-        </a:xfrm>
-      </p:grpSpPr>
-      <p:sp>
-        <p:nvSpPr>
-          <p:cNvPr id="5" name="Rectangle à coins arrondis 4"/>
-          <p:cNvSpPr/>
-          <p:nvPr/>
-        </p:nvSpPr>
-        <p:spPr>
-          <a:xfrm>
-            <a:off x="1625347" y="392590"/>
-            <a:ext cx="3771900" cy="1268730"/>
-          </a:xfrm>
-          <a:prstGeom prst="roundRect">
-            <a:avLst/>
-          </a:prstGeom>
-          <a:solidFill>
-            <a:srgbClr val="FAC74E"/>
-          </a:solidFill>
-          <a:ln>
-            <a:solidFill>
-              <a:srgbClr val="CF384A"/>
-            </a:solidFill>
-          </a:ln>
-        </p:spPr>
-        <p:style>
-          <a:lnRef idx="2">
-            <a:schemeClr val="accent1">
-              <a:shade val="50000"/>
-            </a:schemeClr>
-          </a:lnRef>
-          <a:fillRef idx="1">
-            <a:schemeClr val="accent1"/>
-          </a:fillRef>
-          <a:effectRef idx="0">
-            <a:schemeClr val="accent1"/>
-          </a:effectRef>
-          <a:fontRef idx="minor">
-            <a:schemeClr val="lt1"/>
-          </a:fontRef>
-        </p:style>
-        <p:txBody>
-          <a:bodyPr rtlCol="0" anchor="ctr"/>
-          <a:lstStyle/>
-          <a:p>
-            <a:pPr algn="ctr"/>
-            <a:endParaRPr lang="fr-FR"/>
-          </a:p>
-        </p:txBody>
-      </p:sp>
-      <p:sp>
-        <p:nvSpPr>
-          <p:cNvPr id="2" name="Titre 1"/>
-          <p:cNvSpPr>
-            <a:spLocks noGrp="1"/>
-          </p:cNvSpPr>
-          <p:nvPr>
-            <p:ph type="title"/>
-          </p:nvPr>
-        </p:nvSpPr>
-        <p:spPr>
-          <a:xfrm>
-            <a:off x="2781682" y="364174"/>
-            <a:ext cx="1733550" cy="1325563"/>
-          </a:xfrm>
-          <a:ln>
-            <a:noFill/>
-          </a:ln>
-        </p:spPr>
-        <p:txBody>
-          <a:bodyPr>
-            <a:normAutofit/>
-          </a:bodyPr>
-          <a:lstStyle/>
-          <a:p>
-            <a:r>
-              <a:rPr lang="fr-FR" sz="5400" b="1" dirty="0" smtClean="0">
-                <a:solidFill>
-                  <a:srgbClr val="CF384A"/>
-                </a:solidFill>
-              </a:rPr>
-              <a:t>JS</a:t>
-            </a:r>
-            <a:endParaRPr lang="fr-FR" sz="5400" b="1" dirty="0">
-              <a:solidFill>
-                <a:srgbClr val="CF384A"/>
-              </a:solidFill>
-            </a:endParaRPr>
-          </a:p>
-        </p:txBody>
-      </p:sp>
-      <p:pic>
-        <p:nvPicPr>
-          <p:cNvPr id="4" name="Espace réservé du contenu 3"/>
-          <p:cNvPicPr>
-            <a:picLocks noGrp="1" noChangeAspect="1"/>
-          </p:cNvPicPr>
-          <p:nvPr>
-            <p:ph idx="1"/>
-          </p:nvPr>
-        </p:nvPicPr>
-        <p:blipFill>
-          <a:blip r:embed="rId2"/>
-          <a:stretch>
-            <a:fillRect/>
-          </a:stretch>
-        </p:blipFill>
-        <p:spPr>
-          <a:xfrm>
-            <a:off x="838200" y="1985645"/>
-            <a:ext cx="5346194" cy="4351338"/>
-          </a:xfrm>
-          <a:prstGeom prst="rect">
-            <a:avLst/>
-          </a:prstGeom>
-          <a:ln>
-            <a:noFill/>
-          </a:ln>
-          <a:effectLst>
-            <a:outerShdw blurRad="292100" dist="139700" dir="2700000" algn="tl" rotWithShape="0">
-              <a:srgbClr val="333333">
-                <a:alpha val="65000"/>
-              </a:srgbClr>
-            </a:outerShdw>
-          </a:effectLst>
-        </p:spPr>
-      </p:pic>
-      <p:sp>
-        <p:nvSpPr>
-          <p:cNvPr id="6" name="Rectangle à coins arrondis 5"/>
-          <p:cNvSpPr/>
-          <p:nvPr/>
-        </p:nvSpPr>
-        <p:spPr>
-          <a:xfrm>
-            <a:off x="7749540" y="925830"/>
-            <a:ext cx="3589020" cy="4709160"/>
-          </a:xfrm>
-          <a:prstGeom prst="roundRect">
-            <a:avLst/>
-          </a:prstGeom>
-          <a:solidFill>
-            <a:srgbClr val="CF384A"/>
-          </a:solidFill>
-        </p:spPr>
-        <p:style>
-          <a:lnRef idx="2">
-            <a:schemeClr val="accent1">
-              <a:shade val="50000"/>
-            </a:schemeClr>
-          </a:lnRef>
-          <a:fillRef idx="1">
-            <a:schemeClr val="accent1"/>
-          </a:fillRef>
-          <a:effectRef idx="0">
-            <a:schemeClr val="accent1"/>
-          </a:effectRef>
-          <a:fontRef idx="minor">
-            <a:schemeClr val="lt1"/>
-          </a:fontRef>
-        </p:style>
-        <p:txBody>
-          <a:bodyPr rtlCol="0" anchor="ctr"/>
-          <a:lstStyle/>
-          <a:p>
-            <a:pPr algn="ctr"/>
-            <a:r>
-              <a:rPr lang="fr-FR" sz="2800" dirty="0" smtClean="0">
-                <a:solidFill>
-                  <a:srgbClr val="FAC74E"/>
-                </a:solidFill>
-              </a:rPr>
-              <a:t>Pour un chargement plus rapide </a:t>
-            </a:r>
-          </a:p>
-          <a:p>
-            <a:pPr algn="ctr"/>
-            <a:r>
-              <a:rPr lang="fr-FR" sz="2800" dirty="0" smtClean="0">
-                <a:solidFill>
-                  <a:srgbClr val="FAC74E"/>
-                </a:solidFill>
-              </a:rPr>
-              <a:t>Des page</a:t>
-            </a:r>
-          </a:p>
-          <a:p>
-            <a:pPr algn="ctr"/>
-            <a:r>
-              <a:rPr lang="fr-FR" sz="2800" dirty="0" smtClean="0">
-                <a:solidFill>
-                  <a:srgbClr val="FAC74E"/>
-                </a:solidFill>
-              </a:rPr>
-              <a:t>Le JS</a:t>
-            </a:r>
-          </a:p>
-          <a:p>
-            <a:pPr algn="ctr"/>
-            <a:r>
-              <a:rPr lang="fr-FR" sz="2800" dirty="0" smtClean="0">
-                <a:solidFill>
-                  <a:srgbClr val="FAC74E"/>
-                </a:solidFill>
-              </a:rPr>
-              <a:t>A été positionner en bas de page</a:t>
-            </a:r>
-            <a:endParaRPr lang="fr-FR" sz="2800" dirty="0">
-              <a:solidFill>
-                <a:srgbClr val="FAC74E"/>
-              </a:solidFill>
-            </a:endParaRPr>
-          </a:p>
-        </p:txBody>
-      </p:sp>
-    </p:spTree>
-    <p:extLst>
-      <p:ext uri="{BB962C8B-B14F-4D97-AF65-F5344CB8AC3E}">
-        <p14:creationId xmlns:p14="http://schemas.microsoft.com/office/powerpoint/2010/main" val="986369382"/>
-      </p:ext>
-    </p:extLst>
-  </p:cSld>
-  <p:clrMapOvr>
-    <a:masterClrMapping/>
-  </p:clrMapOvr>
-</p:sld>
-</file>
-
-<file path=ppt/slides/slide5.xml><?xml version="1.0" encoding="utf-8"?>
+<file path=ppt/slides/slide3.xml><?xml version="1.0" encoding="utf-8"?>
 <p:sld xmlns:a="http://schemas.openxmlformats.org/drawingml/2006/main" xmlns:r="http://schemas.openxmlformats.org/officeDocument/2006/relationships" xmlns:p="http://schemas.openxmlformats.org/presentationml/2006/main">
   <p:cSld>
     <p:bg>
@@ -6746,6 +6326,839 @@
     <p:extLst>
       <p:ext uri="{BB962C8B-B14F-4D97-AF65-F5344CB8AC3E}">
         <p14:creationId xmlns:p14="http://schemas.microsoft.com/office/powerpoint/2010/main" val="1951092109"/>
+      </p:ext>
+    </p:extLst>
+  </p:cSld>
+  <p:clrMapOvr>
+    <a:masterClrMapping/>
+  </p:clrMapOvr>
+  <p:timing>
+    <p:tnLst>
+      <p:par>
+        <p:cTn id="1" dur="indefinite" restart="never" nodeType="tmRoot"/>
+      </p:par>
+    </p:tnLst>
+  </p:timing>
+</p:sld>
+</file>
+
+<file path=ppt/slides/slide4.xml><?xml version="1.0" encoding="utf-8"?>
+<p:sld xmlns:a="http://schemas.openxmlformats.org/drawingml/2006/main" xmlns:r="http://schemas.openxmlformats.org/officeDocument/2006/relationships" xmlns:p="http://schemas.openxmlformats.org/presentationml/2006/main">
+  <p:cSld>
+    <p:spTree>
+      <p:nvGrpSpPr>
+        <p:cNvPr id="1" name=""/>
+        <p:cNvGrpSpPr/>
+        <p:nvPr/>
+      </p:nvGrpSpPr>
+      <p:grpSpPr>
+        <a:xfrm>
+          <a:off x="0" y="0"/>
+          <a:ext cx="0" cy="0"/>
+          <a:chOff x="0" y="0"/>
+          <a:chExt cx="0" cy="0"/>
+        </a:xfrm>
+      </p:grpSpPr>
+      <p:pic>
+        <p:nvPicPr>
+          <p:cNvPr id="4" name="Espace réservé du contenu 3"/>
+          <p:cNvPicPr>
+            <a:picLocks noGrp="1" noChangeAspect="1"/>
+          </p:cNvPicPr>
+          <p:nvPr>
+            <p:ph idx="1"/>
+          </p:nvPr>
+        </p:nvPicPr>
+        <p:blipFill>
+          <a:blip r:embed="rId2"/>
+          <a:stretch>
+            <a:fillRect/>
+          </a:stretch>
+        </p:blipFill>
+        <p:spPr>
+          <a:xfrm>
+            <a:off x="572325" y="1745673"/>
+            <a:ext cx="3479008" cy="2467408"/>
+          </a:xfrm>
+          <a:prstGeom prst="rect">
+            <a:avLst/>
+          </a:prstGeom>
+        </p:spPr>
+      </p:pic>
+      <p:sp>
+        <p:nvSpPr>
+          <p:cNvPr id="5" name="Rectangle à coins arrondis 4"/>
+          <p:cNvSpPr/>
+          <p:nvPr/>
+        </p:nvSpPr>
+        <p:spPr>
+          <a:xfrm>
+            <a:off x="1368136" y="138121"/>
+            <a:ext cx="9455728" cy="1278081"/>
+          </a:xfrm>
+          <a:prstGeom prst="roundRect">
+            <a:avLst/>
+          </a:prstGeom>
+          <a:solidFill>
+            <a:srgbClr val="FAC74E"/>
+          </a:solidFill>
+          <a:ln>
+            <a:solidFill>
+              <a:srgbClr val="CF384A"/>
+            </a:solidFill>
+          </a:ln>
+        </p:spPr>
+        <p:style>
+          <a:lnRef idx="2">
+            <a:schemeClr val="accent1">
+              <a:shade val="50000"/>
+            </a:schemeClr>
+          </a:lnRef>
+          <a:fillRef idx="1">
+            <a:schemeClr val="accent1"/>
+          </a:fillRef>
+          <a:effectRef idx="0">
+            <a:schemeClr val="accent1"/>
+          </a:effectRef>
+          <a:fontRef idx="minor">
+            <a:schemeClr val="lt1"/>
+          </a:fontRef>
+        </p:style>
+        <p:txBody>
+          <a:bodyPr rtlCol="0" anchor="ctr"/>
+          <a:lstStyle/>
+          <a:p>
+            <a:pPr algn="ctr"/>
+            <a:r>
+              <a:rPr lang="fr-FR" sz="4400" dirty="0" smtClean="0">
+                <a:solidFill>
+                  <a:srgbClr val="CF384A"/>
+                </a:solidFill>
+              </a:rPr>
+              <a:t>Keywords mots clés</a:t>
+            </a:r>
+            <a:endParaRPr lang="fr-FR" sz="4400" dirty="0">
+              <a:solidFill>
+                <a:srgbClr val="CF384A"/>
+              </a:solidFill>
+            </a:endParaRPr>
+          </a:p>
+        </p:txBody>
+      </p:sp>
+      <p:pic>
+        <p:nvPicPr>
+          <p:cNvPr id="8" name="Image 7"/>
+          <p:cNvPicPr>
+            <a:picLocks noChangeAspect="1"/>
+          </p:cNvPicPr>
+          <p:nvPr/>
+        </p:nvPicPr>
+        <p:blipFill>
+          <a:blip r:embed="rId3"/>
+          <a:stretch>
+            <a:fillRect/>
+          </a:stretch>
+        </p:blipFill>
+        <p:spPr>
+          <a:xfrm>
+            <a:off x="654628" y="2078818"/>
+            <a:ext cx="8811274" cy="696543"/>
+          </a:xfrm>
+          <a:prstGeom prst="rect">
+            <a:avLst/>
+          </a:prstGeom>
+        </p:spPr>
+      </p:pic>
+      <p:sp>
+        <p:nvSpPr>
+          <p:cNvPr id="9" name="Rectangle à coins arrondis 8"/>
+          <p:cNvSpPr/>
+          <p:nvPr/>
+        </p:nvSpPr>
+        <p:spPr>
+          <a:xfrm>
+            <a:off x="1368136" y="4390043"/>
+            <a:ext cx="9455728" cy="2047010"/>
+          </a:xfrm>
+          <a:prstGeom prst="roundRect">
+            <a:avLst/>
+          </a:prstGeom>
+          <a:solidFill>
+            <a:srgbClr val="CF384A"/>
+          </a:solidFill>
+          <a:ln>
+            <a:solidFill>
+              <a:srgbClr val="FAC74E"/>
+            </a:solidFill>
+          </a:ln>
+        </p:spPr>
+        <p:style>
+          <a:lnRef idx="2">
+            <a:schemeClr val="accent1">
+              <a:shade val="50000"/>
+            </a:schemeClr>
+          </a:lnRef>
+          <a:fillRef idx="1">
+            <a:schemeClr val="accent1"/>
+          </a:fillRef>
+          <a:effectRef idx="0">
+            <a:schemeClr val="accent1"/>
+          </a:effectRef>
+          <a:fontRef idx="minor">
+            <a:schemeClr val="lt1"/>
+          </a:fontRef>
+        </p:style>
+        <p:txBody>
+          <a:bodyPr rtlCol="0" anchor="ctr"/>
+          <a:lstStyle/>
+          <a:p>
+            <a:pPr marL="571500" indent="-571500" algn="ctr">
+              <a:buFont typeface="Arial" panose="020B0604020202020204" pitchFamily="34" charset="0"/>
+              <a:buChar char="•"/>
+            </a:pPr>
+            <a:r>
+              <a:rPr lang="fr-FR" sz="3600" dirty="0" smtClean="0">
+                <a:solidFill>
+                  <a:srgbClr val="FAC74E"/>
+                </a:solidFill>
+              </a:rPr>
+              <a:t>Pratique qui n’est plus utiliser</a:t>
+            </a:r>
+          </a:p>
+          <a:p>
+            <a:pPr marL="571500" indent="-571500" algn="ctr">
+              <a:buFont typeface="Arial" panose="020B0604020202020204" pitchFamily="34" charset="0"/>
+              <a:buChar char="•"/>
+            </a:pPr>
+            <a:r>
+              <a:rPr lang="fr-FR" sz="3600" dirty="0" err="1" smtClean="0">
+                <a:solidFill>
+                  <a:srgbClr val="FAC74E"/>
+                </a:solidFill>
+              </a:rPr>
+              <a:t>Cloacking</a:t>
+            </a:r>
+            <a:r>
+              <a:rPr lang="fr-FR" sz="3600" dirty="0" smtClean="0">
+                <a:solidFill>
+                  <a:srgbClr val="FAC74E"/>
+                </a:solidFill>
+              </a:rPr>
+              <a:t> </a:t>
+            </a:r>
+            <a:r>
+              <a:rPr lang="fr-FR" sz="3600" dirty="0" err="1" smtClean="0">
+                <a:solidFill>
+                  <a:srgbClr val="FAC74E"/>
+                </a:solidFill>
+              </a:rPr>
+              <a:t>discimulation</a:t>
+            </a:r>
+            <a:r>
+              <a:rPr lang="fr-FR" sz="3600" dirty="0" smtClean="0">
+                <a:solidFill>
+                  <a:srgbClr val="FAC74E"/>
+                </a:solidFill>
+              </a:rPr>
+              <a:t> de mots clés </a:t>
+            </a:r>
+            <a:endParaRPr lang="fr-FR" sz="3600" dirty="0">
+              <a:solidFill>
+                <a:srgbClr val="FAC74E"/>
+              </a:solidFill>
+            </a:endParaRPr>
+          </a:p>
+        </p:txBody>
+      </p:sp>
+      <p:sp>
+        <p:nvSpPr>
+          <p:cNvPr id="2" name="Rectangle à coins arrondis 1"/>
+          <p:cNvSpPr/>
+          <p:nvPr/>
+        </p:nvSpPr>
+        <p:spPr>
+          <a:xfrm>
+            <a:off x="319314" y="6476097"/>
+            <a:ext cx="1291772" cy="268547"/>
+          </a:xfrm>
+          <a:prstGeom prst="roundRect">
+            <a:avLst/>
+          </a:prstGeom>
+        </p:spPr>
+        <p:style>
+          <a:lnRef idx="2">
+            <a:schemeClr val="accent1">
+              <a:shade val="50000"/>
+            </a:schemeClr>
+          </a:lnRef>
+          <a:fillRef idx="1">
+            <a:schemeClr val="accent1"/>
+          </a:fillRef>
+          <a:effectRef idx="0">
+            <a:schemeClr val="accent1"/>
+          </a:effectRef>
+          <a:fontRef idx="minor">
+            <a:schemeClr val="lt1"/>
+          </a:fontRef>
+        </p:style>
+        <p:txBody>
+          <a:bodyPr rtlCol="0" anchor="ctr"/>
+          <a:lstStyle/>
+          <a:p>
+            <a:pPr algn="ctr"/>
+            <a:r>
+              <a:rPr lang="fr-FR" dirty="0" smtClean="0"/>
+              <a:t>Mots clés</a:t>
+            </a:r>
+            <a:endParaRPr lang="fr-FR" dirty="0"/>
+          </a:p>
+        </p:txBody>
+      </p:sp>
+    </p:spTree>
+    <p:extLst>
+      <p:ext uri="{BB962C8B-B14F-4D97-AF65-F5344CB8AC3E}">
+        <p14:creationId xmlns:p14="http://schemas.microsoft.com/office/powerpoint/2010/main" val="3839107337"/>
+      </p:ext>
+    </p:extLst>
+  </p:cSld>
+  <p:clrMapOvr>
+    <a:masterClrMapping/>
+  </p:clrMapOvr>
+  <p:timing>
+    <p:tnLst>
+      <p:par>
+        <p:cTn id="1" dur="indefinite" restart="never" nodeType="tmRoot"/>
+      </p:par>
+    </p:tnLst>
+  </p:timing>
+</p:sld>
+</file>
+
+<file path=ppt/slides/slide5.xml><?xml version="1.0" encoding="utf-8"?>
+<p:sld xmlns:a="http://schemas.openxmlformats.org/drawingml/2006/main" xmlns:r="http://schemas.openxmlformats.org/officeDocument/2006/relationships" xmlns:p="http://schemas.openxmlformats.org/presentationml/2006/main">
+  <p:cSld>
+    <p:spTree>
+      <p:nvGrpSpPr>
+        <p:cNvPr id="1" name=""/>
+        <p:cNvGrpSpPr/>
+        <p:nvPr/>
+      </p:nvGrpSpPr>
+      <p:grpSpPr>
+        <a:xfrm>
+          <a:off x="0" y="0"/>
+          <a:ext cx="0" cy="0"/>
+          <a:chOff x="0" y="0"/>
+          <a:chExt cx="0" cy="0"/>
+        </a:xfrm>
+      </p:grpSpPr>
+      <p:sp>
+        <p:nvSpPr>
+          <p:cNvPr id="7" name="Rectangle à coins arrondis 6"/>
+          <p:cNvSpPr/>
+          <p:nvPr/>
+        </p:nvSpPr>
+        <p:spPr>
+          <a:xfrm>
+            <a:off x="571500" y="365125"/>
+            <a:ext cx="9892145" cy="1325563"/>
+          </a:xfrm>
+          <a:prstGeom prst="roundRect">
+            <a:avLst/>
+          </a:prstGeom>
+          <a:solidFill>
+            <a:srgbClr val="CF384A"/>
+          </a:solidFill>
+          <a:ln>
+            <a:solidFill>
+              <a:srgbClr val="FAC74E"/>
+            </a:solidFill>
+          </a:ln>
+        </p:spPr>
+        <p:style>
+          <a:lnRef idx="2">
+            <a:schemeClr val="accent1">
+              <a:shade val="50000"/>
+            </a:schemeClr>
+          </a:lnRef>
+          <a:fillRef idx="1">
+            <a:schemeClr val="accent1"/>
+          </a:fillRef>
+          <a:effectRef idx="0">
+            <a:schemeClr val="accent1"/>
+          </a:effectRef>
+          <a:fontRef idx="minor">
+            <a:schemeClr val="lt1"/>
+          </a:fontRef>
+        </p:style>
+        <p:txBody>
+          <a:bodyPr rtlCol="0" anchor="ctr"/>
+          <a:lstStyle/>
+          <a:p>
+            <a:pPr algn="ctr"/>
+            <a:endParaRPr lang="fr-FR"/>
+          </a:p>
+        </p:txBody>
+      </p:sp>
+      <p:sp>
+        <p:nvSpPr>
+          <p:cNvPr id="2" name="Titre 1"/>
+          <p:cNvSpPr>
+            <a:spLocks noGrp="1"/>
+          </p:cNvSpPr>
+          <p:nvPr>
+            <p:ph type="title"/>
+          </p:nvPr>
+        </p:nvSpPr>
+        <p:spPr/>
+        <p:txBody>
+          <a:bodyPr/>
+          <a:lstStyle/>
+          <a:p>
+            <a:r>
+              <a:rPr lang="fr-FR" dirty="0" smtClean="0">
+                <a:solidFill>
+                  <a:srgbClr val="FAC74E"/>
+                </a:solidFill>
+              </a:rPr>
+              <a:t>Balise </a:t>
+            </a:r>
+            <a:r>
+              <a:rPr lang="fr-FR" dirty="0" err="1" smtClean="0">
+                <a:solidFill>
+                  <a:srgbClr val="FAC74E"/>
+                </a:solidFill>
+              </a:rPr>
+              <a:t>meta</a:t>
+            </a:r>
+            <a:r>
+              <a:rPr lang="fr-FR" dirty="0" smtClean="0">
+                <a:solidFill>
+                  <a:srgbClr val="FAC74E"/>
+                </a:solidFill>
+              </a:rPr>
+              <a:t> pour améliorer le classement </a:t>
+            </a:r>
+            <a:br>
+              <a:rPr lang="fr-FR" dirty="0" smtClean="0">
+                <a:solidFill>
+                  <a:srgbClr val="FAC74E"/>
+                </a:solidFill>
+              </a:rPr>
+            </a:br>
+            <a:r>
+              <a:rPr lang="fr-FR" dirty="0" smtClean="0">
+                <a:solidFill>
+                  <a:srgbClr val="FAC74E"/>
+                </a:solidFill>
+              </a:rPr>
+              <a:t>naturel SEO</a:t>
+            </a:r>
+            <a:endParaRPr lang="fr-FR" dirty="0">
+              <a:solidFill>
+                <a:srgbClr val="FAC74E"/>
+              </a:solidFill>
+            </a:endParaRPr>
+          </a:p>
+        </p:txBody>
+      </p:sp>
+      <p:pic>
+        <p:nvPicPr>
+          <p:cNvPr id="4" name="Espace réservé du contenu 3"/>
+          <p:cNvPicPr>
+            <a:picLocks noGrp="1" noChangeAspect="1"/>
+          </p:cNvPicPr>
+          <p:nvPr>
+            <p:ph idx="1"/>
+          </p:nvPr>
+        </p:nvPicPr>
+        <p:blipFill>
+          <a:blip r:embed="rId2"/>
+          <a:stretch>
+            <a:fillRect/>
+          </a:stretch>
+        </p:blipFill>
+        <p:spPr>
+          <a:xfrm>
+            <a:off x="1365997" y="1825625"/>
+            <a:ext cx="4027978" cy="1852757"/>
+          </a:xfrm>
+          <a:prstGeom prst="rect">
+            <a:avLst/>
+          </a:prstGeom>
+        </p:spPr>
+      </p:pic>
+      <p:pic>
+        <p:nvPicPr>
+          <p:cNvPr id="8" name="Image 7"/>
+          <p:cNvPicPr>
+            <a:picLocks noChangeAspect="1"/>
+          </p:cNvPicPr>
+          <p:nvPr/>
+        </p:nvPicPr>
+        <p:blipFill>
+          <a:blip r:embed="rId3"/>
+          <a:stretch>
+            <a:fillRect/>
+          </a:stretch>
+        </p:blipFill>
+        <p:spPr>
+          <a:xfrm>
+            <a:off x="146808" y="3813320"/>
+            <a:ext cx="7313866" cy="1692320"/>
+          </a:xfrm>
+          <a:prstGeom prst="rect">
+            <a:avLst/>
+          </a:prstGeom>
+        </p:spPr>
+      </p:pic>
+      <p:pic>
+        <p:nvPicPr>
+          <p:cNvPr id="5" name="Image 4"/>
+          <p:cNvPicPr>
+            <a:picLocks noChangeAspect="1"/>
+          </p:cNvPicPr>
+          <p:nvPr/>
+        </p:nvPicPr>
+        <p:blipFill>
+          <a:blip r:embed="rId4"/>
+          <a:stretch>
+            <a:fillRect/>
+          </a:stretch>
+        </p:blipFill>
+        <p:spPr>
+          <a:xfrm>
+            <a:off x="733404" y="4227414"/>
+            <a:ext cx="6506483" cy="647790"/>
+          </a:xfrm>
+          <a:prstGeom prst="rect">
+            <a:avLst/>
+          </a:prstGeom>
+          <a:ln w="38100" cap="sq">
+            <a:solidFill>
+              <a:srgbClr val="000000"/>
+            </a:solidFill>
+            <a:prstDash val="solid"/>
+            <a:miter lim="800000"/>
+          </a:ln>
+          <a:effectLst>
+            <a:outerShdw blurRad="50800" dist="38100" dir="2700000" algn="tl" rotWithShape="0">
+              <a:srgbClr val="000000">
+                <a:alpha val="43000"/>
+              </a:srgbClr>
+            </a:outerShdw>
+          </a:effectLst>
+        </p:spPr>
+      </p:pic>
+      <p:pic>
+        <p:nvPicPr>
+          <p:cNvPr id="3" name="Image 2"/>
+          <p:cNvPicPr>
+            <a:picLocks noChangeAspect="1"/>
+          </p:cNvPicPr>
+          <p:nvPr/>
+        </p:nvPicPr>
+        <p:blipFill>
+          <a:blip r:embed="rId5"/>
+          <a:stretch>
+            <a:fillRect/>
+          </a:stretch>
+        </p:blipFill>
+        <p:spPr>
+          <a:xfrm>
+            <a:off x="326741" y="5801014"/>
+            <a:ext cx="8192643" cy="571580"/>
+          </a:xfrm>
+          <a:prstGeom prst="rect">
+            <a:avLst/>
+          </a:prstGeom>
+        </p:spPr>
+      </p:pic>
+      <p:sp>
+        <p:nvSpPr>
+          <p:cNvPr id="6" name="Rectangle à coins arrondis 5"/>
+          <p:cNvSpPr/>
+          <p:nvPr/>
+        </p:nvSpPr>
+        <p:spPr>
+          <a:xfrm>
+            <a:off x="8924048" y="2015836"/>
+            <a:ext cx="2899064" cy="4356758"/>
+          </a:xfrm>
+          <a:prstGeom prst="roundRect">
+            <a:avLst/>
+          </a:prstGeom>
+          <a:solidFill>
+            <a:srgbClr val="FAC74E"/>
+          </a:solidFill>
+          <a:ln>
+            <a:solidFill>
+              <a:srgbClr val="CF384A"/>
+            </a:solidFill>
+          </a:ln>
+        </p:spPr>
+        <p:style>
+          <a:lnRef idx="2">
+            <a:schemeClr val="accent1">
+              <a:shade val="50000"/>
+            </a:schemeClr>
+          </a:lnRef>
+          <a:fillRef idx="1">
+            <a:schemeClr val="accent1"/>
+          </a:fillRef>
+          <a:effectRef idx="0">
+            <a:schemeClr val="accent1"/>
+          </a:effectRef>
+          <a:fontRef idx="minor">
+            <a:schemeClr val="lt1"/>
+          </a:fontRef>
+        </p:style>
+        <p:txBody>
+          <a:bodyPr rtlCol="0" anchor="ctr"/>
+          <a:lstStyle/>
+          <a:p>
+            <a:pPr algn="ctr"/>
+            <a:r>
+              <a:rPr lang="fr-FR" sz="4400" b="1" u="sng" dirty="0" smtClean="0">
+                <a:solidFill>
+                  <a:srgbClr val="C00000"/>
+                </a:solidFill>
+              </a:rPr>
+              <a:t>BALISE META</a:t>
+            </a:r>
+          </a:p>
+          <a:p>
+            <a:pPr algn="ctr"/>
+            <a:endParaRPr lang="fr-FR" dirty="0"/>
+          </a:p>
+          <a:p>
+            <a:pPr marL="285750" indent="-285750" algn="ctr">
+              <a:buFont typeface="Arial" panose="020B0604020202020204" pitchFamily="34" charset="0"/>
+              <a:buChar char="•"/>
+            </a:pPr>
+            <a:r>
+              <a:rPr lang="fr-FR" dirty="0" smtClean="0">
+                <a:solidFill>
+                  <a:srgbClr val="C00000"/>
+                </a:solidFill>
+              </a:rPr>
+              <a:t>Description </a:t>
+            </a:r>
+          </a:p>
+          <a:p>
+            <a:pPr algn="ctr"/>
+            <a:r>
+              <a:rPr lang="fr-FR" dirty="0" smtClean="0">
+                <a:solidFill>
+                  <a:srgbClr val="C00000"/>
+                </a:solidFill>
+              </a:rPr>
+              <a:t>Du site internet</a:t>
+            </a:r>
+          </a:p>
+          <a:p>
+            <a:pPr marL="285750" indent="-285750" algn="ctr">
+              <a:buFont typeface="Arial" panose="020B0604020202020204" pitchFamily="34" charset="0"/>
+              <a:buChar char="•"/>
+            </a:pPr>
+            <a:endParaRPr lang="fr-FR" dirty="0" smtClean="0">
+              <a:solidFill>
+                <a:srgbClr val="C00000"/>
+              </a:solidFill>
+            </a:endParaRPr>
+          </a:p>
+          <a:p>
+            <a:pPr algn="ctr"/>
+            <a:r>
+              <a:rPr lang="fr-FR" dirty="0" smtClean="0">
+                <a:solidFill>
+                  <a:srgbClr val="C00000"/>
+                </a:solidFill>
+              </a:rPr>
+              <a:t>Ne sont plus autoriser </a:t>
+            </a:r>
+          </a:p>
+          <a:p>
+            <a:pPr algn="ctr"/>
+            <a:endParaRPr lang="fr-FR" dirty="0" smtClean="0">
+              <a:solidFill>
+                <a:srgbClr val="C00000"/>
+              </a:solidFill>
+            </a:endParaRPr>
+          </a:p>
+          <a:p>
+            <a:pPr marL="285750" indent="-285750" algn="ctr">
+              <a:buFont typeface="Arial" panose="020B0604020202020204" pitchFamily="34" charset="0"/>
+              <a:buChar char="•"/>
+            </a:pPr>
+            <a:r>
+              <a:rPr lang="fr-FR" dirty="0" smtClean="0">
+                <a:solidFill>
+                  <a:srgbClr val="C00000"/>
+                </a:solidFill>
+              </a:rPr>
+              <a:t>Keywords</a:t>
+            </a:r>
+          </a:p>
+          <a:p>
+            <a:pPr algn="ctr"/>
+            <a:r>
+              <a:rPr lang="fr-FR" dirty="0" smtClean="0">
+                <a:solidFill>
+                  <a:srgbClr val="C00000"/>
+                </a:solidFill>
+              </a:rPr>
+              <a:t>Mots clés </a:t>
+            </a:r>
+          </a:p>
+          <a:p>
+            <a:pPr algn="ctr"/>
+            <a:endParaRPr lang="fr-FR" dirty="0">
+              <a:solidFill>
+                <a:srgbClr val="C00000"/>
+              </a:solidFill>
+            </a:endParaRPr>
+          </a:p>
+        </p:txBody>
+      </p:sp>
+      <p:sp>
+        <p:nvSpPr>
+          <p:cNvPr id="9" name="Interdiction 8"/>
+          <p:cNvSpPr/>
+          <p:nvPr/>
+        </p:nvSpPr>
+        <p:spPr>
+          <a:xfrm>
+            <a:off x="3712495" y="5640578"/>
+            <a:ext cx="1098496" cy="947258"/>
+          </a:xfrm>
+          <a:prstGeom prst="noSmoking">
+            <a:avLst/>
+          </a:prstGeom>
+          <a:solidFill>
+            <a:srgbClr val="CF384A"/>
+          </a:solidFill>
+        </p:spPr>
+        <p:style>
+          <a:lnRef idx="2">
+            <a:schemeClr val="accent1">
+              <a:shade val="50000"/>
+            </a:schemeClr>
+          </a:lnRef>
+          <a:fillRef idx="1">
+            <a:schemeClr val="accent1"/>
+          </a:fillRef>
+          <a:effectRef idx="0">
+            <a:schemeClr val="accent1"/>
+          </a:effectRef>
+          <a:fontRef idx="minor">
+            <a:schemeClr val="lt1"/>
+          </a:fontRef>
+        </p:style>
+        <p:txBody>
+          <a:bodyPr rtlCol="0" anchor="ctr"/>
+          <a:lstStyle/>
+          <a:p>
+            <a:pPr algn="ctr"/>
+            <a:endParaRPr lang="fr-FR">
+              <a:solidFill>
+                <a:schemeClr val="tx1"/>
+              </a:solidFill>
+            </a:endParaRPr>
+          </a:p>
+        </p:txBody>
+      </p:sp>
+      <p:sp>
+        <p:nvSpPr>
+          <p:cNvPr id="10" name="Rectangle à coins arrondis 9"/>
+          <p:cNvSpPr/>
+          <p:nvPr/>
+        </p:nvSpPr>
+        <p:spPr>
+          <a:xfrm>
+            <a:off x="228605" y="6452754"/>
+            <a:ext cx="1219189" cy="270164"/>
+          </a:xfrm>
+          <a:prstGeom prst="roundRect">
+            <a:avLst/>
+          </a:prstGeom>
+        </p:spPr>
+        <p:style>
+          <a:lnRef idx="2">
+            <a:schemeClr val="accent1">
+              <a:shade val="50000"/>
+            </a:schemeClr>
+          </a:lnRef>
+          <a:fillRef idx="1">
+            <a:schemeClr val="accent1"/>
+          </a:fillRef>
+          <a:effectRef idx="0">
+            <a:schemeClr val="accent1"/>
+          </a:effectRef>
+          <a:fontRef idx="minor">
+            <a:schemeClr val="lt1"/>
+          </a:fontRef>
+        </p:style>
+        <p:txBody>
+          <a:bodyPr rtlCol="0" anchor="ctr"/>
+          <a:lstStyle/>
+          <a:p>
+            <a:pPr algn="ctr"/>
+            <a:r>
+              <a:rPr lang="fr-FR" dirty="0" smtClean="0"/>
+              <a:t>Mots clés</a:t>
+            </a:r>
+            <a:endParaRPr lang="fr-FR" dirty="0"/>
+          </a:p>
+        </p:txBody>
+      </p:sp>
+      <p:sp>
+        <p:nvSpPr>
+          <p:cNvPr id="11" name="Rectangle à coins arrondis 10"/>
+          <p:cNvSpPr/>
+          <p:nvPr/>
+        </p:nvSpPr>
+        <p:spPr>
+          <a:xfrm>
+            <a:off x="1770743" y="6452754"/>
+            <a:ext cx="1480457" cy="270164"/>
+          </a:xfrm>
+          <a:prstGeom prst="roundRect">
+            <a:avLst/>
+          </a:prstGeom>
+        </p:spPr>
+        <p:style>
+          <a:lnRef idx="2">
+            <a:schemeClr val="accent1">
+              <a:shade val="50000"/>
+            </a:schemeClr>
+          </a:lnRef>
+          <a:fillRef idx="1">
+            <a:schemeClr val="accent1"/>
+          </a:fillRef>
+          <a:effectRef idx="0">
+            <a:schemeClr val="accent1"/>
+          </a:effectRef>
+          <a:fontRef idx="minor">
+            <a:schemeClr val="lt1"/>
+          </a:fontRef>
+        </p:style>
+        <p:txBody>
+          <a:bodyPr rtlCol="0" anchor="ctr"/>
+          <a:lstStyle/>
+          <a:p>
+            <a:pPr algn="ctr"/>
+            <a:r>
+              <a:rPr lang="fr-FR" dirty="0" smtClean="0"/>
+              <a:t>Balise Meta</a:t>
+            </a:r>
+            <a:endParaRPr lang="fr-FR" dirty="0"/>
+          </a:p>
+        </p:txBody>
+      </p:sp>
+    </p:spTree>
+    <p:extLst>
+      <p:ext uri="{BB962C8B-B14F-4D97-AF65-F5344CB8AC3E}">
+        <p14:creationId xmlns:p14="http://schemas.microsoft.com/office/powerpoint/2010/main" val="3726480442"/>
       </p:ext>
     </p:extLst>
   </p:cSld>
@@ -6779,13 +7192,104 @@
           <a:chExt cx="0" cy="0"/>
         </a:xfrm>
       </p:grpSpPr>
+      <p:sp>
+        <p:nvSpPr>
+          <p:cNvPr id="5" name="Rectangle à coins arrondis 4"/>
+          <p:cNvSpPr/>
+          <p:nvPr/>
+        </p:nvSpPr>
+        <p:spPr>
+          <a:xfrm>
+            <a:off x="1625347" y="392590"/>
+            <a:ext cx="3771900" cy="1268730"/>
+          </a:xfrm>
+          <a:prstGeom prst="roundRect">
+            <a:avLst/>
+          </a:prstGeom>
+          <a:solidFill>
+            <a:srgbClr val="FAC74E"/>
+          </a:solidFill>
+          <a:ln>
+            <a:solidFill>
+              <a:srgbClr val="CF384A"/>
+            </a:solidFill>
+          </a:ln>
+        </p:spPr>
+        <p:style>
+          <a:lnRef idx="2">
+            <a:schemeClr val="accent1">
+              <a:shade val="50000"/>
+            </a:schemeClr>
+          </a:lnRef>
+          <a:fillRef idx="1">
+            <a:schemeClr val="accent1"/>
+          </a:fillRef>
+          <a:effectRef idx="0">
+            <a:schemeClr val="accent1"/>
+          </a:effectRef>
+          <a:fontRef idx="minor">
+            <a:schemeClr val="lt1"/>
+          </a:fontRef>
+        </p:style>
+        <p:txBody>
+          <a:bodyPr rtlCol="0" anchor="ctr"/>
+          <a:lstStyle/>
+          <a:p>
+            <a:pPr algn="ctr"/>
+            <a:endParaRPr lang="fr-FR"/>
+          </a:p>
+        </p:txBody>
+      </p:sp>
+      <p:sp>
+        <p:nvSpPr>
+          <p:cNvPr id="2" name="Titre 1"/>
+          <p:cNvSpPr>
+            <a:spLocks noGrp="1"/>
+          </p:cNvSpPr>
+          <p:nvPr>
+            <p:ph type="title"/>
+          </p:nvPr>
+        </p:nvSpPr>
+        <p:spPr>
+          <a:xfrm>
+            <a:off x="2781682" y="364174"/>
+            <a:ext cx="1733550" cy="1325563"/>
+          </a:xfrm>
+          <a:ln>
+            <a:noFill/>
+          </a:ln>
+        </p:spPr>
+        <p:txBody>
+          <a:bodyPr>
+            <a:normAutofit/>
+          </a:bodyPr>
+          <a:lstStyle/>
+          <a:p>
+            <a:r>
+              <a:rPr lang="fr-FR" sz="5400" b="1" dirty="0" smtClean="0">
+                <a:solidFill>
+                  <a:srgbClr val="CF384A"/>
+                </a:solidFill>
+              </a:rPr>
+              <a:t>JS</a:t>
+            </a:r>
+            <a:endParaRPr lang="fr-FR" sz="5400" b="1" dirty="0">
+              <a:solidFill>
+                <a:srgbClr val="CF384A"/>
+              </a:solidFill>
+            </a:endParaRPr>
+          </a:p>
+        </p:txBody>
+      </p:sp>
       <p:pic>
         <p:nvPicPr>
-          <p:cNvPr id="3" name="Image 2"/>
+          <p:cNvPr id="4" name="Espace réservé du contenu 3"/>
           <p:cNvPicPr>
-            <a:picLocks noChangeAspect="1"/>
+            <a:picLocks noGrp="1" noChangeAspect="1"/>
           </p:cNvPicPr>
-          <p:nvPr/>
+          <p:nvPr>
+            <p:ph idx="1"/>
+          </p:nvPr>
         </p:nvPicPr>
         <p:blipFill>
           <a:blip r:embed="rId2"/>
@@ -6795,64 +7299,40 @@
         </p:blipFill>
         <p:spPr>
           <a:xfrm>
-            <a:off x="219303" y="2676700"/>
-            <a:ext cx="5944430" cy="3000794"/>
+            <a:off x="838200" y="1985645"/>
+            <a:ext cx="5346194" cy="4351338"/>
           </a:xfrm>
           <a:prstGeom prst="rect">
             <a:avLst/>
           </a:prstGeom>
-        </p:spPr>
-      </p:pic>
-      <p:pic>
-        <p:nvPicPr>
-          <p:cNvPr id="4" name="Image 3"/>
-          <p:cNvPicPr>
-            <a:picLocks noChangeAspect="1"/>
-          </p:cNvPicPr>
-          <p:nvPr/>
-        </p:nvPicPr>
-        <p:blipFill>
-          <a:blip r:embed="rId3"/>
-          <a:stretch>
-            <a:fillRect/>
-          </a:stretch>
-        </p:blipFill>
-        <p:spPr>
-          <a:xfrm>
-            <a:off x="384464" y="3170659"/>
-            <a:ext cx="5052157" cy="1250697"/>
-          </a:xfrm>
-          <a:prstGeom prst="rect">
-            <a:avLst/>
-          </a:prstGeom>
+          <a:ln>
+            <a:noFill/>
+          </a:ln>
           <a:effectLst>
-            <a:outerShdw blurRad="50800" dist="127000" dir="7740000" algn="t" rotWithShape="0">
-              <a:prstClr val="black">
-                <a:alpha val="40000"/>
-              </a:prstClr>
+            <a:outerShdw blurRad="292100" dist="139700" dir="2700000" algn="tl" rotWithShape="0">
+              <a:srgbClr val="333333">
+                <a:alpha val="65000"/>
+              </a:srgbClr>
             </a:outerShdw>
           </a:effectLst>
         </p:spPr>
       </p:pic>
       <p:sp>
         <p:nvSpPr>
-          <p:cNvPr id="10" name="Rectangle 9"/>
+          <p:cNvPr id="6" name="Rectangle à coins arrondis 5"/>
           <p:cNvSpPr/>
           <p:nvPr/>
         </p:nvSpPr>
         <p:spPr>
           <a:xfrm>
-            <a:off x="-135467" y="68161"/>
-            <a:ext cx="12327467" cy="2009422"/>
-          </a:xfrm>
-          <a:prstGeom prst="rect">
+            <a:off x="7749540" y="925830"/>
+            <a:ext cx="3589020" cy="4709160"/>
+          </a:xfrm>
+          <a:prstGeom prst="roundRect">
             <a:avLst/>
           </a:prstGeom>
           <a:solidFill>
-            <a:schemeClr val="tx1">
-              <a:lumMod val="75000"/>
-              <a:lumOff val="25000"/>
-            </a:schemeClr>
+            <a:srgbClr val="CF384A"/>
           </a:solidFill>
         </p:spPr>
         <p:style>
@@ -6877,65 +7357,68 @@
           <a:p>
             <a:pPr algn="ctr"/>
             <a:r>
-              <a:rPr lang="fr-FR" sz="6000" dirty="0" smtClean="0">
-                <a:solidFill>
-                  <a:srgbClr val="CF384A"/>
+              <a:rPr lang="fr-FR" sz="2800" dirty="0" smtClean="0">
+                <a:solidFill>
+                  <a:srgbClr val="FAC74E"/>
                 </a:solidFill>
               </a:rPr>
-              <a:t>Titre de la page de navigation</a:t>
-            </a:r>
-            <a:endParaRPr lang="fr-FR" sz="6000" dirty="0">
+              <a:t>Pour un chargement plus rapide </a:t>
+            </a:r>
+          </a:p>
+          <a:p>
+            <a:pPr algn="ctr"/>
+            <a:r>
+              <a:rPr lang="fr-FR" sz="2800" dirty="0" smtClean="0">
+                <a:solidFill>
+                  <a:srgbClr val="FAC74E"/>
+                </a:solidFill>
+              </a:rPr>
+              <a:t>Des page</a:t>
+            </a:r>
+          </a:p>
+          <a:p>
+            <a:pPr algn="ctr"/>
+            <a:r>
+              <a:rPr lang="fr-FR" sz="2800" dirty="0" smtClean="0">
+                <a:solidFill>
+                  <a:srgbClr val="FAC74E"/>
+                </a:solidFill>
+              </a:rPr>
+              <a:t>Le JS</a:t>
+            </a:r>
+          </a:p>
+          <a:p>
+            <a:pPr algn="ctr"/>
+            <a:r>
+              <a:rPr lang="fr-FR" sz="2800" dirty="0" smtClean="0">
+                <a:solidFill>
+                  <a:srgbClr val="FAC74E"/>
+                </a:solidFill>
+              </a:rPr>
+              <a:t>A été positionner en bas de page</a:t>
+            </a:r>
+            <a:endParaRPr lang="fr-FR" sz="2800" dirty="0">
               <a:solidFill>
-                <a:srgbClr val="CF384A"/>
+                <a:srgbClr val="FAC74E"/>
               </a:solidFill>
             </a:endParaRPr>
           </a:p>
         </p:txBody>
       </p:sp>
-      <p:pic>
-        <p:nvPicPr>
-          <p:cNvPr id="2" name="Image 1"/>
-          <p:cNvPicPr>
-            <a:picLocks noChangeAspect="1"/>
-          </p:cNvPicPr>
-          <p:nvPr/>
-        </p:nvPicPr>
-        <p:blipFill>
-          <a:blip r:embed="rId4"/>
-          <a:stretch>
-            <a:fillRect/>
-          </a:stretch>
-        </p:blipFill>
-        <p:spPr>
-          <a:xfrm>
-            <a:off x="1098597" y="5288924"/>
-            <a:ext cx="4509800" cy="1496340"/>
-          </a:xfrm>
-          <a:prstGeom prst="rect">
-            <a:avLst/>
-          </a:prstGeom>
-        </p:spPr>
-      </p:pic>
-      <p:sp>
-        <p:nvSpPr>
-          <p:cNvPr id="5" name="Ellipse 4"/>
+      <p:sp>
+        <p:nvSpPr>
+          <p:cNvPr id="7" name="Rectangle à coins arrondis 6"/>
           <p:cNvSpPr/>
           <p:nvPr/>
         </p:nvSpPr>
         <p:spPr>
           <a:xfrm>
-            <a:off x="384464" y="4499264"/>
-            <a:ext cx="3647209" cy="633845"/>
-          </a:xfrm>
-          <a:prstGeom prst="ellipse">
-            <a:avLst/>
-          </a:prstGeom>
-          <a:noFill/>
-          <a:ln w="38100">
-            <a:solidFill>
-              <a:srgbClr val="FAC74E"/>
-            </a:solidFill>
-          </a:ln>
+            <a:off x="239232" y="6531665"/>
+            <a:ext cx="2772229" cy="202451"/>
+          </a:xfrm>
+          <a:prstGeom prst="roundRect">
+            <a:avLst/>
+          </a:prstGeom>
         </p:spPr>
         <p:style>
           <a:lnRef idx="2">
@@ -6958,27 +7441,24 @@
           <a:lstStyle/>
           <a:p>
             <a:pPr algn="ctr"/>
-            <a:endParaRPr lang="fr-FR"/>
+            <a:r>
+              <a:rPr lang="fr-FR" dirty="0" smtClean="0"/>
+              <a:t>Page longue à charger</a:t>
+            </a:r>
+            <a:endParaRPr lang="fr-FR" dirty="0"/>
           </a:p>
         </p:txBody>
       </p:sp>
     </p:spTree>
     <p:extLst>
       <p:ext uri="{BB962C8B-B14F-4D97-AF65-F5344CB8AC3E}">
-        <p14:creationId xmlns:p14="http://schemas.microsoft.com/office/powerpoint/2010/main" val="4220533152"/>
+        <p14:creationId xmlns:p14="http://schemas.microsoft.com/office/powerpoint/2010/main" val="986369382"/>
       </p:ext>
     </p:extLst>
   </p:cSld>
   <p:clrMapOvr>
     <a:masterClrMapping/>
   </p:clrMapOvr>
-  <p:timing>
-    <p:tnLst>
-      <p:par>
-        <p:cTn id="1" dur="indefinite" restart="never" nodeType="tmRoot"/>
-      </p:par>
-    </p:tnLst>
-  </p:timing>
 </p:sld>
 </file>
 
@@ -6999,28 +7479,81 @@
           <a:chExt cx="0" cy="0"/>
         </a:xfrm>
       </p:grpSpPr>
-      <p:sp>
-        <p:nvSpPr>
-          <p:cNvPr id="5" name="Rectangle à coins arrondis 4"/>
+      <p:pic>
+        <p:nvPicPr>
+          <p:cNvPr id="3" name="Image 2"/>
+          <p:cNvPicPr>
+            <a:picLocks noChangeAspect="1"/>
+          </p:cNvPicPr>
+          <p:nvPr/>
+        </p:nvPicPr>
+        <p:blipFill>
+          <a:blip r:embed="rId2"/>
+          <a:stretch>
+            <a:fillRect/>
+          </a:stretch>
+        </p:blipFill>
+        <p:spPr>
+          <a:xfrm>
+            <a:off x="219303" y="2676700"/>
+            <a:ext cx="5944430" cy="3000794"/>
+          </a:xfrm>
+          <a:prstGeom prst="rect">
+            <a:avLst/>
+          </a:prstGeom>
+        </p:spPr>
+      </p:pic>
+      <p:pic>
+        <p:nvPicPr>
+          <p:cNvPr id="4" name="Image 3"/>
+          <p:cNvPicPr>
+            <a:picLocks noChangeAspect="1"/>
+          </p:cNvPicPr>
+          <p:nvPr/>
+        </p:nvPicPr>
+        <p:blipFill>
+          <a:blip r:embed="rId3"/>
+          <a:stretch>
+            <a:fillRect/>
+          </a:stretch>
+        </p:blipFill>
+        <p:spPr>
+          <a:xfrm>
+            <a:off x="384464" y="3170659"/>
+            <a:ext cx="5052157" cy="1250697"/>
+          </a:xfrm>
+          <a:prstGeom prst="rect">
+            <a:avLst/>
+          </a:prstGeom>
+          <a:effectLst>
+            <a:outerShdw blurRad="50800" dist="127000" dir="7740000" algn="t" rotWithShape="0">
+              <a:prstClr val="black">
+                <a:alpha val="40000"/>
+              </a:prstClr>
+            </a:outerShdw>
+          </a:effectLst>
+        </p:spPr>
+      </p:pic>
+      <p:sp>
+        <p:nvSpPr>
+          <p:cNvPr id="10" name="Rectangle 9"/>
           <p:cNvSpPr/>
           <p:nvPr/>
         </p:nvSpPr>
         <p:spPr>
           <a:xfrm>
-            <a:off x="2720622" y="191911"/>
-            <a:ext cx="7258756" cy="1715911"/>
-          </a:xfrm>
-          <a:prstGeom prst="roundRect">
+            <a:off x="-135467" y="68161"/>
+            <a:ext cx="12327467" cy="2009422"/>
+          </a:xfrm>
+          <a:prstGeom prst="rect">
             <a:avLst/>
           </a:prstGeom>
           <a:solidFill>
-            <a:srgbClr val="CF384A"/>
+            <a:schemeClr val="tx1">
+              <a:lumMod val="75000"/>
+              <a:lumOff val="25000"/>
+            </a:schemeClr>
           </a:solidFill>
-          <a:ln>
-            <a:solidFill>
-              <a:srgbClr val="CF384A"/>
-            </a:solidFill>
-          </a:ln>
         </p:spPr>
         <p:style>
           <a:lnRef idx="2">
@@ -7043,43 +7576,17 @@
           <a:lstStyle/>
           <a:p>
             <a:pPr algn="ctr"/>
-            <a:endParaRPr lang="fr-FR"/>
-          </a:p>
-        </p:txBody>
-      </p:sp>
-      <p:sp>
-        <p:nvSpPr>
-          <p:cNvPr id="2" name="Titre 1"/>
-          <p:cNvSpPr>
-            <a:spLocks noGrp="1"/>
-          </p:cNvSpPr>
-          <p:nvPr>
-            <p:ph type="title"/>
-          </p:nvPr>
-        </p:nvSpPr>
-        <p:spPr>
-          <a:xfrm>
-            <a:off x="3242734" y="387084"/>
-            <a:ext cx="10515600" cy="1325563"/>
-          </a:xfrm>
-        </p:spPr>
-        <p:txBody>
-          <a:bodyPr>
-            <a:normAutofit/>
-          </a:bodyPr>
-          <a:lstStyle/>
-          <a:p>
-            <a:r>
-              <a:rPr lang="fr-FR" sz="6000" b="1" dirty="0" smtClean="0">
-                <a:solidFill>
-                  <a:srgbClr val="FAC74E"/>
+            <a:r>
+              <a:rPr lang="fr-FR" sz="6000" dirty="0" smtClean="0">
+                <a:solidFill>
+                  <a:srgbClr val="CF384A"/>
                 </a:solidFill>
               </a:rPr>
-              <a:t>Renommer les IMG</a:t>
-            </a:r>
-            <a:endParaRPr lang="fr-FR" sz="6000" b="1" dirty="0">
+              <a:t>Titre de la page de navigation</a:t>
+            </a:r>
+            <a:endParaRPr lang="fr-FR" sz="6000" dirty="0">
               <a:solidFill>
-                <a:srgbClr val="FAC74E"/>
+                <a:srgbClr val="CF384A"/>
               </a:solidFill>
             </a:endParaRPr>
           </a:p>
@@ -7087,34 +7594,160 @@
       </p:sp>
       <p:pic>
         <p:nvPicPr>
-          <p:cNvPr id="4" name="Espace réservé du contenu 3"/>
+          <p:cNvPr id="2" name="Image 1"/>
           <p:cNvPicPr>
-            <a:picLocks noGrp="1" noChangeAspect="1"/>
+            <a:picLocks noChangeAspect="1"/>
           </p:cNvPicPr>
-          <p:nvPr>
-            <p:ph idx="1"/>
-          </p:nvPr>
+          <p:nvPr/>
         </p:nvPicPr>
         <p:blipFill>
-          <a:blip r:embed="rId2"/>
+          <a:blip r:embed="rId4"/>
           <a:stretch>
             <a:fillRect/>
           </a:stretch>
         </p:blipFill>
         <p:spPr>
           <a:xfrm>
-            <a:off x="342082" y="2885894"/>
-            <a:ext cx="5578836" cy="1765128"/>
+            <a:off x="1098597" y="5288924"/>
+            <a:ext cx="4509800" cy="1496340"/>
           </a:xfrm>
           <a:prstGeom prst="rect">
             <a:avLst/>
           </a:prstGeom>
         </p:spPr>
       </p:pic>
+      <p:sp>
+        <p:nvSpPr>
+          <p:cNvPr id="5" name="Ellipse 4"/>
+          <p:cNvSpPr/>
+          <p:nvPr/>
+        </p:nvSpPr>
+        <p:spPr>
+          <a:xfrm>
+            <a:off x="384464" y="4499264"/>
+            <a:ext cx="3647209" cy="633845"/>
+          </a:xfrm>
+          <a:prstGeom prst="ellipse">
+            <a:avLst/>
+          </a:prstGeom>
+          <a:noFill/>
+          <a:ln w="38100">
+            <a:solidFill>
+              <a:srgbClr val="FAC74E"/>
+            </a:solidFill>
+          </a:ln>
+        </p:spPr>
+        <p:style>
+          <a:lnRef idx="2">
+            <a:schemeClr val="accent1">
+              <a:shade val="50000"/>
+            </a:schemeClr>
+          </a:lnRef>
+          <a:fillRef idx="1">
+            <a:schemeClr val="accent1"/>
+          </a:fillRef>
+          <a:effectRef idx="0">
+            <a:schemeClr val="accent1"/>
+          </a:effectRef>
+          <a:fontRef idx="minor">
+            <a:schemeClr val="lt1"/>
+          </a:fontRef>
+        </p:style>
+        <p:txBody>
+          <a:bodyPr rtlCol="0" anchor="ctr"/>
+          <a:lstStyle/>
+          <a:p>
+            <a:pPr algn="ctr"/>
+            <a:endParaRPr lang="fr-FR"/>
+          </a:p>
+        </p:txBody>
+      </p:sp>
+      <p:sp>
+        <p:nvSpPr>
+          <p:cNvPr id="6" name="Rectangle à coins arrondis 5"/>
+          <p:cNvSpPr/>
+          <p:nvPr/>
+        </p:nvSpPr>
+        <p:spPr>
+          <a:xfrm>
+            <a:off x="8113486" y="2676700"/>
+            <a:ext cx="3410857" cy="3448329"/>
+          </a:xfrm>
+          <a:prstGeom prst="roundRect">
+            <a:avLst/>
+          </a:prstGeom>
+          <a:solidFill>
+            <a:srgbClr val="FAC74E"/>
+          </a:solidFill>
+          <a:ln>
+            <a:solidFill>
+              <a:srgbClr val="FAC74E"/>
+            </a:solidFill>
+          </a:ln>
+        </p:spPr>
+        <p:style>
+          <a:lnRef idx="2">
+            <a:schemeClr val="accent1">
+              <a:shade val="50000"/>
+            </a:schemeClr>
+          </a:lnRef>
+          <a:fillRef idx="1">
+            <a:schemeClr val="accent1"/>
+          </a:fillRef>
+          <a:effectRef idx="0">
+            <a:schemeClr val="accent1"/>
+          </a:effectRef>
+          <a:fontRef idx="minor">
+            <a:schemeClr val="lt1"/>
+          </a:fontRef>
+        </p:style>
+        <p:txBody>
+          <a:bodyPr rtlCol="0" anchor="ctr"/>
+          <a:lstStyle/>
+          <a:p>
+            <a:pPr algn="ctr"/>
+            <a:r>
+              <a:rPr lang="fr-FR" sz="3200" dirty="0" smtClean="0">
+                <a:solidFill>
+                  <a:srgbClr val="CF384A"/>
+                </a:solidFill>
+              </a:rPr>
+              <a:t>Titre de page</a:t>
+            </a:r>
+          </a:p>
+          <a:p>
+            <a:pPr algn="ctr"/>
+            <a:r>
+              <a:rPr lang="fr-FR" sz="3200" dirty="0" smtClean="0">
+                <a:solidFill>
+                  <a:srgbClr val="CF384A"/>
+                </a:solidFill>
+              </a:rPr>
+              <a:t>Expérience utilisateur</a:t>
+            </a:r>
+          </a:p>
+          <a:p>
+            <a:pPr algn="ctr"/>
+            <a:r>
+              <a:rPr lang="fr-FR" sz="3200" dirty="0" smtClean="0">
+                <a:solidFill>
+                  <a:srgbClr val="CF384A"/>
+                </a:solidFill>
+              </a:rPr>
+              <a:t>SEO</a:t>
+            </a:r>
+            <a:endParaRPr lang="fr-FR" sz="3200" dirty="0">
+              <a:solidFill>
+                <a:srgbClr val="CF384A"/>
+              </a:solidFill>
+            </a:endParaRPr>
+          </a:p>
+        </p:txBody>
+      </p:sp>
     </p:spTree>
     <p:extLst>
       <p:ext uri="{BB962C8B-B14F-4D97-AF65-F5344CB8AC3E}">
-        <p14:creationId xmlns:p14="http://schemas.microsoft.com/office/powerpoint/2010/main" val="1050534139"/>
+        <p14:creationId xmlns:p14="http://schemas.microsoft.com/office/powerpoint/2010/main" val="4220533152"/>
       </p:ext>
     </p:extLst>
   </p:cSld>
@@ -7150,20 +7783,20 @@
       </p:grpSpPr>
       <p:sp>
         <p:nvSpPr>
-          <p:cNvPr id="4" name="Rectangle à coins arrondis 3"/>
+          <p:cNvPr id="5" name="Rectangle à coins arrondis 4"/>
           <p:cNvSpPr/>
           <p:nvPr/>
         </p:nvSpPr>
         <p:spPr>
           <a:xfrm>
-            <a:off x="2891790" y="309909"/>
-            <a:ext cx="6023610" cy="1451610"/>
+            <a:off x="2720622" y="191911"/>
+            <a:ext cx="7258756" cy="1715911"/>
           </a:xfrm>
           <a:prstGeom prst="roundRect">
             <a:avLst/>
           </a:prstGeom>
           <a:solidFill>
-            <a:srgbClr val="FAC74E"/>
+            <a:srgbClr val="CF384A"/>
           </a:solidFill>
           <a:ln>
             <a:solidFill>
@@ -7208,8 +7841,8 @@
         </p:nvSpPr>
         <p:spPr>
           <a:xfrm>
-            <a:off x="4160866" y="372932"/>
-            <a:ext cx="4271010" cy="1325563"/>
+            <a:off x="3242734" y="387084"/>
+            <a:ext cx="10515600" cy="1325563"/>
           </a:xfrm>
         </p:spPr>
         <p:txBody>
@@ -7219,179 +7852,30 @@
           <a:lstStyle/>
           <a:p>
             <a:r>
-              <a:rPr lang="fr-FR" sz="6600" b="1" dirty="0" smtClean="0">
-                <a:solidFill>
-                  <a:srgbClr val="CF384A"/>
+              <a:rPr lang="fr-FR" sz="6000" b="1" dirty="0" smtClean="0">
+                <a:solidFill>
+                  <a:srgbClr val="FAC74E"/>
                 </a:solidFill>
               </a:rPr>
-              <a:t>&lt;</a:t>
-            </a:r>
-            <a:r>
-              <a:rPr lang="fr-FR" sz="6600" b="1" dirty="0" err="1">
-                <a:solidFill>
-                  <a:srgbClr val="CF384A"/>
-                </a:solidFill>
-              </a:rPr>
-              <a:t>S</a:t>
-            </a:r>
-            <a:r>
-              <a:rPr lang="fr-FR" sz="6600" b="1" dirty="0" err="1" smtClean="0">
-                <a:solidFill>
-                  <a:srgbClr val="CF384A"/>
-                </a:solidFill>
-              </a:rPr>
-              <a:t>trong</a:t>
-            </a:r>
-            <a:r>
-              <a:rPr lang="fr-FR" sz="6600" b="1" dirty="0" smtClean="0">
-                <a:solidFill>
-                  <a:srgbClr val="CF384A"/>
-                </a:solidFill>
-              </a:rPr>
-              <a:t>&gt;</a:t>
-            </a:r>
-            <a:endParaRPr lang="fr-FR" sz="6600" b="1" dirty="0">
-              <a:solidFill>
-                <a:srgbClr val="CF384A"/>
-              </a:solidFill>
-            </a:endParaRPr>
-          </a:p>
-        </p:txBody>
-      </p:sp>
-      <p:sp>
-        <p:nvSpPr>
-          <p:cNvPr id="5" name="Rectangle à coins arrondis 4"/>
-          <p:cNvSpPr/>
-          <p:nvPr/>
-        </p:nvSpPr>
-        <p:spPr>
-          <a:xfrm>
-            <a:off x="7938655" y="1824542"/>
-            <a:ext cx="4125189" cy="4929549"/>
-          </a:xfrm>
-          <a:prstGeom prst="roundRect">
-            <a:avLst/>
-          </a:prstGeom>
-          <a:solidFill>
-            <a:srgbClr val="CF384A"/>
-          </a:solidFill>
-        </p:spPr>
-        <p:style>
-          <a:lnRef idx="2">
-            <a:schemeClr val="accent1">
-              <a:shade val="50000"/>
-            </a:schemeClr>
-          </a:lnRef>
-          <a:fillRef idx="1">
-            <a:schemeClr val="accent1"/>
-          </a:fillRef>
-          <a:effectRef idx="0">
-            <a:schemeClr val="accent1"/>
-          </a:effectRef>
-          <a:fontRef idx="minor">
-            <a:schemeClr val="lt1"/>
-          </a:fontRef>
-        </p:style>
-        <p:txBody>
-          <a:bodyPr rtlCol="0" anchor="ctr"/>
-          <a:lstStyle/>
-          <a:p>
-            <a:pPr marL="285750" indent="-285750" algn="ctr">
-              <a:buFont typeface="Arial" panose="020B0604020202020204" pitchFamily="34" charset="0"/>
-              <a:buChar char="•"/>
-            </a:pPr>
-            <a:r>
-              <a:rPr lang="fr-FR" sz="2400" dirty="0" smtClean="0">
-                <a:solidFill>
-                  <a:srgbClr val="FAC74E"/>
-                </a:solidFill>
-              </a:rPr>
-              <a:t>Balises mis en place permet a </a:t>
-            </a:r>
-            <a:r>
-              <a:rPr lang="fr-FR" sz="2400" dirty="0">
-                <a:solidFill>
-                  <a:srgbClr val="FAC74E"/>
-                </a:solidFill>
-              </a:rPr>
-              <a:t>G</a:t>
-            </a:r>
-            <a:r>
-              <a:rPr lang="fr-FR" sz="2400" dirty="0" smtClean="0">
-                <a:solidFill>
-                  <a:srgbClr val="FAC74E"/>
-                </a:solidFill>
-              </a:rPr>
-              <a:t>oogle de comprendre que ces mots sont important</a:t>
-            </a:r>
-          </a:p>
-          <a:p>
-            <a:pPr algn="ctr"/>
-            <a:endParaRPr lang="fr-FR" sz="2400" dirty="0" smtClean="0">
+              <a:t>Renommer les IMG</a:t>
+            </a:r>
+            <a:endParaRPr lang="fr-FR" sz="6000" b="1" dirty="0">
               <a:solidFill>
                 <a:srgbClr val="FAC74E"/>
               </a:solidFill>
             </a:endParaRPr>
           </a:p>
-          <a:p>
-            <a:pPr marL="285750" indent="-285750" algn="ctr">
-              <a:buFont typeface="Arial" panose="020B0604020202020204" pitchFamily="34" charset="0"/>
-              <a:buChar char="•"/>
-            </a:pPr>
-            <a:r>
-              <a:rPr lang="fr-FR" sz="2400" dirty="0" smtClean="0">
-                <a:solidFill>
-                  <a:srgbClr val="FAC74E"/>
-                </a:solidFill>
-              </a:rPr>
-              <a:t>Pour le coté utilisateur les mots sont mis en avant</a:t>
-            </a:r>
-          </a:p>
-          <a:p>
-            <a:pPr algn="ctr"/>
-            <a:endParaRPr lang="fr-FR" sz="2400" dirty="0" smtClean="0">
-              <a:solidFill>
-                <a:srgbClr val="FAC74E"/>
-              </a:solidFill>
-            </a:endParaRPr>
-          </a:p>
-          <a:p>
-            <a:pPr marL="285750" indent="-285750" algn="ctr">
-              <a:buFont typeface="Arial" panose="020B0604020202020204" pitchFamily="34" charset="0"/>
-              <a:buChar char="•"/>
-            </a:pPr>
-            <a:r>
-              <a:rPr lang="fr-FR" sz="2400" dirty="0" smtClean="0">
-                <a:solidFill>
-                  <a:srgbClr val="FAC74E"/>
-                </a:solidFill>
-              </a:rPr>
-              <a:t>Il se démarque du texte</a:t>
-            </a:r>
-          </a:p>
-          <a:p>
-            <a:pPr marL="285750" indent="-285750" algn="ctr">
-              <a:buFont typeface="Arial" panose="020B0604020202020204" pitchFamily="34" charset="0"/>
-              <a:buChar char="•"/>
-            </a:pPr>
-            <a:r>
-              <a:rPr lang="fr-FR" sz="2400" dirty="0" smtClean="0">
-                <a:solidFill>
-                  <a:srgbClr val="FAC74E"/>
-                </a:solidFill>
-              </a:rPr>
-              <a:t>Mise en gras</a:t>
-            </a:r>
-          </a:p>
         </p:txBody>
       </p:sp>
       <p:pic>
         <p:nvPicPr>
-          <p:cNvPr id="3" name="Image 2"/>
+          <p:cNvPr id="4" name="Espace réservé du contenu 3"/>
           <p:cNvPicPr>
-            <a:picLocks noChangeAspect="1"/>
+            <a:picLocks noGrp="1" noChangeAspect="1"/>
           </p:cNvPicPr>
-          <p:nvPr/>
+          <p:nvPr>
+            <p:ph idx="1"/>
+          </p:nvPr>
         </p:nvPicPr>
         <p:blipFill>
           <a:blip r:embed="rId2"/>
@@ -7401,8 +7885,8 @@
         </p:blipFill>
         <p:spPr>
           <a:xfrm>
-            <a:off x="288853" y="2440463"/>
-            <a:ext cx="6891265" cy="883791"/>
+            <a:off x="453316" y="4598579"/>
+            <a:ext cx="5578836" cy="1765128"/>
           </a:xfrm>
           <a:prstGeom prst="rect">
             <a:avLst/>
@@ -7411,7 +7895,7 @@
       </p:pic>
       <p:pic>
         <p:nvPicPr>
-          <p:cNvPr id="6" name="Image 5"/>
+          <p:cNvPr id="3" name="Image 2"/>
           <p:cNvPicPr>
             <a:picLocks noChangeAspect="1"/>
           </p:cNvPicPr>
@@ -7425,19 +7909,14 @@
         </p:blipFill>
         <p:spPr>
           <a:xfrm>
-            <a:off x="935138" y="4711276"/>
-            <a:ext cx="6830378" cy="1924319"/>
+            <a:off x="1135863" y="2926035"/>
+            <a:ext cx="6749429" cy="2299108"/>
           </a:xfrm>
           <a:prstGeom prst="rect">
             <a:avLst/>
           </a:prstGeom>
           <a:ln>
-            <a:solidFill>
-              <a:schemeClr val="tx1">
-                <a:lumMod val="75000"/>
-                <a:lumOff val="25000"/>
-              </a:schemeClr>
-            </a:solidFill>
+            <a:noFill/>
           </a:ln>
           <a:effectLst>
             <a:outerShdw blurRad="292100" dist="139700" dir="2700000" algn="tl" rotWithShape="0">
@@ -7448,48 +7927,151 @@
           </a:effectLst>
         </p:spPr>
       </p:pic>
-      <p:pic>
-        <p:nvPicPr>
-          <p:cNvPr id="7" name="Image 6"/>
-          <p:cNvPicPr>
-            <a:picLocks noChangeAspect="1"/>
-          </p:cNvPicPr>
+      <p:sp>
+        <p:nvSpPr>
+          <p:cNvPr id="6" name="Rectangle à coins arrondis 5"/>
+          <p:cNvSpPr/>
           <p:nvPr/>
-        </p:nvPicPr>
-        <p:blipFill>
-          <a:blip r:embed="rId4"/>
-          <a:stretch>
-            <a:fillRect/>
-          </a:stretch>
-        </p:blipFill>
-        <p:spPr>
-          <a:xfrm>
-            <a:off x="494983" y="3085517"/>
-            <a:ext cx="7064404" cy="1116902"/>
-          </a:xfrm>
-          <a:prstGeom prst="rect">
-            <a:avLst/>
-          </a:prstGeom>
-          <a:ln w="38100" cap="sq">
+        </p:nvSpPr>
+        <p:spPr>
+          <a:xfrm>
+            <a:off x="8723086" y="2384674"/>
+            <a:ext cx="3004457" cy="3381829"/>
+          </a:xfrm>
+          <a:prstGeom prst="roundRect">
+            <a:avLst/>
+          </a:prstGeom>
+          <a:solidFill>
+            <a:srgbClr val="FAC74E"/>
+          </a:solidFill>
+          <a:ln>
             <a:solidFill>
-              <a:srgbClr val="000000"/>
+              <a:srgbClr val="FAC74E"/>
             </a:solidFill>
-            <a:prstDash val="solid"/>
-            <a:miter lim="800000"/>
           </a:ln>
-          <a:effectLst>
-            <a:outerShdw blurRad="50800" dist="38100" dir="2700000" algn="tl" rotWithShape="0">
-              <a:srgbClr val="000000">
-                <a:alpha val="43000"/>
-              </a:srgbClr>
-            </a:outerShdw>
-          </a:effectLst>
-        </p:spPr>
-      </p:pic>
+        </p:spPr>
+        <p:style>
+          <a:lnRef idx="2">
+            <a:schemeClr val="accent1">
+              <a:shade val="50000"/>
+            </a:schemeClr>
+          </a:lnRef>
+          <a:fillRef idx="1">
+            <a:schemeClr val="accent1"/>
+          </a:fillRef>
+          <a:effectRef idx="0">
+            <a:schemeClr val="accent1"/>
+          </a:effectRef>
+          <a:fontRef idx="minor">
+            <a:schemeClr val="lt1"/>
+          </a:fontRef>
+        </p:style>
+        <p:txBody>
+          <a:bodyPr rtlCol="0" anchor="ctr"/>
+          <a:lstStyle/>
+          <a:p>
+            <a:pPr algn="ctr"/>
+            <a:r>
+              <a:rPr lang="fr-FR" sz="2400" dirty="0" smtClean="0">
+                <a:solidFill>
+                  <a:srgbClr val="CF384A"/>
+                </a:solidFill>
+              </a:rPr>
+              <a:t>Image renommer pour </a:t>
+            </a:r>
+          </a:p>
+          <a:p>
+            <a:pPr algn="ctr"/>
+            <a:r>
+              <a:rPr lang="fr-FR" sz="2400" dirty="0" smtClean="0">
+                <a:solidFill>
+                  <a:srgbClr val="CF384A"/>
+                </a:solidFill>
+              </a:rPr>
+              <a:t>Un meilleur classement </a:t>
+            </a:r>
+          </a:p>
+          <a:p>
+            <a:pPr algn="ctr"/>
+            <a:r>
+              <a:rPr lang="fr-FR" sz="2400" dirty="0" smtClean="0">
+                <a:solidFill>
+                  <a:srgbClr val="CF384A"/>
+                </a:solidFill>
+              </a:rPr>
+              <a:t>Google image</a:t>
+            </a:r>
+          </a:p>
+          <a:p>
+            <a:pPr algn="ctr"/>
+            <a:r>
+              <a:rPr lang="fr-FR" sz="2400" dirty="0" smtClean="0">
+                <a:solidFill>
+                  <a:srgbClr val="CF384A"/>
+                </a:solidFill>
+              </a:rPr>
+              <a:t>Et SEO</a:t>
+            </a:r>
+            <a:endParaRPr lang="fr-FR" sz="2400" dirty="0">
+              <a:solidFill>
+                <a:srgbClr val="CF384A"/>
+              </a:solidFill>
+            </a:endParaRPr>
+          </a:p>
+        </p:txBody>
+      </p:sp>
+      <p:sp>
+        <p:nvSpPr>
+          <p:cNvPr id="7" name="Rectangle à coins arrondis 6"/>
+          <p:cNvSpPr/>
+          <p:nvPr/>
+        </p:nvSpPr>
+        <p:spPr>
+          <a:xfrm>
+            <a:off x="453316" y="6502400"/>
+            <a:ext cx="1535141" cy="232229"/>
+          </a:xfrm>
+          <a:prstGeom prst="roundRect">
+            <a:avLst/>
+          </a:prstGeom>
+        </p:spPr>
+        <p:style>
+          <a:lnRef idx="2">
+            <a:schemeClr val="accent1">
+              <a:shade val="50000"/>
+            </a:schemeClr>
+          </a:lnRef>
+          <a:fillRef idx="1">
+            <a:schemeClr val="accent1"/>
+          </a:fillRef>
+          <a:effectRef idx="0">
+            <a:schemeClr val="accent1"/>
+          </a:effectRef>
+          <a:fontRef idx="minor">
+            <a:schemeClr val="lt1"/>
+          </a:fontRef>
+        </p:style>
+        <p:txBody>
+          <a:bodyPr rtlCol="0" anchor="ctr"/>
+          <a:lstStyle/>
+          <a:p>
+            <a:pPr algn="ctr"/>
+            <a:r>
+              <a:rPr lang="fr-FR" dirty="0"/>
+              <a:t>A</a:t>
+            </a:r>
+            <a:r>
+              <a:rPr lang="fr-FR" dirty="0" smtClean="0"/>
+              <a:t>ffichage</a:t>
+            </a:r>
+            <a:endParaRPr lang="fr-FR" dirty="0"/>
+          </a:p>
+        </p:txBody>
+      </p:sp>
     </p:spTree>
     <p:extLst>
       <p:ext uri="{BB962C8B-B14F-4D97-AF65-F5344CB8AC3E}">
-        <p14:creationId xmlns:p14="http://schemas.microsoft.com/office/powerpoint/2010/main" val="698784201"/>
+        <p14:creationId xmlns:p14="http://schemas.microsoft.com/office/powerpoint/2010/main" val="1050534139"/>
       </p:ext>
     </p:extLst>
   </p:cSld>
@@ -7608,7 +8190,7 @@
         </p:nvSpPr>
         <p:spPr>
           <a:xfrm>
-            <a:off x="1165860" y="2205990"/>
+            <a:off x="1165860" y="2046333"/>
             <a:ext cx="9738360" cy="4423410"/>
           </a:xfrm>
           <a:prstGeom prst="roundRect">
@@ -7672,6 +8254,121 @@
           </a:prstGeom>
         </p:spPr>
       </p:pic>
+      <p:sp>
+        <p:nvSpPr>
+          <p:cNvPr id="3" name="Rectangle à coins arrondis 2"/>
+          <p:cNvSpPr/>
+          <p:nvPr/>
+        </p:nvSpPr>
+        <p:spPr>
+          <a:xfrm>
+            <a:off x="7300685" y="2673374"/>
+            <a:ext cx="3062515" cy="3033486"/>
+          </a:xfrm>
+          <a:prstGeom prst="roundRect">
+            <a:avLst/>
+          </a:prstGeom>
+          <a:solidFill>
+            <a:srgbClr val="FAC74E"/>
+          </a:solidFill>
+          <a:ln>
+            <a:solidFill>
+              <a:srgbClr val="FAC74E"/>
+            </a:solidFill>
+          </a:ln>
+        </p:spPr>
+        <p:style>
+          <a:lnRef idx="2">
+            <a:schemeClr val="accent1">
+              <a:shade val="50000"/>
+            </a:schemeClr>
+          </a:lnRef>
+          <a:fillRef idx="1">
+            <a:schemeClr val="accent1"/>
+          </a:fillRef>
+          <a:effectRef idx="0">
+            <a:schemeClr val="accent1"/>
+          </a:effectRef>
+          <a:fontRef idx="minor">
+            <a:schemeClr val="lt1"/>
+          </a:fontRef>
+        </p:style>
+        <p:txBody>
+          <a:bodyPr rtlCol="0" anchor="ctr"/>
+          <a:lstStyle/>
+          <a:p>
+            <a:pPr algn="ctr"/>
+            <a:r>
+              <a:rPr lang="fr-FR" sz="3200" dirty="0" smtClean="0">
+                <a:solidFill>
+                  <a:srgbClr val="CF384A"/>
+                </a:solidFill>
+              </a:rPr>
+              <a:t>Images au même</a:t>
+            </a:r>
+          </a:p>
+          <a:p>
+            <a:pPr algn="ctr"/>
+            <a:r>
+              <a:rPr lang="fr-FR" sz="3200" dirty="0" smtClean="0">
+                <a:solidFill>
+                  <a:srgbClr val="CF384A"/>
+                </a:solidFill>
+              </a:rPr>
+              <a:t>format</a:t>
+            </a:r>
+            <a:endParaRPr lang="fr-FR" sz="3200" dirty="0">
+              <a:solidFill>
+                <a:srgbClr val="CF384A"/>
+              </a:solidFill>
+            </a:endParaRPr>
+          </a:p>
+        </p:txBody>
+      </p:sp>
+      <p:sp>
+        <p:nvSpPr>
+          <p:cNvPr id="7" name="Rectangle à coins arrondis 6"/>
+          <p:cNvSpPr/>
+          <p:nvPr/>
+        </p:nvSpPr>
+        <p:spPr>
+          <a:xfrm>
+            <a:off x="304800" y="6469743"/>
+            <a:ext cx="1190171" cy="250371"/>
+          </a:xfrm>
+          <a:prstGeom prst="roundRect">
+            <a:avLst/>
+          </a:prstGeom>
+        </p:spPr>
+        <p:style>
+          <a:lnRef idx="2">
+            <a:schemeClr val="accent1">
+              <a:shade val="50000"/>
+            </a:schemeClr>
+          </a:lnRef>
+          <a:fillRef idx="1">
+            <a:schemeClr val="accent1"/>
+          </a:fillRef>
+          <a:effectRef idx="0">
+            <a:schemeClr val="accent1"/>
+          </a:effectRef>
+          <a:fontRef idx="minor">
+            <a:schemeClr val="lt1"/>
+          </a:fontRef>
+        </p:style>
+        <p:txBody>
+          <a:bodyPr rtlCol="0" anchor="ctr"/>
+          <a:lstStyle/>
+          <a:p>
+            <a:pPr algn="ctr"/>
+            <a:r>
+              <a:rPr lang="fr-FR" dirty="0" smtClean="0"/>
+              <a:t>Affichage</a:t>
+            </a:r>
+            <a:endParaRPr lang="fr-FR" dirty="0"/>
+          </a:p>
+        </p:txBody>
+      </p:sp>
     </p:spTree>
     <p:extLst>
       <p:ext uri="{BB962C8B-B14F-4D97-AF65-F5344CB8AC3E}">
